--- a/src/main/java/ee/bcs/java/lectures/Loeng18 - Liquibase.pptx
+++ b/src/main/java/ee/bcs/java/lectures/Loeng18 - Liquibase.pptx
@@ -5,7 +5,7 @@
     <p:sldMasterId id="2147483648" r:id="rId1"/>
   </p:sldMasterIdLst>
   <p:notesMasterIdLst>
-    <p:notesMasterId r:id="rId13"/>
+    <p:notesMasterId r:id="rId14"/>
   </p:notesMasterIdLst>
   <p:sldIdLst>
     <p:sldId id="260" r:id="rId2"/>
@@ -14,11 +14,12 @@
     <p:sldId id="361" r:id="rId5"/>
     <p:sldId id="362" r:id="rId6"/>
     <p:sldId id="347" r:id="rId7"/>
-    <p:sldId id="360" r:id="rId8"/>
-    <p:sldId id="359" r:id="rId9"/>
-    <p:sldId id="348" r:id="rId10"/>
-    <p:sldId id="357" r:id="rId11"/>
-    <p:sldId id="363" r:id="rId12"/>
+    <p:sldId id="364" r:id="rId8"/>
+    <p:sldId id="360" r:id="rId9"/>
+    <p:sldId id="359" r:id="rId10"/>
+    <p:sldId id="348" r:id="rId11"/>
+    <p:sldId id="357" r:id="rId12"/>
+    <p:sldId id="363" r:id="rId13"/>
   </p:sldIdLst>
   <p:sldSz cx="9144000" cy="6858000" type="screen4x3"/>
   <p:notesSz cx="6858000" cy="9144000"/>
@@ -252,7 +253,7 @@
           <a:p>
             <a:fld id="{60163E65-5F46-4A69-883D-966D9827EBBB}" type="datetimeFigureOut">
               <a:rPr lang="en-US" smtClean="0"/>
-              <a:t>12/16/2020</a:t>
+              <a:t>21-Dec-20</a:t>
             </a:fld>
             <a:endParaRPr lang="en-US"/>
           </a:p>
@@ -710,7 +711,7 @@
             <a:fld id="{9B034333-4FC0-4832-B48E-1BB4D6BFA92F}" type="datetimeFigureOut">
               <a:rPr lang="et-EE" smtClean="0"/>
               <a:pPr/>
-              <a:t>16.12.2020</a:t>
+              <a:t>21.12.2020</a:t>
             </a:fld>
             <a:endParaRPr lang="et-EE"/>
           </a:p>
@@ -929,7 +930,7 @@
             <a:fld id="{9B034333-4FC0-4832-B48E-1BB4D6BFA92F}" type="datetimeFigureOut">
               <a:rPr lang="et-EE" smtClean="0"/>
               <a:pPr/>
-              <a:t>16.12.2020</a:t>
+              <a:t>21.12.2020</a:t>
             </a:fld>
             <a:endParaRPr lang="et-EE"/>
           </a:p>
@@ -1104,7 +1105,7 @@
             <a:fld id="{9B034333-4FC0-4832-B48E-1BB4D6BFA92F}" type="datetimeFigureOut">
               <a:rPr lang="et-EE" smtClean="0"/>
               <a:pPr/>
-              <a:t>16.12.2020</a:t>
+              <a:t>21.12.2020</a:t>
             </a:fld>
             <a:endParaRPr lang="et-EE"/>
           </a:p>
@@ -1347,7 +1348,7 @@
             <a:fld id="{9B034333-4FC0-4832-B48E-1BB4D6BFA92F}" type="datetimeFigureOut">
               <a:rPr lang="et-EE" smtClean="0"/>
               <a:pPr/>
-              <a:t>16.12.2020</a:t>
+              <a:t>21.12.2020</a:t>
             </a:fld>
             <a:endParaRPr lang="et-EE"/>
           </a:p>
@@ -1644,7 +1645,7 @@
             <a:fld id="{9B034333-4FC0-4832-B48E-1BB4D6BFA92F}" type="datetimeFigureOut">
               <a:rPr lang="et-EE" smtClean="0"/>
               <a:pPr/>
-              <a:t>16.12.2020</a:t>
+              <a:t>21.12.2020</a:t>
             </a:fld>
             <a:endParaRPr lang="et-EE"/>
           </a:p>
@@ -1996,7 +1997,7 @@
             <a:fld id="{9B034333-4FC0-4832-B48E-1BB4D6BFA92F}" type="datetimeFigureOut">
               <a:rPr lang="et-EE" smtClean="0"/>
               <a:pPr/>
-              <a:t>16.12.2020</a:t>
+              <a:t>21.12.2020</a:t>
             </a:fld>
             <a:endParaRPr lang="et-EE"/>
           </a:p>
@@ -2496,7 +2497,7 @@
             <a:fld id="{9B034333-4FC0-4832-B48E-1BB4D6BFA92F}" type="datetimeFigureOut">
               <a:rPr lang="et-EE" smtClean="0"/>
               <a:pPr/>
-              <a:t>16.12.2020</a:t>
+              <a:t>21.12.2020</a:t>
             </a:fld>
             <a:endParaRPr lang="et-EE"/>
           </a:p>
@@ -2610,7 +2611,7 @@
             <a:fld id="{9B034333-4FC0-4832-B48E-1BB4D6BFA92F}" type="datetimeFigureOut">
               <a:rPr lang="et-EE" smtClean="0"/>
               <a:pPr/>
-              <a:t>16.12.2020</a:t>
+              <a:t>21.12.2020</a:t>
             </a:fld>
             <a:endParaRPr lang="et-EE"/>
           </a:p>
@@ -2702,7 +2703,7 @@
             <a:fld id="{9B034333-4FC0-4832-B48E-1BB4D6BFA92F}" type="datetimeFigureOut">
               <a:rPr lang="et-EE" smtClean="0"/>
               <a:pPr/>
-              <a:t>16.12.2020</a:t>
+              <a:t>21.12.2020</a:t>
             </a:fld>
             <a:endParaRPr lang="et-EE"/>
           </a:p>
@@ -2974,7 +2975,7 @@
             <a:fld id="{9B034333-4FC0-4832-B48E-1BB4D6BFA92F}" type="datetimeFigureOut">
               <a:rPr lang="et-EE" smtClean="0"/>
               <a:pPr/>
-              <a:t>16.12.2020</a:t>
+              <a:t>21.12.2020</a:t>
             </a:fld>
             <a:endParaRPr lang="et-EE"/>
           </a:p>
@@ -3226,7 +3227,7 @@
             <a:fld id="{9B034333-4FC0-4832-B48E-1BB4D6BFA92F}" type="datetimeFigureOut">
               <a:rPr lang="et-EE" smtClean="0"/>
               <a:pPr/>
-              <a:t>16.12.2020</a:t>
+              <a:t>21.12.2020</a:t>
             </a:fld>
             <a:endParaRPr lang="et-EE"/>
           </a:p>
@@ -3435,7 +3436,7 @@
             <a:fld id="{9B034333-4FC0-4832-B48E-1BB4D6BFA92F}" type="datetimeFigureOut">
               <a:rPr lang="et-EE" smtClean="0"/>
               <a:pPr/>
-              <a:t>16.12.2020</a:t>
+              <a:t>21.12.2020</a:t>
             </a:fld>
             <a:endParaRPr lang="et-EE"/>
           </a:p>
@@ -3850,7 +3851,7 @@
           <a:lstStyle/>
           <a:p>
             <a:r>
-              <a:rPr lang="et-EE"/>
+              <a:rPr lang="et-EE" dirty="0" err="1"/>
               <a:t>Liquibase</a:t>
             </a:r>
             <a:endParaRPr lang="et-EE" dirty="0"/>
@@ -3914,7 +3915,7 @@
             </a:r>
             <a:r>
               <a:rPr lang="et-EE" dirty="0" err="1"/>
-              <a:t>basics</a:t>
+              <a:t>documentation</a:t>
             </a:r>
             <a:endParaRPr lang="en-US" dirty="0"/>
           </a:p>
@@ -3946,6 +3947,111 @@
           <a:bodyPr/>
           <a:lstStyle/>
           <a:p>
+            <a:pPr marL="0" indent="0">
+              <a:buNone/>
+            </a:pPr>
+            <a:r>
+              <a:rPr lang="en-US" dirty="0"/>
+              <a:t>https://docs.liquibase.com/concepts/basic/xml-format.html</a:t>
+            </a:r>
+            <a:endParaRPr lang="et-EE" dirty="0"/>
+          </a:p>
+        </p:txBody>
+      </p:sp>
+    </p:spTree>
+    <p:extLst>
+      <p:ext uri="{BB962C8B-B14F-4D97-AF65-F5344CB8AC3E}">
+        <p14:creationId xmlns:p14="http://schemas.microsoft.com/office/powerpoint/2010/main" val="3183958045"/>
+      </p:ext>
+    </p:extLst>
+  </p:cSld>
+  <p:clrMapOvr>
+    <a:masterClrMapping/>
+  </p:clrMapOvr>
+</p:sld>
+</file>
+
+<file path=ppt/slides/slide11.xml><?xml version="1.0" encoding="utf-8"?>
+<p:sld xmlns:a="http://schemas.openxmlformats.org/drawingml/2006/main" xmlns:r="http://schemas.openxmlformats.org/officeDocument/2006/relationships" xmlns:p="http://schemas.openxmlformats.org/presentationml/2006/main">
+  <p:cSld>
+    <p:spTree>
+      <p:nvGrpSpPr>
+        <p:cNvPr id="1" name=""/>
+        <p:cNvGrpSpPr/>
+        <p:nvPr/>
+      </p:nvGrpSpPr>
+      <p:grpSpPr>
+        <a:xfrm>
+          <a:off x="0" y="0"/>
+          <a:ext cx="0" cy="0"/>
+          <a:chOff x="0" y="0"/>
+          <a:chExt cx="0" cy="0"/>
+        </a:xfrm>
+      </p:grpSpPr>
+      <p:sp>
+        <p:nvSpPr>
+          <p:cNvPr id="2" name="Title 1"/>
+          <p:cNvSpPr>
+            <a:spLocks noGrp="1"/>
+          </p:cNvSpPr>
+          <p:nvPr>
+            <p:ph type="title"/>
+          </p:nvPr>
+        </p:nvSpPr>
+        <p:spPr>
+          <a:xfrm>
+            <a:off x="450376" y="1052736"/>
+            <a:ext cx="8229600" cy="757982"/>
+          </a:xfrm>
+        </p:spPr>
+        <p:txBody>
+          <a:bodyPr>
+            <a:normAutofit/>
+          </a:bodyPr>
+          <a:lstStyle/>
+          <a:p>
+            <a:r>
+              <a:rPr lang="et-EE" dirty="0" err="1"/>
+              <a:t>Liqubase</a:t>
+            </a:r>
+            <a:r>
+              <a:rPr lang="et-EE" dirty="0"/>
+              <a:t> </a:t>
+            </a:r>
+            <a:r>
+              <a:rPr lang="et-EE" dirty="0" err="1"/>
+              <a:t>basics</a:t>
+            </a:r>
+            <a:endParaRPr lang="en-US" dirty="0"/>
+          </a:p>
+        </p:txBody>
+      </p:sp>
+      <p:sp>
+        <p:nvSpPr>
+          <p:cNvPr id="3" name="Content Placeholder 2">
+            <a:extLst>
+              <a:ext uri="{FF2B5EF4-FFF2-40B4-BE49-F238E27FC236}">
+                <a16:creationId xmlns:a16="http://schemas.microsoft.com/office/drawing/2014/main" id="{8568E9C9-A2B2-46AF-9C88-FA5163FF6C4A}"/>
+              </a:ext>
+            </a:extLst>
+          </p:cNvPr>
+          <p:cNvSpPr>
+            <a:spLocks noGrp="1"/>
+          </p:cNvSpPr>
+          <p:nvPr>
+            <p:ph idx="1"/>
+          </p:nvPr>
+        </p:nvSpPr>
+        <p:spPr>
+          <a:xfrm>
+            <a:off x="421861" y="2348880"/>
+            <a:ext cx="8236424" cy="3993307"/>
+          </a:xfrm>
+        </p:spPr>
+        <p:txBody>
+          <a:bodyPr/>
+          <a:lstStyle/>
+          <a:p>
             <a:r>
               <a:rPr lang="et-EE" dirty="0" err="1"/>
               <a:t>Liquibase</a:t>
@@ -4191,7 +4297,7 @@
 </p:sld>
 </file>
 
-<file path=ppt/slides/slide11.xml><?xml version="1.0" encoding="utf-8"?>
+<file path=ppt/slides/slide12.xml><?xml version="1.0" encoding="utf-8"?>
 <p:sld xmlns:a="http://schemas.openxmlformats.org/drawingml/2006/main" xmlns:r="http://schemas.openxmlformats.org/officeDocument/2006/relationships" xmlns:p="http://schemas.openxmlformats.org/presentationml/2006/main">
   <p:cSld>
     <p:spTree>
@@ -4867,6 +4973,57 @@
               <a:rPr lang="et-EE" dirty="0"/>
               <a:t>/changelog-master.xml</a:t>
             </a:r>
+            <a:endParaRPr lang="en-US" dirty="0"/>
+          </a:p>
+          <a:p>
+            <a:pPr marL="0" indent="0">
+              <a:buNone/>
+            </a:pPr>
+            <a:endParaRPr lang="en-US" dirty="0"/>
+          </a:p>
+          <a:p>
+            <a:pPr marL="0" indent="0">
+              <a:buNone/>
+            </a:pPr>
+            <a:r>
+              <a:rPr lang="ru-RU" dirty="0"/>
+              <a:t>В </a:t>
+            </a:r>
+            <a:r>
+              <a:rPr lang="en-US" dirty="0"/>
+              <a:t>resources c</a:t>
+            </a:r>
+            <a:r>
+              <a:rPr lang="ru-RU" dirty="0"/>
+              <a:t>делать новые каталоги </a:t>
+            </a:r>
+            <a:r>
+              <a:rPr lang="en-US" dirty="0" err="1"/>
+              <a:t>db</a:t>
+            </a:r>
+            <a:r>
+              <a:rPr lang="en-US" dirty="0"/>
+              <a:t>/changelog</a:t>
+            </a:r>
+            <a:r>
+              <a:rPr lang="ru-RU" dirty="0"/>
+              <a:t>  (как в строке выше) (именно два раза отдельно создать по каталогу)</a:t>
+            </a:r>
+            <a:endParaRPr lang="en-US" dirty="0"/>
+          </a:p>
+          <a:p>
+            <a:pPr marL="0" indent="0">
+              <a:buNone/>
+            </a:pPr>
+            <a:r>
+              <a:rPr lang="ru-RU" dirty="0"/>
+              <a:t>И там создать файл </a:t>
+            </a:r>
+            <a:r>
+              <a:rPr lang="en-US" dirty="0"/>
+              <a:t>changelog-master.xml</a:t>
+            </a:r>
+            <a:endParaRPr lang="et-EE" dirty="0"/>
           </a:p>
         </p:txBody>
       </p:sp>
@@ -4912,7 +5069,7 @@
         </p:nvSpPr>
         <p:spPr>
           <a:xfrm>
-            <a:off x="450376" y="1052736"/>
+            <a:off x="0" y="-34810"/>
             <a:ext cx="8229600" cy="757982"/>
           </a:xfrm>
         </p:spPr>
@@ -4923,7 +5080,7 @@
           <a:lstStyle/>
           <a:p>
             <a:r>
-              <a:rPr lang="et-EE"/>
+              <a:rPr lang="et-EE" dirty="0"/>
               <a:t>changelog-master.xml</a:t>
             </a:r>
             <a:endParaRPr lang="en-US" dirty="0"/>
@@ -4948,7 +5105,7 @@
         </p:nvSpPr>
         <p:spPr>
           <a:xfrm>
-            <a:off x="421861" y="2348880"/>
+            <a:off x="35496" y="723873"/>
             <a:ext cx="8236424" cy="3993307"/>
           </a:xfrm>
         </p:spPr>
@@ -4999,7 +5156,7 @@
         </p:blipFill>
         <p:spPr>
           <a:xfrm>
-            <a:off x="417908" y="3140968"/>
+            <a:off x="0" y="1340768"/>
             <a:ext cx="8130840" cy="2279598"/>
           </a:xfrm>
           <a:prstGeom prst="rect">
@@ -5007,6 +5164,925 @@
           </a:prstGeom>
         </p:spPr>
       </p:pic>
+      <p:sp>
+        <p:nvSpPr>
+          <p:cNvPr id="4" name="TextBox 3">
+            <a:extLst>
+              <a:ext uri="{FF2B5EF4-FFF2-40B4-BE49-F238E27FC236}">
+                <a16:creationId xmlns:a16="http://schemas.microsoft.com/office/drawing/2014/main" id="{17E5D848-6B3B-4AB1-986D-1189C8EA481E}"/>
+              </a:ext>
+            </a:extLst>
+          </p:cNvPr>
+          <p:cNvSpPr txBox="1"/>
+          <p:nvPr/>
+        </p:nvSpPr>
+        <p:spPr>
+          <a:xfrm>
+            <a:off x="19722" y="3501008"/>
+            <a:ext cx="9612560" cy="3877985"/>
+          </a:xfrm>
+          <a:prstGeom prst="rect">
+            <a:avLst/>
+          </a:prstGeom>
+          <a:noFill/>
+        </p:spPr>
+        <p:txBody>
+          <a:bodyPr wrap="square" rtlCol="0">
+            <a:spAutoFit/>
+          </a:bodyPr>
+          <a:lstStyle/>
+          <a:p>
+            <a:r>
+              <a:rPr lang="ru-RU" sz="1400" dirty="0"/>
+              <a:t>Вставить этот код в </a:t>
+            </a:r>
+            <a:r>
+              <a:rPr lang="en-US" sz="1400" dirty="0"/>
+              <a:t>changelog-master.xml</a:t>
+            </a:r>
+            <a:r>
+              <a:rPr lang="ru-RU" sz="1400" dirty="0"/>
+              <a:t> (взять от сюда или по ссылке наверху слайда) (из кода с сайта по линку стереть две сроки внизу 1.1 и 2.0 + исправить путь к папке в поле </a:t>
+            </a:r>
+            <a:r>
+              <a:rPr lang="en-US" sz="1400" dirty="0"/>
+              <a:t>&lt;include file …… (</a:t>
+            </a:r>
+            <a:r>
+              <a:rPr lang="ru-RU" sz="1400" dirty="0"/>
+              <a:t>стереть </a:t>
+            </a:r>
+            <a:r>
+              <a:rPr lang="en-US" sz="1400" dirty="0" err="1"/>
+              <a:t>com.example</a:t>
+            </a:r>
+            <a:r>
+              <a:rPr lang="en-US" sz="1400" dirty="0"/>
+              <a:t>)</a:t>
+            </a:r>
+            <a:endParaRPr lang="ru-RU" sz="1400" dirty="0"/>
+          </a:p>
+          <a:p>
+            <a:r>
+              <a:rPr kumimoji="0" lang="ru-RU" altLang="ru-RU" sz="1400" b="0" i="0" u="none" strike="noStrike" cap="none" normalizeH="0" baseline="0" dirty="0">
+                <a:ln>
+                  <a:noFill/>
+                </a:ln>
+                <a:solidFill>
+                  <a:srgbClr val="E8BF6A"/>
+                </a:solidFill>
+                <a:effectLst/>
+                <a:latin typeface="JetBrains Mono"/>
+              </a:rPr>
+              <a:t>&lt;</a:t>
+            </a:r>
+            <a:r>
+              <a:rPr kumimoji="0" lang="ru-RU" altLang="ru-RU" sz="1400" b="0" i="0" u="none" strike="noStrike" cap="none" normalizeH="0" baseline="0" dirty="0" err="1">
+                <a:ln>
+                  <a:noFill/>
+                </a:ln>
+                <a:solidFill>
+                  <a:srgbClr val="E8BF6A"/>
+                </a:solidFill>
+                <a:effectLst/>
+                <a:latin typeface="JetBrains Mono"/>
+              </a:rPr>
+              <a:t>include</a:t>
+            </a:r>
+            <a:r>
+              <a:rPr kumimoji="0" lang="ru-RU" altLang="ru-RU" sz="1400" b="0" i="0" u="none" strike="noStrike" cap="none" normalizeH="0" baseline="0" dirty="0">
+                <a:ln>
+                  <a:noFill/>
+                </a:ln>
+                <a:solidFill>
+                  <a:srgbClr val="E8BF6A"/>
+                </a:solidFill>
+                <a:effectLst/>
+                <a:latin typeface="JetBrains Mono"/>
+              </a:rPr>
+              <a:t>  </a:t>
+            </a:r>
+            <a:r>
+              <a:rPr kumimoji="0" lang="ru-RU" altLang="ru-RU" sz="1400" b="0" i="0" u="none" strike="noStrike" cap="none" normalizeH="0" baseline="0" dirty="0" err="1">
+                <a:ln>
+                  <a:noFill/>
+                </a:ln>
+                <a:solidFill>
+                  <a:srgbClr val="BABABA"/>
+                </a:solidFill>
+                <a:effectLst/>
+                <a:latin typeface="JetBrains Mono"/>
+              </a:rPr>
+              <a:t>file</a:t>
+            </a:r>
+            <a:r>
+              <a:rPr kumimoji="0" lang="ru-RU" altLang="ru-RU" sz="1400" b="0" i="0" u="none" strike="noStrike" cap="none" normalizeH="0" baseline="0" dirty="0">
+                <a:ln>
+                  <a:noFill/>
+                </a:ln>
+                <a:solidFill>
+                  <a:srgbClr val="6A8759"/>
+                </a:solidFill>
+                <a:effectLst/>
+                <a:latin typeface="JetBrains Mono"/>
+              </a:rPr>
+              <a:t>="</a:t>
+            </a:r>
+            <a:r>
+              <a:rPr kumimoji="0" lang="ru-RU" altLang="ru-RU" sz="1400" b="0" i="0" u="none" strike="noStrike" cap="none" normalizeH="0" baseline="0" dirty="0" err="1">
+                <a:ln>
+                  <a:noFill/>
+                </a:ln>
+                <a:solidFill>
+                  <a:srgbClr val="6A8759"/>
+                </a:solidFill>
+                <a:effectLst/>
+                <a:latin typeface="JetBrains Mono"/>
+              </a:rPr>
+              <a:t>db</a:t>
+            </a:r>
+            <a:r>
+              <a:rPr kumimoji="0" lang="ru-RU" altLang="ru-RU" sz="1400" b="0" i="0" u="none" strike="noStrike" cap="none" normalizeH="0" baseline="0" dirty="0">
+                <a:ln>
+                  <a:noFill/>
+                </a:ln>
+                <a:solidFill>
+                  <a:srgbClr val="6A8759"/>
+                </a:solidFill>
+                <a:effectLst/>
+                <a:latin typeface="JetBrains Mono"/>
+              </a:rPr>
+              <a:t>/</a:t>
+            </a:r>
+            <a:r>
+              <a:rPr kumimoji="0" lang="ru-RU" altLang="ru-RU" sz="1400" b="0" i="0" u="none" strike="noStrike" cap="none" normalizeH="0" baseline="0" dirty="0" err="1">
+                <a:ln>
+                  <a:noFill/>
+                </a:ln>
+                <a:solidFill>
+                  <a:srgbClr val="6A8759"/>
+                </a:solidFill>
+                <a:effectLst/>
+                <a:latin typeface="JetBrains Mono"/>
+              </a:rPr>
+              <a:t>changelog</a:t>
+            </a:r>
+            <a:r>
+              <a:rPr kumimoji="0" lang="ru-RU" altLang="ru-RU" sz="1400" b="0" i="0" u="none" strike="noStrike" cap="none" normalizeH="0" baseline="0" dirty="0">
+                <a:ln>
+                  <a:noFill/>
+                </a:ln>
+                <a:solidFill>
+                  <a:srgbClr val="6A8759"/>
+                </a:solidFill>
+                <a:effectLst/>
+                <a:latin typeface="JetBrains Mono"/>
+              </a:rPr>
+              <a:t>/changelog-1.0.xml"</a:t>
+            </a:r>
+            <a:r>
+              <a:rPr kumimoji="0" lang="ru-RU" altLang="ru-RU" sz="1400" b="0" i="0" u="none" strike="noStrike" cap="none" normalizeH="0" baseline="0" dirty="0">
+                <a:ln>
+                  <a:noFill/>
+                </a:ln>
+                <a:solidFill>
+                  <a:srgbClr val="E8BF6A"/>
+                </a:solidFill>
+                <a:effectLst/>
+                <a:latin typeface="JetBrains Mono"/>
+              </a:rPr>
+              <a:t>/&gt;</a:t>
+            </a:r>
+          </a:p>
+          <a:p>
+            <a:r>
+              <a:rPr lang="ru-RU" sz="1400" dirty="0">
+                <a:solidFill>
+                  <a:srgbClr val="E8BF6A"/>
+                </a:solidFill>
+                <a:latin typeface="JetBrains Mono"/>
+              </a:rPr>
+              <a:t>Код с сайта:</a:t>
+            </a:r>
+          </a:p>
+          <a:p>
+            <a:pPr algn="l" fontAlgn="base"/>
+            <a:r>
+              <a:rPr lang="en-US" sz="1400" b="0" i="0" dirty="0">
+                <a:solidFill>
+                  <a:srgbClr val="444444"/>
+                </a:solidFill>
+                <a:effectLst/>
+                <a:latin typeface="inherit"/>
+              </a:rPr>
+              <a:t>&lt;</a:t>
+            </a:r>
+            <a:r>
+              <a:rPr lang="en-US" sz="1400" b="0" i="0" dirty="0">
+                <a:solidFill>
+                  <a:srgbClr val="000000"/>
+                </a:solidFill>
+                <a:effectLst/>
+                <a:latin typeface="inherit"/>
+              </a:rPr>
+              <a:t>?xml version=</a:t>
+            </a:r>
+            <a:r>
+              <a:rPr lang="en-US" sz="1400" b="0" i="0" dirty="0">
+                <a:solidFill>
+                  <a:srgbClr val="2D47E6"/>
+                </a:solidFill>
+                <a:effectLst/>
+                <a:latin typeface="inherit"/>
+              </a:rPr>
+              <a:t>"1.0"</a:t>
+            </a:r>
+            <a:r>
+              <a:rPr lang="en-US" sz="1400" b="0" i="0" dirty="0">
+                <a:solidFill>
+                  <a:srgbClr val="000000"/>
+                </a:solidFill>
+                <a:effectLst/>
+                <a:latin typeface="inherit"/>
+              </a:rPr>
+              <a:t> encoding=</a:t>
+            </a:r>
+            <a:r>
+              <a:rPr lang="en-US" sz="1400" b="0" i="0" dirty="0">
+                <a:solidFill>
+                  <a:srgbClr val="2D47E6"/>
+                </a:solidFill>
+                <a:effectLst/>
+                <a:latin typeface="inherit"/>
+              </a:rPr>
+              <a:t>"UTF-8"</a:t>
+            </a:r>
+            <a:r>
+              <a:rPr lang="en-US" sz="1400" b="0" i="0" dirty="0">
+                <a:solidFill>
+                  <a:srgbClr val="000000"/>
+                </a:solidFill>
+                <a:effectLst/>
+                <a:latin typeface="inherit"/>
+              </a:rPr>
+              <a:t>?</a:t>
+            </a:r>
+            <a:r>
+              <a:rPr lang="en-US" sz="1400" b="0" i="0" dirty="0">
+                <a:solidFill>
+                  <a:srgbClr val="444444"/>
+                </a:solidFill>
+                <a:effectLst/>
+                <a:latin typeface="inherit"/>
+              </a:rPr>
+              <a:t>&gt;</a:t>
+            </a:r>
+            <a:r>
+              <a:rPr lang="en-US" sz="1400" b="0" i="0" dirty="0">
+                <a:solidFill>
+                  <a:srgbClr val="000000"/>
+                </a:solidFill>
+                <a:effectLst/>
+                <a:latin typeface="inherit"/>
+              </a:rPr>
+              <a:t> </a:t>
+            </a:r>
+            <a:endParaRPr lang="en-US" sz="1400" b="0" i="0" dirty="0">
+              <a:solidFill>
+                <a:srgbClr val="AAAAAA"/>
+              </a:solidFill>
+              <a:effectLst/>
+              <a:latin typeface="Source Code Pro"/>
+            </a:endParaRPr>
+          </a:p>
+          <a:p>
+            <a:pPr algn="l" fontAlgn="base"/>
+            <a:r>
+              <a:rPr lang="en-US" sz="1400" b="0" i="0" dirty="0">
+                <a:solidFill>
+                  <a:srgbClr val="444444"/>
+                </a:solidFill>
+                <a:effectLst/>
+                <a:latin typeface="inherit"/>
+              </a:rPr>
+              <a:t>&lt;</a:t>
+            </a:r>
+            <a:r>
+              <a:rPr lang="en-US" sz="1400" b="0" i="0" dirty="0" err="1">
+                <a:solidFill>
+                  <a:srgbClr val="000000"/>
+                </a:solidFill>
+                <a:effectLst/>
+                <a:latin typeface="inherit"/>
+              </a:rPr>
+              <a:t>databaseChangeLog</a:t>
+            </a:r>
+            <a:r>
+              <a:rPr lang="en-US" sz="1400" b="0" i="0" dirty="0">
+                <a:solidFill>
+                  <a:srgbClr val="000000"/>
+                </a:solidFill>
+                <a:effectLst/>
+                <a:latin typeface="inherit"/>
+              </a:rPr>
+              <a:t> </a:t>
+            </a:r>
+            <a:endParaRPr lang="en-US" sz="1400" b="0" i="0" dirty="0">
+              <a:solidFill>
+                <a:srgbClr val="AAAAAA"/>
+              </a:solidFill>
+              <a:effectLst/>
+              <a:latin typeface="Source Code Pro"/>
+            </a:endParaRPr>
+          </a:p>
+          <a:p>
+            <a:pPr algn="l" fontAlgn="base"/>
+            <a:r>
+              <a:rPr lang="ru-RU" sz="1400" b="0" i="0" dirty="0">
+                <a:solidFill>
+                  <a:srgbClr val="000000"/>
+                </a:solidFill>
+                <a:effectLst/>
+                <a:latin typeface="inherit"/>
+              </a:rPr>
+              <a:t>	</a:t>
+            </a:r>
+            <a:r>
+              <a:rPr lang="en-US" sz="1400" b="0" i="0" dirty="0" err="1">
+                <a:solidFill>
+                  <a:srgbClr val="000000"/>
+                </a:solidFill>
+                <a:effectLst/>
+                <a:latin typeface="inherit"/>
+              </a:rPr>
+              <a:t>xmlns</a:t>
+            </a:r>
+            <a:r>
+              <a:rPr lang="en-US" sz="1400" b="0" i="0" dirty="0">
+                <a:solidFill>
+                  <a:srgbClr val="000000"/>
+                </a:solidFill>
+                <a:effectLst/>
+                <a:latin typeface="inherit"/>
+              </a:rPr>
+              <a:t>=</a:t>
+            </a:r>
+            <a:r>
+              <a:rPr lang="en-US" sz="1400" b="0" i="0" dirty="0">
+                <a:solidFill>
+                  <a:srgbClr val="2D47E6"/>
+                </a:solidFill>
+                <a:effectLst/>
+                <a:latin typeface="inherit"/>
+              </a:rPr>
+              <a:t>"http://www.liquibase.org/xml/ns/dbchangelog"</a:t>
+            </a:r>
+            <a:r>
+              <a:rPr lang="en-US" sz="1400" b="0" i="0" dirty="0">
+                <a:solidFill>
+                  <a:srgbClr val="000000"/>
+                </a:solidFill>
+                <a:effectLst/>
+                <a:latin typeface="inherit"/>
+              </a:rPr>
+              <a:t> </a:t>
+            </a:r>
+            <a:endParaRPr lang="en-US" sz="1400" b="0" i="0" dirty="0">
+              <a:solidFill>
+                <a:srgbClr val="AAAAAA"/>
+              </a:solidFill>
+              <a:effectLst/>
+              <a:latin typeface="Source Code Pro"/>
+            </a:endParaRPr>
+          </a:p>
+          <a:p>
+            <a:pPr algn="l" fontAlgn="base"/>
+            <a:r>
+              <a:rPr lang="ru-RU" sz="1400" b="0" i="0" dirty="0">
+                <a:solidFill>
+                  <a:srgbClr val="000000"/>
+                </a:solidFill>
+                <a:effectLst/>
+                <a:latin typeface="inherit"/>
+              </a:rPr>
+              <a:t>	</a:t>
+            </a:r>
+            <a:r>
+              <a:rPr lang="en-US" sz="1400" b="0" i="0" dirty="0" err="1">
+                <a:solidFill>
+                  <a:srgbClr val="000000"/>
+                </a:solidFill>
+                <a:effectLst/>
+                <a:latin typeface="inherit"/>
+              </a:rPr>
+              <a:t>xmlns:xsi</a:t>
+            </a:r>
+            <a:r>
+              <a:rPr lang="en-US" sz="1400" b="0" i="0" dirty="0">
+                <a:solidFill>
+                  <a:srgbClr val="000000"/>
+                </a:solidFill>
+                <a:effectLst/>
+                <a:latin typeface="inherit"/>
+              </a:rPr>
+              <a:t>=</a:t>
+            </a:r>
+            <a:r>
+              <a:rPr lang="en-US" sz="1400" b="0" i="0" dirty="0">
+                <a:solidFill>
+                  <a:srgbClr val="2D47E6"/>
+                </a:solidFill>
+                <a:effectLst/>
+                <a:latin typeface="inherit"/>
+              </a:rPr>
+              <a:t>"http://www.w3.org/2001/XMLSchema-instance"</a:t>
+            </a:r>
+            <a:r>
+              <a:rPr lang="en-US" sz="1400" b="0" i="0" dirty="0">
+                <a:solidFill>
+                  <a:srgbClr val="000000"/>
+                </a:solidFill>
+                <a:effectLst/>
+                <a:latin typeface="inherit"/>
+              </a:rPr>
+              <a:t> </a:t>
+            </a:r>
+            <a:endParaRPr lang="en-US" sz="1400" b="0" i="0" dirty="0">
+              <a:solidFill>
+                <a:srgbClr val="AAAAAA"/>
+              </a:solidFill>
+              <a:effectLst/>
+              <a:latin typeface="Source Code Pro"/>
+            </a:endParaRPr>
+          </a:p>
+          <a:p>
+            <a:pPr algn="l" fontAlgn="base"/>
+            <a:r>
+              <a:rPr lang="ru-RU" sz="1400" b="0" i="0" dirty="0">
+                <a:solidFill>
+                  <a:srgbClr val="000000"/>
+                </a:solidFill>
+                <a:effectLst/>
+                <a:latin typeface="inherit"/>
+              </a:rPr>
+              <a:t>	</a:t>
+            </a:r>
+            <a:r>
+              <a:rPr lang="en-US" sz="1400" b="0" i="0" dirty="0" err="1">
+                <a:solidFill>
+                  <a:srgbClr val="000000"/>
+                </a:solidFill>
+                <a:effectLst/>
+                <a:latin typeface="inherit"/>
+              </a:rPr>
+              <a:t>xsi:schemaLocation</a:t>
+            </a:r>
+            <a:r>
+              <a:rPr lang="en-US" sz="1400" b="0" i="0" dirty="0">
+                <a:solidFill>
+                  <a:srgbClr val="000000"/>
+                </a:solidFill>
+                <a:effectLst/>
+                <a:latin typeface="inherit"/>
+              </a:rPr>
+              <a:t>=</a:t>
+            </a:r>
+            <a:r>
+              <a:rPr lang="en-US" sz="1400" b="0" i="0" dirty="0">
+                <a:solidFill>
+                  <a:srgbClr val="2D47E6"/>
+                </a:solidFill>
+                <a:effectLst/>
+                <a:latin typeface="inherit"/>
+              </a:rPr>
+              <a:t>"http://www.liquibase.org/xml/ns/dbchangelog</a:t>
+            </a:r>
+            <a:endParaRPr lang="en-US" sz="1400" b="0" i="0" dirty="0">
+              <a:solidFill>
+                <a:srgbClr val="AAAAAA"/>
+              </a:solidFill>
+              <a:effectLst/>
+              <a:latin typeface="Source Code Pro"/>
+            </a:endParaRPr>
+          </a:p>
+          <a:p>
+            <a:pPr algn="l" fontAlgn="base"/>
+            <a:r>
+              <a:rPr lang="en-US" sz="1400" b="0" i="0" dirty="0">
+                <a:solidFill>
+                  <a:srgbClr val="2D47E6"/>
+                </a:solidFill>
+                <a:effectLst/>
+                <a:latin typeface="inherit"/>
+              </a:rPr>
+              <a:t>http://www.liquibase.org/xml/ns/dbchangelog/dbchangelog-3.8.xsd"</a:t>
+            </a:r>
+            <a:r>
+              <a:rPr lang="en-US" sz="1400" b="0" i="0" dirty="0">
+                <a:solidFill>
+                  <a:srgbClr val="444444"/>
+                </a:solidFill>
+                <a:effectLst/>
+                <a:latin typeface="inherit"/>
+              </a:rPr>
+              <a:t>&gt;</a:t>
+            </a:r>
+            <a:r>
+              <a:rPr lang="en-US" sz="1400" b="0" i="0" dirty="0">
+                <a:solidFill>
+                  <a:srgbClr val="000000"/>
+                </a:solidFill>
+                <a:effectLst/>
+                <a:latin typeface="inherit"/>
+              </a:rPr>
+              <a:t> </a:t>
+            </a:r>
+            <a:endParaRPr lang="ru-RU" sz="1400" b="0" i="0" dirty="0">
+              <a:solidFill>
+                <a:srgbClr val="000000"/>
+              </a:solidFill>
+              <a:effectLst/>
+              <a:latin typeface="inherit"/>
+            </a:endParaRPr>
+          </a:p>
+          <a:p>
+            <a:pPr algn="l" fontAlgn="base"/>
+            <a:endParaRPr lang="en-US" sz="1400" b="0" i="0" dirty="0">
+              <a:solidFill>
+                <a:srgbClr val="AAAAAA"/>
+              </a:solidFill>
+              <a:effectLst/>
+              <a:latin typeface="Source Code Pro"/>
+            </a:endParaRPr>
+          </a:p>
+          <a:p>
+            <a:pPr algn="l" fontAlgn="base"/>
+            <a:r>
+              <a:rPr lang="en-US" sz="1400" b="0" i="0" dirty="0">
+                <a:solidFill>
+                  <a:srgbClr val="444444"/>
+                </a:solidFill>
+                <a:effectLst/>
+                <a:latin typeface="inherit"/>
+              </a:rPr>
+              <a:t>&lt;</a:t>
+            </a:r>
+            <a:r>
+              <a:rPr lang="en-US" sz="1400" b="0" i="0" dirty="0">
+                <a:solidFill>
+                  <a:srgbClr val="000000"/>
+                </a:solidFill>
+                <a:effectLst/>
+                <a:latin typeface="inherit"/>
+              </a:rPr>
+              <a:t>include file=</a:t>
+            </a:r>
+            <a:r>
+              <a:rPr lang="en-US" sz="1400" b="0" i="0" dirty="0">
+                <a:solidFill>
+                  <a:srgbClr val="2D47E6"/>
+                </a:solidFill>
+                <a:effectLst/>
+                <a:latin typeface="inherit"/>
+              </a:rPr>
+              <a:t>"</a:t>
+            </a:r>
+            <a:r>
+              <a:rPr lang="en-US" sz="1400" b="0" i="0" strike="sngStrike" dirty="0">
+                <a:solidFill>
+                  <a:srgbClr val="2D47E6"/>
+                </a:solidFill>
+                <a:effectLst/>
+                <a:latin typeface="inherit"/>
+              </a:rPr>
+              <a:t>com/example/</a:t>
+            </a:r>
+            <a:r>
+              <a:rPr lang="en-US" sz="1400" b="0" i="0" dirty="0" err="1">
+                <a:solidFill>
+                  <a:srgbClr val="2D47E6"/>
+                </a:solidFill>
+                <a:effectLst/>
+                <a:latin typeface="inherit"/>
+              </a:rPr>
+              <a:t>db</a:t>
+            </a:r>
+            <a:r>
+              <a:rPr lang="en-US" sz="1400" b="0" i="0" dirty="0">
+                <a:solidFill>
+                  <a:srgbClr val="2D47E6"/>
+                </a:solidFill>
+                <a:effectLst/>
+                <a:latin typeface="inherit"/>
+              </a:rPr>
+              <a:t>/changelog/</a:t>
+            </a:r>
+            <a:r>
+              <a:rPr lang="en-US" sz="1400" b="0" i="0" strike="sngStrike" dirty="0">
+                <a:solidFill>
+                  <a:srgbClr val="2D47E6"/>
+                </a:solidFill>
+                <a:effectLst/>
+                <a:latin typeface="inherit"/>
+              </a:rPr>
+              <a:t>db.</a:t>
+            </a:r>
+            <a:r>
+              <a:rPr lang="en-US" sz="1400" b="0" i="0" dirty="0">
+                <a:solidFill>
+                  <a:srgbClr val="2D47E6"/>
+                </a:solidFill>
+                <a:effectLst/>
+                <a:latin typeface="inherit"/>
+              </a:rPr>
+              <a:t>changelog-1.0.xml"</a:t>
+            </a:r>
+            <a:r>
+              <a:rPr lang="en-US" sz="1400" b="0" i="0" dirty="0">
+                <a:solidFill>
+                  <a:srgbClr val="000000"/>
+                </a:solidFill>
+                <a:effectLst/>
+                <a:latin typeface="inherit"/>
+              </a:rPr>
+              <a:t>/</a:t>
+            </a:r>
+            <a:r>
+              <a:rPr lang="en-US" sz="1400" b="0" i="0" dirty="0">
+                <a:solidFill>
+                  <a:srgbClr val="444444"/>
+                </a:solidFill>
+                <a:effectLst/>
+                <a:latin typeface="inherit"/>
+              </a:rPr>
+              <a:t>&gt;</a:t>
+            </a:r>
+            <a:r>
+              <a:rPr lang="en-US" sz="1400" b="0" i="0" dirty="0">
+                <a:solidFill>
+                  <a:srgbClr val="000000"/>
+                </a:solidFill>
+                <a:effectLst/>
+                <a:latin typeface="inherit"/>
+              </a:rPr>
+              <a:t> </a:t>
+            </a:r>
+            <a:endParaRPr lang="en-US" sz="1400" b="0" i="0" dirty="0">
+              <a:solidFill>
+                <a:srgbClr val="AAAAAA"/>
+              </a:solidFill>
+              <a:effectLst/>
+              <a:latin typeface="Source Code Pro"/>
+            </a:endParaRPr>
+          </a:p>
+          <a:p>
+            <a:pPr algn="l" fontAlgn="base"/>
+            <a:r>
+              <a:rPr lang="en-US" sz="1400" b="0" i="0" strike="sngStrike" dirty="0">
+                <a:solidFill>
+                  <a:srgbClr val="444444"/>
+                </a:solidFill>
+                <a:effectLst/>
+                <a:latin typeface="inherit"/>
+              </a:rPr>
+              <a:t>&lt;</a:t>
+            </a:r>
+            <a:r>
+              <a:rPr lang="en-US" sz="1400" b="0" i="0" strike="sngStrike" dirty="0">
+                <a:solidFill>
+                  <a:srgbClr val="000000"/>
+                </a:solidFill>
+                <a:effectLst/>
+                <a:latin typeface="inherit"/>
+              </a:rPr>
+              <a:t>include file=</a:t>
+            </a:r>
+            <a:r>
+              <a:rPr lang="en-US" sz="1400" b="0" i="0" strike="sngStrike" dirty="0">
+                <a:solidFill>
+                  <a:srgbClr val="2D47E6"/>
+                </a:solidFill>
+                <a:effectLst/>
+                <a:latin typeface="inherit"/>
+              </a:rPr>
+              <a:t>"com/example/</a:t>
+            </a:r>
+            <a:r>
+              <a:rPr lang="en-US" sz="1400" b="0" i="0" strike="sngStrike" dirty="0" err="1">
+                <a:solidFill>
+                  <a:srgbClr val="2D47E6"/>
+                </a:solidFill>
+                <a:effectLst/>
+                <a:latin typeface="inherit"/>
+              </a:rPr>
+              <a:t>db</a:t>
+            </a:r>
+            <a:r>
+              <a:rPr lang="en-US" sz="1400" b="0" i="0" strike="sngStrike" dirty="0">
+                <a:solidFill>
+                  <a:srgbClr val="2D47E6"/>
+                </a:solidFill>
+                <a:effectLst/>
+                <a:latin typeface="inherit"/>
+              </a:rPr>
+              <a:t>/changelog/db.changelog-1.1.xml"</a:t>
+            </a:r>
+            <a:r>
+              <a:rPr lang="en-US" sz="1400" b="0" i="0" strike="sngStrike" dirty="0">
+                <a:solidFill>
+                  <a:srgbClr val="000000"/>
+                </a:solidFill>
+                <a:effectLst/>
+                <a:latin typeface="inherit"/>
+              </a:rPr>
+              <a:t>/</a:t>
+            </a:r>
+            <a:r>
+              <a:rPr lang="en-US" sz="1400" b="0" i="0" strike="sngStrike" dirty="0">
+                <a:solidFill>
+                  <a:srgbClr val="444444"/>
+                </a:solidFill>
+                <a:effectLst/>
+                <a:latin typeface="inherit"/>
+              </a:rPr>
+              <a:t>&gt;</a:t>
+            </a:r>
+            <a:r>
+              <a:rPr lang="en-US" sz="1400" b="0" i="0" strike="sngStrike" dirty="0">
+                <a:solidFill>
+                  <a:srgbClr val="000000"/>
+                </a:solidFill>
+                <a:effectLst/>
+                <a:latin typeface="inherit"/>
+              </a:rPr>
+              <a:t> </a:t>
+            </a:r>
+            <a:endParaRPr lang="en-US" sz="1400" b="0" i="0" strike="sngStrike" dirty="0">
+              <a:solidFill>
+                <a:srgbClr val="AAAAAA"/>
+              </a:solidFill>
+              <a:effectLst/>
+              <a:latin typeface="Source Code Pro"/>
+            </a:endParaRPr>
+          </a:p>
+          <a:p>
+            <a:pPr algn="l" fontAlgn="base"/>
+            <a:r>
+              <a:rPr lang="en-US" sz="1400" b="0" i="0" strike="sngStrike" dirty="0">
+                <a:solidFill>
+                  <a:srgbClr val="444444"/>
+                </a:solidFill>
+                <a:effectLst/>
+                <a:latin typeface="inherit"/>
+              </a:rPr>
+              <a:t>&lt;</a:t>
+            </a:r>
+            <a:r>
+              <a:rPr lang="en-US" sz="1400" b="0" i="0" strike="sngStrike" dirty="0">
+                <a:solidFill>
+                  <a:srgbClr val="000000"/>
+                </a:solidFill>
+                <a:effectLst/>
+                <a:latin typeface="inherit"/>
+              </a:rPr>
+              <a:t>include file=</a:t>
+            </a:r>
+            <a:r>
+              <a:rPr lang="en-US" sz="1400" b="0" i="0" strike="sngStrike" dirty="0">
+                <a:solidFill>
+                  <a:srgbClr val="2D47E6"/>
+                </a:solidFill>
+                <a:effectLst/>
+                <a:latin typeface="inherit"/>
+              </a:rPr>
+              <a:t>"com/example/</a:t>
+            </a:r>
+            <a:r>
+              <a:rPr lang="en-US" sz="1400" b="0" i="0" strike="sngStrike" dirty="0" err="1">
+                <a:solidFill>
+                  <a:srgbClr val="2D47E6"/>
+                </a:solidFill>
+                <a:effectLst/>
+                <a:latin typeface="inherit"/>
+              </a:rPr>
+              <a:t>db</a:t>
+            </a:r>
+            <a:r>
+              <a:rPr lang="en-US" sz="1400" b="0" i="0" strike="sngStrike" dirty="0">
+                <a:solidFill>
+                  <a:srgbClr val="2D47E6"/>
+                </a:solidFill>
+                <a:effectLst/>
+                <a:latin typeface="inherit"/>
+              </a:rPr>
+              <a:t>/changelog/db.changelog-2.0.xml"</a:t>
+            </a:r>
+            <a:r>
+              <a:rPr lang="en-US" sz="1400" b="0" i="0" strike="sngStrike" dirty="0">
+                <a:solidFill>
+                  <a:srgbClr val="000000"/>
+                </a:solidFill>
+                <a:effectLst/>
+                <a:latin typeface="inherit"/>
+              </a:rPr>
+              <a:t>/</a:t>
+            </a:r>
+            <a:r>
+              <a:rPr lang="en-US" sz="1400" b="0" i="0" strike="sngStrike" dirty="0">
+                <a:solidFill>
+                  <a:srgbClr val="444444"/>
+                </a:solidFill>
+                <a:effectLst/>
+                <a:latin typeface="inherit"/>
+              </a:rPr>
+              <a:t>&gt;</a:t>
+            </a:r>
+            <a:r>
+              <a:rPr lang="en-US" sz="1400" b="0" i="0" strike="sngStrike" dirty="0">
+                <a:solidFill>
+                  <a:srgbClr val="000000"/>
+                </a:solidFill>
+                <a:effectLst/>
+                <a:latin typeface="inherit"/>
+              </a:rPr>
+              <a:t> </a:t>
+            </a:r>
+            <a:endParaRPr lang="en-US" sz="1400" b="0" i="0" strike="sngStrike" dirty="0">
+              <a:solidFill>
+                <a:srgbClr val="AAAAAA"/>
+              </a:solidFill>
+              <a:effectLst/>
+              <a:latin typeface="Source Code Pro"/>
+            </a:endParaRPr>
+          </a:p>
+          <a:p>
+            <a:pPr algn="l" fontAlgn="base"/>
+            <a:r>
+              <a:rPr lang="en-US" sz="1400" b="0" i="0" dirty="0">
+                <a:solidFill>
+                  <a:srgbClr val="444444"/>
+                </a:solidFill>
+                <a:effectLst/>
+                <a:latin typeface="inherit"/>
+              </a:rPr>
+              <a:t>&lt;</a:t>
+            </a:r>
+            <a:r>
+              <a:rPr lang="en-US" sz="1400" b="0" i="0" dirty="0">
+                <a:solidFill>
+                  <a:srgbClr val="000000"/>
+                </a:solidFill>
+                <a:effectLst/>
+                <a:latin typeface="inherit"/>
+              </a:rPr>
+              <a:t>/</a:t>
+            </a:r>
+            <a:r>
+              <a:rPr lang="en-US" sz="1400" b="0" i="0" dirty="0" err="1">
+                <a:solidFill>
+                  <a:srgbClr val="000000"/>
+                </a:solidFill>
+                <a:effectLst/>
+                <a:latin typeface="inherit"/>
+              </a:rPr>
+              <a:t>databaseChangeLog</a:t>
+            </a:r>
+            <a:r>
+              <a:rPr lang="en-US" sz="1400" b="0" i="0" dirty="0">
+                <a:solidFill>
+                  <a:srgbClr val="444444"/>
+                </a:solidFill>
+                <a:effectLst/>
+                <a:latin typeface="inherit"/>
+              </a:rPr>
+              <a:t>&gt;</a:t>
+            </a:r>
+            <a:r>
+              <a:rPr lang="en-US" sz="1400" b="0" i="0" dirty="0">
+                <a:solidFill>
+                  <a:srgbClr val="000000"/>
+                </a:solidFill>
+                <a:effectLst/>
+                <a:latin typeface="inherit"/>
+              </a:rPr>
+              <a:t> </a:t>
+            </a:r>
+            <a:endParaRPr lang="en-US" sz="1400" b="0" i="0" dirty="0">
+              <a:solidFill>
+                <a:srgbClr val="AAAAAA"/>
+              </a:solidFill>
+              <a:effectLst/>
+              <a:latin typeface="Source Code Pro"/>
+            </a:endParaRPr>
+          </a:p>
+          <a:p>
+            <a:endParaRPr lang="en-US" dirty="0"/>
+          </a:p>
+          <a:p>
+            <a:endParaRPr lang="ru-RU" dirty="0"/>
+          </a:p>
+        </p:txBody>
+      </p:sp>
     </p:spTree>
     <p:extLst>
       <p:ext uri="{BB962C8B-B14F-4D97-AF65-F5344CB8AC3E}">
@@ -5049,13 +6125,13 @@
         </p:nvSpPr>
         <p:spPr>
           <a:xfrm>
-            <a:off x="450376" y="1052736"/>
-            <a:ext cx="8229600" cy="757982"/>
+            <a:off x="0" y="0"/>
+            <a:ext cx="8229600" cy="548680"/>
           </a:xfrm>
         </p:spPr>
         <p:txBody>
           <a:bodyPr>
-            <a:normAutofit/>
+            <a:normAutofit fontScale="90000"/>
           </a:bodyPr>
           <a:lstStyle/>
           <a:p>
@@ -5091,11 +6167,2369 @@
         </p:blipFill>
         <p:spPr>
           <a:xfrm>
-            <a:off x="323528" y="1988840"/>
+            <a:off x="0" y="404664"/>
             <a:ext cx="8685965" cy="3600400"/>
           </a:xfrm>
         </p:spPr>
       </p:pic>
+      <p:sp>
+        <p:nvSpPr>
+          <p:cNvPr id="3" name="TextBox 2">
+            <a:extLst>
+              <a:ext uri="{FF2B5EF4-FFF2-40B4-BE49-F238E27FC236}">
+                <a16:creationId xmlns:a16="http://schemas.microsoft.com/office/drawing/2014/main" id="{AE5F98C5-E32E-437C-943C-CE9FC2BC8171}"/>
+              </a:ext>
+            </a:extLst>
+          </p:cNvPr>
+          <p:cNvSpPr txBox="1"/>
+          <p:nvPr/>
+        </p:nvSpPr>
+        <p:spPr>
+          <a:xfrm>
+            <a:off x="13518" y="4005064"/>
+            <a:ext cx="8757973" cy="5078313"/>
+          </a:xfrm>
+          <a:prstGeom prst="rect">
+            <a:avLst/>
+          </a:prstGeom>
+          <a:noFill/>
+        </p:spPr>
+        <p:txBody>
+          <a:bodyPr wrap="square" rtlCol="0">
+            <a:spAutoFit/>
+          </a:bodyPr>
+          <a:lstStyle/>
+          <a:p>
+            <a:r>
+              <a:rPr lang="ru-RU" sz="1200" dirty="0"/>
+              <a:t>Создать файл: </a:t>
+            </a:r>
+            <a:r>
+              <a:rPr lang="en-US" sz="1200" dirty="0"/>
+              <a:t>resources/</a:t>
+            </a:r>
+            <a:r>
+              <a:rPr kumimoji="0" lang="ru-RU" altLang="ru-RU" sz="1200" b="0" i="0" u="none" strike="noStrike" cap="none" normalizeH="0" baseline="0" dirty="0" err="1">
+                <a:ln>
+                  <a:noFill/>
+                </a:ln>
+                <a:solidFill>
+                  <a:srgbClr val="6A8759"/>
+                </a:solidFill>
+                <a:effectLst/>
+                <a:latin typeface="JetBrains Mono"/>
+              </a:rPr>
+              <a:t>db</a:t>
+            </a:r>
+            <a:r>
+              <a:rPr kumimoji="0" lang="ru-RU" altLang="ru-RU" sz="1200" b="0" i="0" u="none" strike="noStrike" cap="none" normalizeH="0" baseline="0" dirty="0">
+                <a:ln>
+                  <a:noFill/>
+                </a:ln>
+                <a:solidFill>
+                  <a:srgbClr val="6A8759"/>
+                </a:solidFill>
+                <a:effectLst/>
+                <a:latin typeface="JetBrains Mono"/>
+              </a:rPr>
+              <a:t>/</a:t>
+            </a:r>
+            <a:r>
+              <a:rPr kumimoji="0" lang="ru-RU" altLang="ru-RU" sz="1200" b="0" i="0" u="none" strike="noStrike" cap="none" normalizeH="0" baseline="0" dirty="0" err="1">
+                <a:ln>
+                  <a:noFill/>
+                </a:ln>
+                <a:solidFill>
+                  <a:srgbClr val="6A8759"/>
+                </a:solidFill>
+                <a:effectLst/>
+                <a:latin typeface="JetBrains Mono"/>
+              </a:rPr>
+              <a:t>changelog</a:t>
+            </a:r>
+            <a:r>
+              <a:rPr kumimoji="0" lang="ru-RU" altLang="ru-RU" sz="1200" b="0" i="0" u="none" strike="noStrike" cap="none" normalizeH="0" baseline="0" dirty="0">
+                <a:ln>
+                  <a:noFill/>
+                </a:ln>
+                <a:solidFill>
+                  <a:srgbClr val="6A8759"/>
+                </a:solidFill>
+                <a:effectLst/>
+                <a:latin typeface="JetBrains Mono"/>
+              </a:rPr>
+              <a:t>/changelog-1.0.xml</a:t>
+            </a:r>
+            <a:endParaRPr lang="ru-RU" sz="1200" dirty="0"/>
+          </a:p>
+          <a:p>
+            <a:r>
+              <a:rPr lang="ru-RU" sz="1200" dirty="0"/>
+              <a:t>Автор и </a:t>
+            </a:r>
+            <a:r>
+              <a:rPr lang="en-US" sz="1200" dirty="0"/>
+              <a:t>id </a:t>
+            </a:r>
+            <a:r>
+              <a:rPr lang="ru-RU" sz="1200" dirty="0"/>
+              <a:t>надо делать уникальными </a:t>
+            </a:r>
+            <a:r>
+              <a:rPr kumimoji="0" lang="ru-RU" altLang="ru-RU" sz="1200" b="0" i="0" u="none" strike="noStrike" cap="none" normalizeH="0" baseline="0" dirty="0">
+                <a:ln>
+                  <a:noFill/>
+                </a:ln>
+                <a:solidFill>
+                  <a:srgbClr val="E8BF6A"/>
+                </a:solidFill>
+                <a:effectLst/>
+                <a:latin typeface="JetBrains Mono"/>
+              </a:rPr>
+              <a:t>&lt;</a:t>
+            </a:r>
+            <a:r>
+              <a:rPr kumimoji="0" lang="ru-RU" altLang="ru-RU" sz="1200" b="0" i="0" u="none" strike="noStrike" cap="none" normalizeH="0" baseline="0" dirty="0" err="1">
+                <a:ln>
+                  <a:noFill/>
+                </a:ln>
+                <a:solidFill>
+                  <a:srgbClr val="E8BF6A"/>
+                </a:solidFill>
+                <a:effectLst/>
+                <a:latin typeface="JetBrains Mono"/>
+              </a:rPr>
+              <a:t>changeSet</a:t>
+            </a:r>
+            <a:r>
+              <a:rPr kumimoji="0" lang="ru-RU" altLang="ru-RU" sz="1200" b="0" i="0" u="none" strike="noStrike" cap="none" normalizeH="0" baseline="0" dirty="0">
+                <a:ln>
+                  <a:noFill/>
+                </a:ln>
+                <a:solidFill>
+                  <a:srgbClr val="E8BF6A"/>
+                </a:solidFill>
+                <a:effectLst/>
+                <a:latin typeface="JetBrains Mono"/>
+              </a:rPr>
+              <a:t>  </a:t>
+            </a:r>
+            <a:r>
+              <a:rPr kumimoji="0" lang="ru-RU" altLang="ru-RU" sz="1200" b="0" i="0" u="none" strike="noStrike" cap="none" normalizeH="0" baseline="0" dirty="0" err="1">
+                <a:ln>
+                  <a:noFill/>
+                </a:ln>
+                <a:solidFill>
+                  <a:srgbClr val="BABABA"/>
+                </a:solidFill>
+                <a:effectLst/>
+                <a:latin typeface="JetBrains Mono"/>
+              </a:rPr>
+              <a:t>author</a:t>
+            </a:r>
+            <a:r>
+              <a:rPr kumimoji="0" lang="ru-RU" altLang="ru-RU" sz="1200" b="0" i="0" u="none" strike="noStrike" cap="none" normalizeH="0" baseline="0" dirty="0">
+                <a:ln>
+                  <a:noFill/>
+                </a:ln>
+                <a:solidFill>
+                  <a:srgbClr val="6A8759"/>
+                </a:solidFill>
+                <a:effectLst/>
+                <a:latin typeface="JetBrains Mono"/>
+              </a:rPr>
+              <a:t>="</a:t>
+            </a:r>
+            <a:r>
+              <a:rPr kumimoji="0" lang="ru-RU" altLang="ru-RU" sz="1200" b="0" i="0" u="none" strike="noStrike" cap="none" normalizeH="0" baseline="0" dirty="0" err="1">
+                <a:ln>
+                  <a:noFill/>
+                </a:ln>
+                <a:solidFill>
+                  <a:srgbClr val="6A8759"/>
+                </a:solidFill>
+                <a:effectLst/>
+                <a:latin typeface="JetBrains Mono"/>
+              </a:rPr>
+              <a:t>Dmitri</a:t>
+            </a:r>
+            <a:r>
+              <a:rPr kumimoji="0" lang="ru-RU" altLang="ru-RU" sz="1200" b="0" i="0" u="none" strike="noStrike" cap="none" normalizeH="0" baseline="0" dirty="0">
+                <a:ln>
+                  <a:noFill/>
+                </a:ln>
+                <a:solidFill>
+                  <a:srgbClr val="6A8759"/>
+                </a:solidFill>
+                <a:effectLst/>
+                <a:latin typeface="JetBrains Mono"/>
+              </a:rPr>
+              <a:t>"  </a:t>
+            </a:r>
+            <a:r>
+              <a:rPr kumimoji="0" lang="ru-RU" altLang="ru-RU" sz="1200" b="0" i="0" u="none" strike="noStrike" cap="none" normalizeH="0" baseline="0" dirty="0" err="1">
+                <a:ln>
+                  <a:noFill/>
+                </a:ln>
+                <a:solidFill>
+                  <a:srgbClr val="BABABA"/>
+                </a:solidFill>
+                <a:effectLst/>
+                <a:latin typeface="JetBrains Mono"/>
+              </a:rPr>
+              <a:t>id</a:t>
+            </a:r>
+            <a:r>
+              <a:rPr kumimoji="0" lang="ru-RU" altLang="ru-RU" sz="1200" b="0" i="0" u="none" strike="noStrike" cap="none" normalizeH="0" baseline="0" dirty="0">
+                <a:ln>
+                  <a:noFill/>
+                </a:ln>
+                <a:solidFill>
+                  <a:srgbClr val="6A8759"/>
+                </a:solidFill>
+                <a:effectLst/>
+                <a:latin typeface="JetBrains Mono"/>
+              </a:rPr>
+              <a:t>="2020-12-21 </a:t>
+            </a:r>
+            <a:r>
+              <a:rPr kumimoji="0" lang="ru-RU" altLang="ru-RU" sz="1200" b="0" i="0" u="none" strike="noStrike" cap="none" normalizeH="0" baseline="0" dirty="0" err="1">
+                <a:ln>
+                  <a:noFill/>
+                </a:ln>
+                <a:solidFill>
+                  <a:srgbClr val="6A8759"/>
+                </a:solidFill>
+                <a:effectLst/>
+                <a:latin typeface="JetBrains Mono"/>
+              </a:rPr>
+              <a:t>test</a:t>
+            </a:r>
+            <a:r>
+              <a:rPr kumimoji="0" lang="ru-RU" altLang="ru-RU" sz="1200" b="0" i="0" u="none" strike="noStrike" cap="none" normalizeH="0" baseline="0" dirty="0">
+                <a:ln>
+                  <a:noFill/>
+                </a:ln>
+                <a:solidFill>
+                  <a:srgbClr val="6A8759"/>
+                </a:solidFill>
+                <a:effectLst/>
+                <a:latin typeface="JetBrains Mono"/>
+              </a:rPr>
+              <a:t> </a:t>
+            </a:r>
+            <a:r>
+              <a:rPr kumimoji="0" lang="ru-RU" altLang="ru-RU" sz="1200" b="0" i="0" u="none" strike="noStrike" cap="none" normalizeH="0" baseline="0" dirty="0" err="1">
+                <a:ln>
+                  <a:noFill/>
+                </a:ln>
+                <a:solidFill>
+                  <a:srgbClr val="6A8759"/>
+                </a:solidFill>
+                <a:effectLst/>
+                <a:latin typeface="JetBrains Mono"/>
+              </a:rPr>
+              <a:t>change</a:t>
+            </a:r>
+            <a:r>
+              <a:rPr kumimoji="0" lang="ru-RU" altLang="ru-RU" sz="1200" b="0" i="0" u="none" strike="noStrike" cap="none" normalizeH="0" baseline="0" dirty="0">
+                <a:ln>
+                  <a:noFill/>
+                </a:ln>
+                <a:solidFill>
+                  <a:srgbClr val="6A8759"/>
+                </a:solidFill>
+                <a:effectLst/>
+                <a:latin typeface="JetBrains Mono"/>
+              </a:rPr>
+              <a:t> </a:t>
+            </a:r>
+            <a:r>
+              <a:rPr kumimoji="0" lang="ru-RU" altLang="ru-RU" sz="1200" b="0" i="0" u="none" strike="noStrike" cap="none" normalizeH="0" baseline="0" dirty="0" err="1">
+                <a:ln>
+                  <a:noFill/>
+                </a:ln>
+                <a:solidFill>
+                  <a:srgbClr val="6A8759"/>
+                </a:solidFill>
+                <a:effectLst/>
+                <a:latin typeface="JetBrains Mono"/>
+              </a:rPr>
+              <a:t>set</a:t>
+            </a:r>
+            <a:r>
+              <a:rPr kumimoji="0" lang="ru-RU" altLang="ru-RU" sz="1200" b="0" i="0" u="none" strike="noStrike" cap="none" normalizeH="0" baseline="0" dirty="0">
+                <a:ln>
+                  <a:noFill/>
+                </a:ln>
+                <a:solidFill>
+                  <a:srgbClr val="6A8759"/>
+                </a:solidFill>
+                <a:effectLst/>
+                <a:latin typeface="JetBrains Mono"/>
+              </a:rPr>
+              <a:t>"</a:t>
+            </a:r>
+            <a:r>
+              <a:rPr kumimoji="0" lang="ru-RU" altLang="ru-RU" sz="1200" b="0" i="0" u="none" strike="noStrike" cap="none" normalizeH="0" baseline="0" dirty="0">
+                <a:ln>
+                  <a:noFill/>
+                </a:ln>
+                <a:solidFill>
+                  <a:srgbClr val="E8BF6A"/>
+                </a:solidFill>
+                <a:effectLst/>
+                <a:latin typeface="JetBrains Mono"/>
+              </a:rPr>
+              <a:t>&gt;</a:t>
+            </a:r>
+            <a:endParaRPr lang="ru-RU" sz="1200" dirty="0"/>
+          </a:p>
+          <a:p>
+            <a:r>
+              <a:rPr lang="ru-RU" sz="1200" dirty="0"/>
+              <a:t>При запуске приложения создадутся две таблицы в базе данных:</a:t>
+            </a:r>
+          </a:p>
+          <a:p>
+            <a:r>
+              <a:rPr kumimoji="0" lang="ru-RU" altLang="ru-RU" sz="1200" b="0" i="0" u="none" strike="noStrike" cap="none" normalizeH="0" baseline="0" dirty="0">
+                <a:ln>
+                  <a:noFill/>
+                </a:ln>
+                <a:solidFill>
+                  <a:srgbClr val="E8BF6A"/>
+                </a:solidFill>
+                <a:effectLst/>
+                <a:latin typeface="JetBrains Mono"/>
+              </a:rPr>
+              <a:t>&lt;?</a:t>
+            </a:r>
+            <a:r>
+              <a:rPr kumimoji="0" lang="ru-RU" altLang="ru-RU" sz="1200" b="0" i="0" u="none" strike="noStrike" cap="none" normalizeH="0" baseline="0" dirty="0" err="1">
+                <a:ln>
+                  <a:noFill/>
+                </a:ln>
+                <a:solidFill>
+                  <a:srgbClr val="BABABA"/>
+                </a:solidFill>
+                <a:effectLst/>
+                <a:latin typeface="JetBrains Mono"/>
+              </a:rPr>
+              <a:t>xml</a:t>
+            </a:r>
+            <a:r>
+              <a:rPr kumimoji="0" lang="ru-RU" altLang="ru-RU" sz="1200" b="0" i="0" u="none" strike="noStrike" cap="none" normalizeH="0" baseline="0" dirty="0">
+                <a:ln>
+                  <a:noFill/>
+                </a:ln>
+                <a:solidFill>
+                  <a:srgbClr val="BABABA"/>
+                </a:solidFill>
+                <a:effectLst/>
+                <a:latin typeface="JetBrains Mono"/>
+              </a:rPr>
+              <a:t> </a:t>
+            </a:r>
+            <a:r>
+              <a:rPr kumimoji="0" lang="ru-RU" altLang="ru-RU" sz="1200" b="0" i="0" u="none" strike="noStrike" cap="none" normalizeH="0" baseline="0" dirty="0" err="1">
+                <a:ln>
+                  <a:noFill/>
+                </a:ln>
+                <a:solidFill>
+                  <a:srgbClr val="BABABA"/>
+                </a:solidFill>
+                <a:effectLst/>
+                <a:latin typeface="JetBrains Mono"/>
+              </a:rPr>
+              <a:t>version</a:t>
+            </a:r>
+            <a:r>
+              <a:rPr kumimoji="0" lang="ru-RU" altLang="ru-RU" sz="1200" b="0" i="0" u="none" strike="noStrike" cap="none" normalizeH="0" baseline="0" dirty="0">
+                <a:ln>
+                  <a:noFill/>
+                </a:ln>
+                <a:solidFill>
+                  <a:srgbClr val="6A8759"/>
+                </a:solidFill>
+                <a:effectLst/>
+                <a:latin typeface="JetBrains Mono"/>
+              </a:rPr>
+              <a:t>="1.0" </a:t>
+            </a:r>
+            <a:r>
+              <a:rPr kumimoji="0" lang="ru-RU" altLang="ru-RU" sz="1200" b="0" i="0" u="none" strike="noStrike" cap="none" normalizeH="0" baseline="0" dirty="0" err="1">
+                <a:ln>
+                  <a:noFill/>
+                </a:ln>
+                <a:solidFill>
+                  <a:srgbClr val="BABABA"/>
+                </a:solidFill>
+                <a:effectLst/>
+                <a:latin typeface="JetBrains Mono"/>
+              </a:rPr>
+              <a:t>encoding</a:t>
+            </a:r>
+            <a:r>
+              <a:rPr kumimoji="0" lang="ru-RU" altLang="ru-RU" sz="1200" b="0" i="0" u="none" strike="noStrike" cap="none" normalizeH="0" baseline="0" dirty="0">
+                <a:ln>
+                  <a:noFill/>
+                </a:ln>
+                <a:solidFill>
+                  <a:srgbClr val="6A8759"/>
+                </a:solidFill>
+                <a:effectLst/>
+                <a:latin typeface="JetBrains Mono"/>
+              </a:rPr>
+              <a:t>="UTF-8"</a:t>
+            </a:r>
+            <a:r>
+              <a:rPr kumimoji="0" lang="ru-RU" altLang="ru-RU" sz="1200" b="0" i="0" u="none" strike="noStrike" cap="none" normalizeH="0" baseline="0" dirty="0">
+                <a:ln>
+                  <a:noFill/>
+                </a:ln>
+                <a:solidFill>
+                  <a:srgbClr val="E8BF6A"/>
+                </a:solidFill>
+                <a:effectLst/>
+                <a:latin typeface="JetBrains Mono"/>
+              </a:rPr>
+              <a:t>?&gt;</a:t>
+            </a:r>
+            <a:br>
+              <a:rPr kumimoji="0" lang="ru-RU" altLang="ru-RU" sz="1200" b="0" i="0" u="none" strike="noStrike" cap="none" normalizeH="0" baseline="0" dirty="0">
+                <a:ln>
+                  <a:noFill/>
+                </a:ln>
+                <a:solidFill>
+                  <a:srgbClr val="E8BF6A"/>
+                </a:solidFill>
+                <a:effectLst/>
+                <a:latin typeface="JetBrains Mono"/>
+              </a:rPr>
+            </a:br>
+            <a:r>
+              <a:rPr kumimoji="0" lang="ru-RU" altLang="ru-RU" sz="1200" b="0" i="0" u="none" strike="noStrike" cap="none" normalizeH="0" baseline="0" dirty="0">
+                <a:ln>
+                  <a:noFill/>
+                </a:ln>
+                <a:solidFill>
+                  <a:srgbClr val="E8BF6A"/>
+                </a:solidFill>
+                <a:effectLst/>
+                <a:latin typeface="JetBrains Mono"/>
+              </a:rPr>
+              <a:t>&lt;</a:t>
+            </a:r>
+            <a:r>
+              <a:rPr kumimoji="0" lang="ru-RU" altLang="ru-RU" sz="1200" b="0" i="0" u="none" strike="noStrike" cap="none" normalizeH="0" baseline="0" dirty="0" err="1">
+                <a:ln>
+                  <a:noFill/>
+                </a:ln>
+                <a:solidFill>
+                  <a:srgbClr val="E8BF6A"/>
+                </a:solidFill>
+                <a:effectLst/>
+                <a:latin typeface="JetBrains Mono"/>
+              </a:rPr>
+              <a:t>databaseChangeLog</a:t>
+            </a:r>
+            <a:br>
+              <a:rPr kumimoji="0" lang="ru-RU" altLang="ru-RU" sz="1200" b="0" i="0" u="none" strike="noStrike" cap="none" normalizeH="0" baseline="0" dirty="0">
+                <a:ln>
+                  <a:noFill/>
+                </a:ln>
+                <a:solidFill>
+                  <a:srgbClr val="E8BF6A"/>
+                </a:solidFill>
+                <a:effectLst/>
+                <a:latin typeface="JetBrains Mono"/>
+              </a:rPr>
+            </a:br>
+            <a:r>
+              <a:rPr kumimoji="0" lang="ru-RU" altLang="ru-RU" sz="1200" b="0" i="0" u="none" strike="noStrike" cap="none" normalizeH="0" baseline="0" dirty="0">
+                <a:ln>
+                  <a:noFill/>
+                </a:ln>
+                <a:solidFill>
+                  <a:srgbClr val="E8BF6A"/>
+                </a:solidFill>
+                <a:effectLst/>
+                <a:latin typeface="JetBrains Mono"/>
+              </a:rPr>
+              <a:t>        </a:t>
+            </a:r>
+            <a:r>
+              <a:rPr kumimoji="0" lang="ru-RU" altLang="ru-RU" sz="1200" b="0" i="0" u="none" strike="noStrike" cap="none" normalizeH="0" baseline="0" dirty="0" err="1">
+                <a:ln>
+                  <a:noFill/>
+                </a:ln>
+                <a:solidFill>
+                  <a:srgbClr val="BABABA"/>
+                </a:solidFill>
+                <a:effectLst/>
+                <a:latin typeface="JetBrains Mono"/>
+              </a:rPr>
+              <a:t>xmlns</a:t>
+            </a:r>
+            <a:r>
+              <a:rPr kumimoji="0" lang="ru-RU" altLang="ru-RU" sz="1200" b="0" i="0" u="none" strike="noStrike" cap="none" normalizeH="0" baseline="0" dirty="0">
+                <a:ln>
+                  <a:noFill/>
+                </a:ln>
+                <a:solidFill>
+                  <a:srgbClr val="6A8759"/>
+                </a:solidFill>
+                <a:effectLst/>
+                <a:latin typeface="JetBrains Mono"/>
+              </a:rPr>
+              <a:t>="http://www.liquibase.org/xml/ns/dbchangelog"</a:t>
+            </a:r>
+            <a:br>
+              <a:rPr kumimoji="0" lang="ru-RU" altLang="ru-RU" sz="1200" b="0" i="0" u="none" strike="noStrike" cap="none" normalizeH="0" baseline="0" dirty="0">
+                <a:ln>
+                  <a:noFill/>
+                </a:ln>
+                <a:solidFill>
+                  <a:srgbClr val="6A8759"/>
+                </a:solidFill>
+                <a:effectLst/>
+                <a:latin typeface="JetBrains Mono"/>
+              </a:rPr>
+            </a:br>
+            <a:r>
+              <a:rPr kumimoji="0" lang="ru-RU" altLang="ru-RU" sz="1200" b="0" i="0" u="none" strike="noStrike" cap="none" normalizeH="0" baseline="0" dirty="0">
+                <a:ln>
+                  <a:noFill/>
+                </a:ln>
+                <a:solidFill>
+                  <a:srgbClr val="6A8759"/>
+                </a:solidFill>
+                <a:effectLst/>
+                <a:latin typeface="JetBrains Mono"/>
+              </a:rPr>
+              <a:t>        </a:t>
+            </a:r>
+            <a:r>
+              <a:rPr kumimoji="0" lang="ru-RU" altLang="ru-RU" sz="1200" b="0" i="0" u="none" strike="noStrike" cap="none" normalizeH="0" baseline="0" dirty="0" err="1">
+                <a:ln>
+                  <a:noFill/>
+                </a:ln>
+                <a:solidFill>
+                  <a:srgbClr val="BABABA"/>
+                </a:solidFill>
+                <a:effectLst/>
+                <a:latin typeface="JetBrains Mono"/>
+              </a:rPr>
+              <a:t>xmlns:</a:t>
+            </a:r>
+            <a:r>
+              <a:rPr kumimoji="0" lang="ru-RU" altLang="ru-RU" sz="1200" b="0" i="0" u="none" strike="noStrike" cap="none" normalizeH="0" baseline="0" dirty="0" err="1">
+                <a:ln>
+                  <a:noFill/>
+                </a:ln>
+                <a:solidFill>
+                  <a:srgbClr val="9876AA"/>
+                </a:solidFill>
+                <a:effectLst/>
+                <a:latin typeface="JetBrains Mono"/>
+              </a:rPr>
+              <a:t>xsi</a:t>
+            </a:r>
+            <a:r>
+              <a:rPr kumimoji="0" lang="ru-RU" altLang="ru-RU" sz="1200" b="0" i="0" u="none" strike="noStrike" cap="none" normalizeH="0" baseline="0" dirty="0">
+                <a:ln>
+                  <a:noFill/>
+                </a:ln>
+                <a:solidFill>
+                  <a:srgbClr val="6A8759"/>
+                </a:solidFill>
+                <a:effectLst/>
+                <a:latin typeface="JetBrains Mono"/>
+              </a:rPr>
+              <a:t>="http://www.w3.org/2001/XMLSchema-instance"</a:t>
+            </a:r>
+            <a:br>
+              <a:rPr kumimoji="0" lang="ru-RU" altLang="ru-RU" sz="1200" b="0" i="0" u="none" strike="noStrike" cap="none" normalizeH="0" baseline="0" dirty="0">
+                <a:ln>
+                  <a:noFill/>
+                </a:ln>
+                <a:solidFill>
+                  <a:srgbClr val="6A8759"/>
+                </a:solidFill>
+                <a:effectLst/>
+                <a:latin typeface="JetBrains Mono"/>
+              </a:rPr>
+            </a:br>
+            <a:r>
+              <a:rPr kumimoji="0" lang="ru-RU" altLang="ru-RU" sz="1200" b="0" i="0" u="none" strike="noStrike" cap="none" normalizeH="0" baseline="0" dirty="0">
+                <a:ln>
+                  <a:noFill/>
+                </a:ln>
+                <a:solidFill>
+                  <a:srgbClr val="6A8759"/>
+                </a:solidFill>
+                <a:effectLst/>
+                <a:latin typeface="JetBrains Mono"/>
+              </a:rPr>
+              <a:t>        </a:t>
+            </a:r>
+            <a:r>
+              <a:rPr kumimoji="0" lang="ru-RU" altLang="ru-RU" sz="1200" b="0" i="0" u="none" strike="noStrike" cap="none" normalizeH="0" baseline="0" dirty="0" err="1">
+                <a:ln>
+                  <a:noFill/>
+                </a:ln>
+                <a:solidFill>
+                  <a:srgbClr val="9876AA"/>
+                </a:solidFill>
+                <a:effectLst/>
+                <a:latin typeface="JetBrains Mono"/>
+              </a:rPr>
+              <a:t>xsi</a:t>
+            </a:r>
+            <a:r>
+              <a:rPr kumimoji="0" lang="ru-RU" altLang="ru-RU" sz="1200" b="0" i="0" u="none" strike="noStrike" cap="none" normalizeH="0" baseline="0" dirty="0" err="1">
+                <a:ln>
+                  <a:noFill/>
+                </a:ln>
+                <a:solidFill>
+                  <a:srgbClr val="BABABA"/>
+                </a:solidFill>
+                <a:effectLst/>
+                <a:latin typeface="JetBrains Mono"/>
+              </a:rPr>
+              <a:t>:schemaLocation</a:t>
+            </a:r>
+            <a:r>
+              <a:rPr kumimoji="0" lang="ru-RU" altLang="ru-RU" sz="1200" b="0" i="0" u="none" strike="noStrike" cap="none" normalizeH="0" baseline="0" dirty="0">
+                <a:ln>
+                  <a:noFill/>
+                </a:ln>
+                <a:solidFill>
+                  <a:srgbClr val="6A8759"/>
+                </a:solidFill>
+                <a:effectLst/>
+                <a:latin typeface="JetBrains Mono"/>
+              </a:rPr>
+              <a:t>="http://www.liquibase.org/xml/ns/dbchangelog</a:t>
+            </a:r>
+            <a:br>
+              <a:rPr kumimoji="0" lang="ru-RU" altLang="ru-RU" sz="1200" b="0" i="0" u="none" strike="noStrike" cap="none" normalizeH="0" baseline="0" dirty="0">
+                <a:ln>
+                  <a:noFill/>
+                </a:ln>
+                <a:solidFill>
+                  <a:srgbClr val="6A8759"/>
+                </a:solidFill>
+                <a:effectLst/>
+                <a:latin typeface="JetBrains Mono"/>
+              </a:rPr>
+            </a:br>
+            <a:r>
+              <a:rPr kumimoji="0" lang="ru-RU" altLang="ru-RU" sz="1200" b="0" i="0" u="none" strike="noStrike" cap="none" normalizeH="0" baseline="0" dirty="0">
+                <a:ln>
+                  <a:noFill/>
+                </a:ln>
+                <a:solidFill>
+                  <a:srgbClr val="6A8759"/>
+                </a:solidFill>
+                <a:effectLst/>
+                <a:latin typeface="JetBrains Mono"/>
+              </a:rPr>
+              <a:t>                      http://www.liquibase.org/xml/ns/dbchangelog/dbchangelog-3.8.xsd"</a:t>
+            </a:r>
+            <a:r>
+              <a:rPr kumimoji="0" lang="ru-RU" altLang="ru-RU" sz="1200" b="0" i="0" u="none" strike="noStrike" cap="none" normalizeH="0" baseline="0" dirty="0">
+                <a:ln>
+                  <a:noFill/>
+                </a:ln>
+                <a:solidFill>
+                  <a:srgbClr val="E8BF6A"/>
+                </a:solidFill>
+                <a:effectLst/>
+                <a:latin typeface="JetBrains Mono"/>
+              </a:rPr>
+              <a:t>&gt;</a:t>
+            </a:r>
+            <a:br>
+              <a:rPr kumimoji="0" lang="ru-RU" altLang="ru-RU" sz="1200" b="0" i="0" u="none" strike="noStrike" cap="none" normalizeH="0" baseline="0" dirty="0">
+                <a:ln>
+                  <a:noFill/>
+                </a:ln>
+                <a:solidFill>
+                  <a:srgbClr val="E8BF6A"/>
+                </a:solidFill>
+                <a:effectLst/>
+                <a:latin typeface="JetBrains Mono"/>
+              </a:rPr>
+            </a:br>
+            <a:r>
+              <a:rPr kumimoji="0" lang="ru-RU" altLang="ru-RU" sz="1200" b="0" i="0" u="none" strike="noStrike" cap="none" normalizeH="0" baseline="0" dirty="0">
+                <a:ln>
+                  <a:noFill/>
+                </a:ln>
+                <a:solidFill>
+                  <a:srgbClr val="E8BF6A"/>
+                </a:solidFill>
+                <a:effectLst/>
+                <a:latin typeface="JetBrains Mono"/>
+              </a:rPr>
+              <a:t>    &lt;</a:t>
+            </a:r>
+            <a:r>
+              <a:rPr kumimoji="0" lang="ru-RU" altLang="ru-RU" sz="1200" b="0" i="0" u="none" strike="noStrike" cap="none" normalizeH="0" baseline="0" dirty="0" err="1">
+                <a:ln>
+                  <a:noFill/>
+                </a:ln>
+                <a:solidFill>
+                  <a:srgbClr val="E8BF6A"/>
+                </a:solidFill>
+                <a:effectLst/>
+                <a:latin typeface="JetBrains Mono"/>
+              </a:rPr>
+              <a:t>changeSet</a:t>
+            </a:r>
+            <a:r>
+              <a:rPr kumimoji="0" lang="ru-RU" altLang="ru-RU" sz="1200" b="0" i="0" u="none" strike="noStrike" cap="none" normalizeH="0" baseline="0" dirty="0">
+                <a:ln>
+                  <a:noFill/>
+                </a:ln>
+                <a:solidFill>
+                  <a:srgbClr val="E8BF6A"/>
+                </a:solidFill>
+                <a:effectLst/>
+                <a:latin typeface="JetBrains Mono"/>
+              </a:rPr>
+              <a:t>  </a:t>
+            </a:r>
+            <a:r>
+              <a:rPr kumimoji="0" lang="ru-RU" altLang="ru-RU" sz="1200" b="0" i="0" u="none" strike="noStrike" cap="none" normalizeH="0" baseline="0" dirty="0" err="1">
+                <a:ln>
+                  <a:noFill/>
+                </a:ln>
+                <a:solidFill>
+                  <a:srgbClr val="BABABA"/>
+                </a:solidFill>
+                <a:effectLst/>
+                <a:latin typeface="JetBrains Mono"/>
+              </a:rPr>
+              <a:t>author</a:t>
+            </a:r>
+            <a:r>
+              <a:rPr kumimoji="0" lang="ru-RU" altLang="ru-RU" sz="1200" b="0" i="0" u="none" strike="noStrike" cap="none" normalizeH="0" baseline="0" dirty="0">
+                <a:ln>
+                  <a:noFill/>
+                </a:ln>
+                <a:solidFill>
+                  <a:srgbClr val="6A8759"/>
+                </a:solidFill>
+                <a:effectLst/>
+                <a:latin typeface="JetBrains Mono"/>
+              </a:rPr>
+              <a:t>="</a:t>
+            </a:r>
+            <a:r>
+              <a:rPr kumimoji="0" lang="ru-RU" altLang="ru-RU" sz="1200" b="0" i="0" u="none" strike="noStrike" cap="none" normalizeH="0" baseline="0" dirty="0" err="1">
+                <a:ln>
+                  <a:noFill/>
+                </a:ln>
+                <a:solidFill>
+                  <a:srgbClr val="6A8759"/>
+                </a:solidFill>
+                <a:effectLst/>
+                <a:latin typeface="JetBrains Mono"/>
+              </a:rPr>
+              <a:t>Dmitri</a:t>
+            </a:r>
+            <a:r>
+              <a:rPr kumimoji="0" lang="ru-RU" altLang="ru-RU" sz="1200" b="0" i="0" u="none" strike="noStrike" cap="none" normalizeH="0" baseline="0" dirty="0">
+                <a:ln>
+                  <a:noFill/>
+                </a:ln>
+                <a:solidFill>
+                  <a:srgbClr val="6A8759"/>
+                </a:solidFill>
+                <a:effectLst/>
+                <a:latin typeface="JetBrains Mono"/>
+              </a:rPr>
+              <a:t>"  </a:t>
+            </a:r>
+            <a:r>
+              <a:rPr kumimoji="0" lang="ru-RU" altLang="ru-RU" sz="1200" b="0" i="0" u="none" strike="noStrike" cap="none" normalizeH="0" baseline="0" dirty="0" err="1">
+                <a:ln>
+                  <a:noFill/>
+                </a:ln>
+                <a:solidFill>
+                  <a:srgbClr val="BABABA"/>
+                </a:solidFill>
+                <a:effectLst/>
+                <a:latin typeface="JetBrains Mono"/>
+              </a:rPr>
+              <a:t>id</a:t>
+            </a:r>
+            <a:r>
+              <a:rPr kumimoji="0" lang="ru-RU" altLang="ru-RU" sz="1200" b="0" i="0" u="none" strike="noStrike" cap="none" normalizeH="0" baseline="0" dirty="0">
+                <a:ln>
+                  <a:noFill/>
+                </a:ln>
+                <a:solidFill>
+                  <a:srgbClr val="6A8759"/>
+                </a:solidFill>
+                <a:effectLst/>
+                <a:latin typeface="JetBrains Mono"/>
+              </a:rPr>
+              <a:t>="2020-12-21 </a:t>
+            </a:r>
+            <a:r>
+              <a:rPr kumimoji="0" lang="ru-RU" altLang="ru-RU" sz="1200" b="0" i="0" u="none" strike="noStrike" cap="none" normalizeH="0" baseline="0" dirty="0" err="1">
+                <a:ln>
+                  <a:noFill/>
+                </a:ln>
+                <a:solidFill>
+                  <a:srgbClr val="6A8759"/>
+                </a:solidFill>
+                <a:effectLst/>
+                <a:latin typeface="JetBrains Mono"/>
+              </a:rPr>
+              <a:t>test</a:t>
+            </a:r>
+            <a:r>
+              <a:rPr kumimoji="0" lang="ru-RU" altLang="ru-RU" sz="1200" b="0" i="0" u="none" strike="noStrike" cap="none" normalizeH="0" baseline="0" dirty="0">
+                <a:ln>
+                  <a:noFill/>
+                </a:ln>
+                <a:solidFill>
+                  <a:srgbClr val="6A8759"/>
+                </a:solidFill>
+                <a:effectLst/>
+                <a:latin typeface="JetBrains Mono"/>
+              </a:rPr>
+              <a:t> </a:t>
+            </a:r>
+            <a:r>
+              <a:rPr kumimoji="0" lang="ru-RU" altLang="ru-RU" sz="1200" b="0" i="0" u="none" strike="noStrike" cap="none" normalizeH="0" baseline="0" dirty="0" err="1">
+                <a:ln>
+                  <a:noFill/>
+                </a:ln>
+                <a:solidFill>
+                  <a:srgbClr val="6A8759"/>
+                </a:solidFill>
+                <a:effectLst/>
+                <a:latin typeface="JetBrains Mono"/>
+              </a:rPr>
+              <a:t>change</a:t>
+            </a:r>
+            <a:r>
+              <a:rPr kumimoji="0" lang="ru-RU" altLang="ru-RU" sz="1200" b="0" i="0" u="none" strike="noStrike" cap="none" normalizeH="0" baseline="0" dirty="0">
+                <a:ln>
+                  <a:noFill/>
+                </a:ln>
+                <a:solidFill>
+                  <a:srgbClr val="6A8759"/>
+                </a:solidFill>
+                <a:effectLst/>
+                <a:latin typeface="JetBrains Mono"/>
+              </a:rPr>
+              <a:t> </a:t>
+            </a:r>
+            <a:r>
+              <a:rPr kumimoji="0" lang="ru-RU" altLang="ru-RU" sz="1200" b="0" i="0" u="none" strike="noStrike" cap="none" normalizeH="0" baseline="0" dirty="0" err="1">
+                <a:ln>
+                  <a:noFill/>
+                </a:ln>
+                <a:solidFill>
+                  <a:srgbClr val="6A8759"/>
+                </a:solidFill>
+                <a:effectLst/>
+                <a:latin typeface="JetBrains Mono"/>
+              </a:rPr>
+              <a:t>set</a:t>
+            </a:r>
+            <a:r>
+              <a:rPr kumimoji="0" lang="ru-RU" altLang="ru-RU" sz="1200" b="0" i="0" u="none" strike="noStrike" cap="none" normalizeH="0" baseline="0" dirty="0">
+                <a:ln>
+                  <a:noFill/>
+                </a:ln>
+                <a:solidFill>
+                  <a:srgbClr val="6A8759"/>
+                </a:solidFill>
+                <a:effectLst/>
+                <a:latin typeface="JetBrains Mono"/>
+              </a:rPr>
+              <a:t>"</a:t>
+            </a:r>
+            <a:r>
+              <a:rPr kumimoji="0" lang="ru-RU" altLang="ru-RU" sz="1200" b="0" i="0" u="none" strike="noStrike" cap="none" normalizeH="0" baseline="0" dirty="0">
+                <a:ln>
+                  <a:noFill/>
+                </a:ln>
+                <a:solidFill>
+                  <a:srgbClr val="E8BF6A"/>
+                </a:solidFill>
+                <a:effectLst/>
+                <a:latin typeface="JetBrains Mono"/>
+              </a:rPr>
+              <a:t>&gt;</a:t>
+            </a:r>
+          </a:p>
+          <a:p>
+            <a:r>
+              <a:rPr kumimoji="0" lang="ru-RU" altLang="ru-RU" sz="1200" b="0" i="0" u="none" strike="noStrike" cap="none" normalizeH="0" baseline="0" dirty="0">
+                <a:ln>
+                  <a:noFill/>
+                </a:ln>
+                <a:solidFill>
+                  <a:srgbClr val="E8BF6A"/>
+                </a:solidFill>
+                <a:effectLst/>
+                <a:latin typeface="JetBrains Mono"/>
+              </a:rPr>
+              <a:t>    &lt;/</a:t>
+            </a:r>
+            <a:r>
+              <a:rPr kumimoji="0" lang="ru-RU" altLang="ru-RU" sz="1200" b="0" i="0" u="none" strike="noStrike" cap="none" normalizeH="0" baseline="0" dirty="0" err="1">
+                <a:ln>
+                  <a:noFill/>
+                </a:ln>
+                <a:solidFill>
+                  <a:srgbClr val="E8BF6A"/>
+                </a:solidFill>
+                <a:effectLst/>
+                <a:latin typeface="JetBrains Mono"/>
+              </a:rPr>
+              <a:t>changeSet</a:t>
+            </a:r>
+            <a:r>
+              <a:rPr kumimoji="0" lang="ru-RU" altLang="ru-RU" sz="1200" b="0" i="0" u="none" strike="noStrike" cap="none" normalizeH="0" baseline="0" dirty="0">
+                <a:ln>
+                  <a:noFill/>
+                </a:ln>
+                <a:solidFill>
+                  <a:srgbClr val="E8BF6A"/>
+                </a:solidFill>
+                <a:effectLst/>
+                <a:latin typeface="JetBrains Mono"/>
+              </a:rPr>
+              <a:t>&gt;</a:t>
+            </a:r>
+            <a:br>
+              <a:rPr kumimoji="0" lang="ru-RU" altLang="ru-RU" sz="1200" b="0" i="0" u="none" strike="noStrike" cap="none" normalizeH="0" baseline="0" dirty="0">
+                <a:ln>
+                  <a:noFill/>
+                </a:ln>
+                <a:solidFill>
+                  <a:srgbClr val="E8BF6A"/>
+                </a:solidFill>
+                <a:effectLst/>
+                <a:latin typeface="JetBrains Mono"/>
+              </a:rPr>
+            </a:br>
+            <a:br>
+              <a:rPr kumimoji="0" lang="ru-RU" altLang="ru-RU" sz="1200" b="0" i="0" u="none" strike="noStrike" cap="none" normalizeH="0" baseline="0" dirty="0">
+                <a:ln>
+                  <a:noFill/>
+                </a:ln>
+                <a:solidFill>
+                  <a:srgbClr val="E8BF6A"/>
+                </a:solidFill>
+                <a:effectLst/>
+                <a:latin typeface="JetBrains Mono"/>
+              </a:rPr>
+            </a:br>
+            <a:r>
+              <a:rPr kumimoji="0" lang="ru-RU" altLang="ru-RU" sz="1200" b="0" i="0" u="none" strike="noStrike" cap="none" normalizeH="0" baseline="0" dirty="0">
+                <a:ln>
+                  <a:noFill/>
+                </a:ln>
+                <a:solidFill>
+                  <a:srgbClr val="E8BF6A"/>
+                </a:solidFill>
+                <a:effectLst/>
+                <a:latin typeface="JetBrains Mono"/>
+              </a:rPr>
+              <a:t>    &lt;</a:t>
+            </a:r>
+            <a:r>
+              <a:rPr kumimoji="0" lang="ru-RU" altLang="ru-RU" sz="1200" b="0" i="0" u="none" strike="noStrike" cap="none" normalizeH="0" baseline="0" dirty="0" err="1">
+                <a:ln>
+                  <a:noFill/>
+                </a:ln>
+                <a:solidFill>
+                  <a:srgbClr val="E8BF6A"/>
+                </a:solidFill>
+                <a:effectLst/>
+                <a:latin typeface="JetBrains Mono"/>
+              </a:rPr>
+              <a:t>changeSet</a:t>
+            </a:r>
+            <a:r>
+              <a:rPr kumimoji="0" lang="ru-RU" altLang="ru-RU" sz="1200" b="0" i="0" u="none" strike="noStrike" cap="none" normalizeH="0" baseline="0" dirty="0">
+                <a:ln>
+                  <a:noFill/>
+                </a:ln>
+                <a:solidFill>
+                  <a:srgbClr val="E8BF6A"/>
+                </a:solidFill>
+                <a:effectLst/>
+                <a:latin typeface="JetBrains Mono"/>
+              </a:rPr>
+              <a:t>  </a:t>
+            </a:r>
+            <a:r>
+              <a:rPr kumimoji="0" lang="ru-RU" altLang="ru-RU" sz="1200" b="0" i="0" u="none" strike="noStrike" cap="none" normalizeH="0" baseline="0" dirty="0" err="1">
+                <a:ln>
+                  <a:noFill/>
+                </a:ln>
+                <a:solidFill>
+                  <a:srgbClr val="BABABA"/>
+                </a:solidFill>
+                <a:effectLst/>
+                <a:latin typeface="JetBrains Mono"/>
+              </a:rPr>
+              <a:t>author</a:t>
+            </a:r>
+            <a:r>
+              <a:rPr kumimoji="0" lang="ru-RU" altLang="ru-RU" sz="1200" b="0" i="0" u="none" strike="noStrike" cap="none" normalizeH="0" baseline="0" dirty="0">
+                <a:ln>
+                  <a:noFill/>
+                </a:ln>
+                <a:solidFill>
+                  <a:srgbClr val="6A8759"/>
+                </a:solidFill>
+                <a:effectLst/>
+                <a:latin typeface="JetBrains Mono"/>
+              </a:rPr>
+              <a:t>="</a:t>
+            </a:r>
+            <a:r>
+              <a:rPr kumimoji="0" lang="ru-RU" altLang="ru-RU" sz="1200" b="0" i="0" u="none" strike="noStrike" cap="none" normalizeH="0" baseline="0" dirty="0" err="1">
+                <a:ln>
+                  <a:noFill/>
+                </a:ln>
+                <a:solidFill>
+                  <a:srgbClr val="6A8759"/>
+                </a:solidFill>
+                <a:effectLst/>
+                <a:latin typeface="JetBrains Mono"/>
+              </a:rPr>
+              <a:t>Dmitri</a:t>
+            </a:r>
+            <a:r>
+              <a:rPr kumimoji="0" lang="ru-RU" altLang="ru-RU" sz="1200" b="0" i="0" u="none" strike="noStrike" cap="none" normalizeH="0" baseline="0" dirty="0">
+                <a:ln>
+                  <a:noFill/>
+                </a:ln>
+                <a:solidFill>
+                  <a:srgbClr val="6A8759"/>
+                </a:solidFill>
+                <a:effectLst/>
+                <a:latin typeface="JetBrains Mono"/>
+              </a:rPr>
+              <a:t>"  </a:t>
+            </a:r>
+            <a:r>
+              <a:rPr kumimoji="0" lang="ru-RU" altLang="ru-RU" sz="1200" b="0" i="0" u="none" strike="noStrike" cap="none" normalizeH="0" baseline="0" dirty="0" err="1">
+                <a:ln>
+                  <a:noFill/>
+                </a:ln>
+                <a:solidFill>
+                  <a:srgbClr val="BABABA"/>
+                </a:solidFill>
+                <a:effectLst/>
+                <a:latin typeface="JetBrains Mono"/>
+              </a:rPr>
+              <a:t>id</a:t>
+            </a:r>
+            <a:r>
+              <a:rPr kumimoji="0" lang="ru-RU" altLang="ru-RU" sz="1200" b="0" i="0" u="none" strike="noStrike" cap="none" normalizeH="0" baseline="0" dirty="0">
+                <a:ln>
+                  <a:noFill/>
+                </a:ln>
+                <a:solidFill>
+                  <a:srgbClr val="6A8759"/>
+                </a:solidFill>
+                <a:effectLst/>
+                <a:latin typeface="JetBrains Mono"/>
+              </a:rPr>
+              <a:t>="2020-12-21 </a:t>
+            </a:r>
+            <a:r>
+              <a:rPr kumimoji="0" lang="ru-RU" altLang="ru-RU" sz="1200" b="0" i="0" u="none" strike="noStrike" cap="none" normalizeH="0" baseline="0" dirty="0" err="1">
+                <a:ln>
+                  <a:noFill/>
+                </a:ln>
+                <a:solidFill>
+                  <a:srgbClr val="6A8759"/>
+                </a:solidFill>
+                <a:effectLst/>
+                <a:latin typeface="JetBrains Mono"/>
+              </a:rPr>
+              <a:t>Create</a:t>
+            </a:r>
+            <a:r>
+              <a:rPr kumimoji="0" lang="ru-RU" altLang="ru-RU" sz="1200" b="0" i="0" u="none" strike="noStrike" cap="none" normalizeH="0" baseline="0" dirty="0">
+                <a:ln>
+                  <a:noFill/>
+                </a:ln>
+                <a:solidFill>
+                  <a:srgbClr val="6A8759"/>
+                </a:solidFill>
+                <a:effectLst/>
+                <a:latin typeface="JetBrains Mono"/>
+              </a:rPr>
+              <a:t> </a:t>
+            </a:r>
+            <a:r>
+              <a:rPr kumimoji="0" lang="ru-RU" altLang="ru-RU" sz="1200" b="0" i="0" u="none" strike="noStrike" cap="none" normalizeH="0" baseline="0" dirty="0" err="1">
+                <a:ln>
+                  <a:noFill/>
+                </a:ln>
+                <a:solidFill>
+                  <a:srgbClr val="6A8759"/>
+                </a:solidFill>
+                <a:effectLst/>
+                <a:latin typeface="JetBrains Mono"/>
+              </a:rPr>
+              <a:t>users</a:t>
+            </a:r>
+            <a:r>
+              <a:rPr kumimoji="0" lang="ru-RU" altLang="ru-RU" sz="1200" b="0" i="0" u="none" strike="noStrike" cap="none" normalizeH="0" baseline="0" dirty="0">
+                <a:ln>
+                  <a:noFill/>
+                </a:ln>
+                <a:solidFill>
+                  <a:srgbClr val="6A8759"/>
+                </a:solidFill>
+                <a:effectLst/>
+                <a:latin typeface="JetBrains Mono"/>
+              </a:rPr>
+              <a:t> </a:t>
+            </a:r>
+            <a:r>
+              <a:rPr kumimoji="0" lang="ru-RU" altLang="ru-RU" sz="1200" b="0" i="0" u="none" strike="noStrike" cap="none" normalizeH="0" baseline="0" dirty="0" err="1">
+                <a:ln>
+                  <a:noFill/>
+                </a:ln>
+                <a:solidFill>
+                  <a:srgbClr val="6A8759"/>
+                </a:solidFill>
+                <a:effectLst/>
+                <a:latin typeface="JetBrains Mono"/>
+              </a:rPr>
+              <a:t>table</a:t>
+            </a:r>
+            <a:r>
+              <a:rPr kumimoji="0" lang="ru-RU" altLang="ru-RU" sz="1200" b="0" i="0" u="none" strike="noStrike" cap="none" normalizeH="0" baseline="0" dirty="0">
+                <a:ln>
+                  <a:noFill/>
+                </a:ln>
+                <a:solidFill>
+                  <a:srgbClr val="6A8759"/>
+                </a:solidFill>
+                <a:effectLst/>
+                <a:latin typeface="JetBrains Mono"/>
+              </a:rPr>
+              <a:t>"</a:t>
+            </a:r>
+            <a:r>
+              <a:rPr kumimoji="0" lang="ru-RU" altLang="ru-RU" sz="1200" b="0" i="0" u="none" strike="noStrike" cap="none" normalizeH="0" baseline="0" dirty="0">
+                <a:ln>
+                  <a:noFill/>
+                </a:ln>
+                <a:solidFill>
+                  <a:srgbClr val="E8BF6A"/>
+                </a:solidFill>
+                <a:effectLst/>
+                <a:latin typeface="JetBrains Mono"/>
+              </a:rPr>
+              <a:t>&gt;</a:t>
+            </a:r>
+            <a:br>
+              <a:rPr kumimoji="0" lang="ru-RU" altLang="ru-RU" sz="1200" b="0" i="0" u="none" strike="noStrike" cap="none" normalizeH="0" baseline="0" dirty="0">
+                <a:ln>
+                  <a:noFill/>
+                </a:ln>
+                <a:solidFill>
+                  <a:srgbClr val="E8BF6A"/>
+                </a:solidFill>
+                <a:effectLst/>
+                <a:latin typeface="JetBrains Mono"/>
+              </a:rPr>
+            </a:br>
+            <a:r>
+              <a:rPr kumimoji="0" lang="ru-RU" altLang="ru-RU" sz="1200" b="0" i="0" u="none" strike="noStrike" cap="none" normalizeH="0" baseline="0" dirty="0">
+                <a:ln>
+                  <a:noFill/>
+                </a:ln>
+                <a:solidFill>
+                  <a:srgbClr val="E8BF6A"/>
+                </a:solidFill>
+                <a:effectLst/>
+                <a:latin typeface="JetBrains Mono"/>
+              </a:rPr>
+              <a:t>        &lt;</a:t>
+            </a:r>
+            <a:r>
+              <a:rPr kumimoji="0" lang="ru-RU" altLang="ru-RU" sz="1200" b="0" i="0" u="none" strike="noStrike" cap="none" normalizeH="0" baseline="0" dirty="0" err="1">
+                <a:ln>
+                  <a:noFill/>
+                </a:ln>
+                <a:solidFill>
+                  <a:srgbClr val="E8BF6A"/>
+                </a:solidFill>
+                <a:effectLst/>
+                <a:latin typeface="JetBrains Mono"/>
+              </a:rPr>
+              <a:t>createTable</a:t>
+            </a:r>
+            <a:r>
+              <a:rPr kumimoji="0" lang="ru-RU" altLang="ru-RU" sz="1200" b="0" i="0" u="none" strike="noStrike" cap="none" normalizeH="0" baseline="0" dirty="0">
+                <a:ln>
+                  <a:noFill/>
+                </a:ln>
+                <a:solidFill>
+                  <a:srgbClr val="E8BF6A"/>
+                </a:solidFill>
+                <a:effectLst/>
+                <a:latin typeface="JetBrains Mono"/>
+              </a:rPr>
+              <a:t> </a:t>
+            </a:r>
+            <a:r>
+              <a:rPr kumimoji="0" lang="ru-RU" altLang="ru-RU" sz="1200" b="0" i="0" u="none" strike="noStrike" cap="none" normalizeH="0" baseline="0" dirty="0" err="1">
+                <a:ln>
+                  <a:noFill/>
+                </a:ln>
+                <a:solidFill>
+                  <a:srgbClr val="BABABA"/>
+                </a:solidFill>
+                <a:effectLst/>
+                <a:latin typeface="JetBrains Mono"/>
+              </a:rPr>
+              <a:t>tableName</a:t>
+            </a:r>
+            <a:r>
+              <a:rPr kumimoji="0" lang="ru-RU" altLang="ru-RU" sz="1200" b="0" i="0" u="none" strike="noStrike" cap="none" normalizeH="0" baseline="0" dirty="0">
+                <a:ln>
+                  <a:noFill/>
+                </a:ln>
+                <a:solidFill>
+                  <a:srgbClr val="6A8759"/>
+                </a:solidFill>
+                <a:effectLst/>
+                <a:latin typeface="JetBrains Mono"/>
+              </a:rPr>
+              <a:t>="</a:t>
+            </a:r>
+            <a:r>
+              <a:rPr kumimoji="0" lang="ru-RU" altLang="ru-RU" sz="1200" b="0" i="0" u="none" strike="noStrike" cap="none" normalizeH="0" baseline="0" dirty="0" err="1">
+                <a:ln>
+                  <a:noFill/>
+                </a:ln>
+                <a:solidFill>
+                  <a:srgbClr val="6A8759"/>
+                </a:solidFill>
+                <a:effectLst/>
+                <a:latin typeface="JetBrains Mono"/>
+              </a:rPr>
+              <a:t>users</a:t>
+            </a:r>
+            <a:r>
+              <a:rPr kumimoji="0" lang="ru-RU" altLang="ru-RU" sz="1200" b="0" i="0" u="none" strike="noStrike" cap="none" normalizeH="0" baseline="0" dirty="0">
+                <a:ln>
+                  <a:noFill/>
+                </a:ln>
+                <a:solidFill>
+                  <a:srgbClr val="6A8759"/>
+                </a:solidFill>
+                <a:effectLst/>
+                <a:latin typeface="JetBrains Mono"/>
+              </a:rPr>
+              <a:t>"</a:t>
+            </a:r>
+            <a:r>
+              <a:rPr kumimoji="0" lang="ru-RU" altLang="ru-RU" sz="1200" b="0" i="0" u="none" strike="noStrike" cap="none" normalizeH="0" baseline="0" dirty="0">
+                <a:ln>
+                  <a:noFill/>
+                </a:ln>
+                <a:solidFill>
+                  <a:srgbClr val="E8BF6A"/>
+                </a:solidFill>
+                <a:effectLst/>
+                <a:latin typeface="JetBrains Mono"/>
+              </a:rPr>
+              <a:t>&gt;</a:t>
+            </a:r>
+            <a:br>
+              <a:rPr kumimoji="0" lang="ru-RU" altLang="ru-RU" sz="1200" b="0" i="0" u="none" strike="noStrike" cap="none" normalizeH="0" baseline="0" dirty="0">
+                <a:ln>
+                  <a:noFill/>
+                </a:ln>
+                <a:solidFill>
+                  <a:srgbClr val="E8BF6A"/>
+                </a:solidFill>
+                <a:effectLst/>
+                <a:latin typeface="JetBrains Mono"/>
+              </a:rPr>
+            </a:br>
+            <a:r>
+              <a:rPr kumimoji="0" lang="ru-RU" altLang="ru-RU" sz="1200" b="0" i="0" u="none" strike="noStrike" cap="none" normalizeH="0" baseline="0" dirty="0">
+                <a:ln>
+                  <a:noFill/>
+                </a:ln>
+                <a:solidFill>
+                  <a:srgbClr val="E8BF6A"/>
+                </a:solidFill>
+                <a:effectLst/>
+                <a:latin typeface="JetBrains Mono"/>
+              </a:rPr>
+              <a:t>            &lt;</a:t>
+            </a:r>
+            <a:r>
+              <a:rPr kumimoji="0" lang="ru-RU" altLang="ru-RU" sz="1200" b="0" i="0" u="none" strike="noStrike" cap="none" normalizeH="0" baseline="0" dirty="0" err="1">
+                <a:ln>
+                  <a:noFill/>
+                </a:ln>
+                <a:solidFill>
+                  <a:srgbClr val="E8BF6A"/>
+                </a:solidFill>
+                <a:effectLst/>
+                <a:latin typeface="JetBrains Mono"/>
+              </a:rPr>
+              <a:t>column</a:t>
+            </a:r>
+            <a:r>
+              <a:rPr kumimoji="0" lang="ru-RU" altLang="ru-RU" sz="1200" b="0" i="0" u="none" strike="noStrike" cap="none" normalizeH="0" baseline="0" dirty="0">
+                <a:ln>
+                  <a:noFill/>
+                </a:ln>
+                <a:solidFill>
+                  <a:srgbClr val="E8BF6A"/>
+                </a:solidFill>
+                <a:effectLst/>
+                <a:latin typeface="JetBrains Mono"/>
+              </a:rPr>
+              <a:t> </a:t>
+            </a:r>
+            <a:r>
+              <a:rPr kumimoji="0" lang="ru-RU" altLang="ru-RU" sz="1200" b="0" i="0" u="none" strike="noStrike" cap="none" normalizeH="0" baseline="0" dirty="0" err="1">
+                <a:ln>
+                  <a:noFill/>
+                </a:ln>
+                <a:solidFill>
+                  <a:srgbClr val="BABABA"/>
+                </a:solidFill>
+                <a:effectLst/>
+                <a:latin typeface="JetBrains Mono"/>
+              </a:rPr>
+              <a:t>name</a:t>
+            </a:r>
+            <a:r>
+              <a:rPr kumimoji="0" lang="ru-RU" altLang="ru-RU" sz="1200" b="0" i="0" u="none" strike="noStrike" cap="none" normalizeH="0" baseline="0" dirty="0">
+                <a:ln>
+                  <a:noFill/>
+                </a:ln>
+                <a:solidFill>
+                  <a:srgbClr val="6A8759"/>
+                </a:solidFill>
+                <a:effectLst/>
+                <a:latin typeface="JetBrains Mono"/>
+              </a:rPr>
+              <a:t>="</a:t>
+            </a:r>
+            <a:r>
+              <a:rPr kumimoji="0" lang="ru-RU" altLang="ru-RU" sz="1200" b="0" i="0" u="none" strike="noStrike" cap="none" normalizeH="0" baseline="0" dirty="0" err="1">
+                <a:ln>
+                  <a:noFill/>
+                </a:ln>
+                <a:solidFill>
+                  <a:srgbClr val="6A8759"/>
+                </a:solidFill>
+                <a:effectLst/>
+                <a:latin typeface="JetBrains Mono"/>
+              </a:rPr>
+              <a:t>username</a:t>
+            </a:r>
+            <a:r>
+              <a:rPr kumimoji="0" lang="ru-RU" altLang="ru-RU" sz="1200" b="0" i="0" u="none" strike="noStrike" cap="none" normalizeH="0" baseline="0" dirty="0">
+                <a:ln>
+                  <a:noFill/>
+                </a:ln>
+                <a:solidFill>
+                  <a:srgbClr val="6A8759"/>
+                </a:solidFill>
+                <a:effectLst/>
+                <a:latin typeface="JetBrains Mono"/>
+              </a:rPr>
+              <a:t>" </a:t>
+            </a:r>
+            <a:r>
+              <a:rPr kumimoji="0" lang="ru-RU" altLang="ru-RU" sz="1200" b="0" i="0" u="none" strike="noStrike" cap="none" normalizeH="0" baseline="0" dirty="0" err="1">
+                <a:ln>
+                  <a:noFill/>
+                </a:ln>
+                <a:solidFill>
+                  <a:srgbClr val="BABABA"/>
+                </a:solidFill>
+                <a:effectLst/>
+                <a:latin typeface="JetBrains Mono"/>
+              </a:rPr>
+              <a:t>type</a:t>
+            </a:r>
+            <a:r>
+              <a:rPr kumimoji="0" lang="ru-RU" altLang="ru-RU" sz="1200" b="0" i="0" u="none" strike="noStrike" cap="none" normalizeH="0" baseline="0" dirty="0">
+                <a:ln>
+                  <a:noFill/>
+                </a:ln>
+                <a:solidFill>
+                  <a:srgbClr val="6A8759"/>
+                </a:solidFill>
+                <a:effectLst/>
+                <a:latin typeface="JetBrains Mono"/>
+              </a:rPr>
+              <a:t>="</a:t>
+            </a:r>
+            <a:r>
+              <a:rPr kumimoji="0" lang="ru-RU" altLang="ru-RU" sz="1200" b="0" i="0" u="none" strike="noStrike" cap="none" normalizeH="0" baseline="0" dirty="0" err="1">
+                <a:ln>
+                  <a:noFill/>
+                </a:ln>
+                <a:solidFill>
+                  <a:srgbClr val="6A8759"/>
+                </a:solidFill>
+                <a:effectLst/>
+                <a:latin typeface="JetBrains Mono"/>
+              </a:rPr>
+              <a:t>text</a:t>
+            </a:r>
+            <a:r>
+              <a:rPr kumimoji="0" lang="ru-RU" altLang="ru-RU" sz="1200" b="0" i="0" u="none" strike="noStrike" cap="none" normalizeH="0" baseline="0" dirty="0">
+                <a:ln>
+                  <a:noFill/>
+                </a:ln>
+                <a:solidFill>
+                  <a:srgbClr val="6A8759"/>
+                </a:solidFill>
+                <a:effectLst/>
+                <a:latin typeface="JetBrains Mono"/>
+              </a:rPr>
+              <a:t>"</a:t>
+            </a:r>
+            <a:r>
+              <a:rPr kumimoji="0" lang="ru-RU" altLang="ru-RU" sz="1200" b="0" i="0" u="none" strike="noStrike" cap="none" normalizeH="0" baseline="0" dirty="0">
+                <a:ln>
+                  <a:noFill/>
+                </a:ln>
+                <a:solidFill>
+                  <a:srgbClr val="E8BF6A"/>
+                </a:solidFill>
+                <a:effectLst/>
+                <a:latin typeface="JetBrains Mono"/>
+              </a:rPr>
+              <a:t>&gt;</a:t>
+            </a:r>
+            <a:br>
+              <a:rPr kumimoji="0" lang="ru-RU" altLang="ru-RU" sz="1200" b="0" i="0" u="none" strike="noStrike" cap="none" normalizeH="0" baseline="0" dirty="0">
+                <a:ln>
+                  <a:noFill/>
+                </a:ln>
+                <a:solidFill>
+                  <a:srgbClr val="E8BF6A"/>
+                </a:solidFill>
+                <a:effectLst/>
+                <a:latin typeface="JetBrains Mono"/>
+              </a:rPr>
+            </a:br>
+            <a:r>
+              <a:rPr kumimoji="0" lang="ru-RU" altLang="ru-RU" sz="1200" b="0" i="0" u="none" strike="noStrike" cap="none" normalizeH="0" baseline="0" dirty="0">
+                <a:ln>
+                  <a:noFill/>
+                </a:ln>
+                <a:solidFill>
+                  <a:srgbClr val="E8BF6A"/>
+                </a:solidFill>
+                <a:effectLst/>
+                <a:latin typeface="JetBrains Mono"/>
+              </a:rPr>
+              <a:t>                &lt;</a:t>
+            </a:r>
+            <a:r>
+              <a:rPr kumimoji="0" lang="ru-RU" altLang="ru-RU" sz="1200" b="0" i="0" u="none" strike="noStrike" cap="none" normalizeH="0" baseline="0" dirty="0" err="1">
+                <a:ln>
+                  <a:noFill/>
+                </a:ln>
+                <a:solidFill>
+                  <a:srgbClr val="E8BF6A"/>
+                </a:solidFill>
+                <a:effectLst/>
+                <a:latin typeface="JetBrains Mono"/>
+              </a:rPr>
+              <a:t>constraints</a:t>
+            </a:r>
+            <a:r>
+              <a:rPr kumimoji="0" lang="ru-RU" altLang="ru-RU" sz="1200" b="0" i="0" u="none" strike="noStrike" cap="none" normalizeH="0" baseline="0" dirty="0">
+                <a:ln>
+                  <a:noFill/>
+                </a:ln>
+                <a:solidFill>
+                  <a:srgbClr val="E8BF6A"/>
+                </a:solidFill>
+                <a:effectLst/>
+                <a:latin typeface="JetBrains Mono"/>
+              </a:rPr>
+              <a:t> </a:t>
+            </a:r>
+            <a:r>
+              <a:rPr kumimoji="0" lang="ru-RU" altLang="ru-RU" sz="1200" b="0" i="0" u="none" strike="noStrike" cap="none" normalizeH="0" baseline="0" dirty="0" err="1">
+                <a:ln>
+                  <a:noFill/>
+                </a:ln>
+                <a:solidFill>
+                  <a:srgbClr val="BABABA"/>
+                </a:solidFill>
+                <a:effectLst/>
+                <a:latin typeface="JetBrains Mono"/>
+              </a:rPr>
+              <a:t>primaryKey</a:t>
+            </a:r>
+            <a:r>
+              <a:rPr kumimoji="0" lang="ru-RU" altLang="ru-RU" sz="1200" b="0" i="0" u="none" strike="noStrike" cap="none" normalizeH="0" baseline="0" dirty="0">
+                <a:ln>
+                  <a:noFill/>
+                </a:ln>
+                <a:solidFill>
+                  <a:srgbClr val="6A8759"/>
+                </a:solidFill>
+                <a:effectLst/>
+                <a:latin typeface="JetBrains Mono"/>
+              </a:rPr>
+              <a:t>="</a:t>
+            </a:r>
+            <a:r>
+              <a:rPr kumimoji="0" lang="ru-RU" altLang="ru-RU" sz="1200" b="0" i="0" u="none" strike="noStrike" cap="none" normalizeH="0" baseline="0" dirty="0" err="1">
+                <a:ln>
+                  <a:noFill/>
+                </a:ln>
+                <a:solidFill>
+                  <a:srgbClr val="6A8759"/>
+                </a:solidFill>
+                <a:effectLst/>
+                <a:latin typeface="JetBrains Mono"/>
+              </a:rPr>
+              <a:t>true</a:t>
+            </a:r>
+            <a:r>
+              <a:rPr kumimoji="0" lang="ru-RU" altLang="ru-RU" sz="1200" b="0" i="0" u="none" strike="noStrike" cap="none" normalizeH="0" baseline="0" dirty="0">
+                <a:ln>
+                  <a:noFill/>
+                </a:ln>
+                <a:solidFill>
+                  <a:srgbClr val="6A8759"/>
+                </a:solidFill>
+                <a:effectLst/>
+                <a:latin typeface="JetBrains Mono"/>
+              </a:rPr>
+              <a:t>"</a:t>
+            </a:r>
+            <a:r>
+              <a:rPr kumimoji="0" lang="ru-RU" altLang="ru-RU" sz="1200" b="0" i="0" u="none" strike="noStrike" cap="none" normalizeH="0" baseline="0" dirty="0">
+                <a:ln>
+                  <a:noFill/>
+                </a:ln>
+                <a:solidFill>
+                  <a:srgbClr val="E8BF6A"/>
+                </a:solidFill>
+                <a:effectLst/>
+                <a:latin typeface="JetBrains Mono"/>
+              </a:rPr>
+              <a:t>/&gt;</a:t>
+            </a:r>
+            <a:br>
+              <a:rPr kumimoji="0" lang="ru-RU" altLang="ru-RU" sz="1200" b="0" i="0" u="none" strike="noStrike" cap="none" normalizeH="0" baseline="0" dirty="0">
+                <a:ln>
+                  <a:noFill/>
+                </a:ln>
+                <a:solidFill>
+                  <a:srgbClr val="E8BF6A"/>
+                </a:solidFill>
+                <a:effectLst/>
+                <a:latin typeface="JetBrains Mono"/>
+              </a:rPr>
+            </a:br>
+            <a:r>
+              <a:rPr kumimoji="0" lang="ru-RU" altLang="ru-RU" sz="1200" b="0" i="0" u="none" strike="noStrike" cap="none" normalizeH="0" baseline="0" dirty="0">
+                <a:ln>
+                  <a:noFill/>
+                </a:ln>
+                <a:solidFill>
+                  <a:srgbClr val="E8BF6A"/>
+                </a:solidFill>
+                <a:effectLst/>
+                <a:latin typeface="JetBrains Mono"/>
+              </a:rPr>
+              <a:t>            &lt;/</a:t>
+            </a:r>
+            <a:r>
+              <a:rPr kumimoji="0" lang="ru-RU" altLang="ru-RU" sz="1200" b="0" i="0" u="none" strike="noStrike" cap="none" normalizeH="0" baseline="0" dirty="0" err="1">
+                <a:ln>
+                  <a:noFill/>
+                </a:ln>
+                <a:solidFill>
+                  <a:srgbClr val="E8BF6A"/>
+                </a:solidFill>
+                <a:effectLst/>
+                <a:latin typeface="JetBrains Mono"/>
+              </a:rPr>
+              <a:t>column</a:t>
+            </a:r>
+            <a:r>
+              <a:rPr kumimoji="0" lang="ru-RU" altLang="ru-RU" sz="1200" b="0" i="0" u="none" strike="noStrike" cap="none" normalizeH="0" baseline="0" dirty="0">
+                <a:ln>
+                  <a:noFill/>
+                </a:ln>
+                <a:solidFill>
+                  <a:srgbClr val="E8BF6A"/>
+                </a:solidFill>
+                <a:effectLst/>
+                <a:latin typeface="JetBrains Mono"/>
+              </a:rPr>
+              <a:t>&gt;</a:t>
+            </a:r>
+            <a:br>
+              <a:rPr kumimoji="0" lang="ru-RU" altLang="ru-RU" sz="1200" b="0" i="0" u="none" strike="noStrike" cap="none" normalizeH="0" baseline="0" dirty="0">
+                <a:ln>
+                  <a:noFill/>
+                </a:ln>
+                <a:solidFill>
+                  <a:srgbClr val="E8BF6A"/>
+                </a:solidFill>
+                <a:effectLst/>
+                <a:latin typeface="JetBrains Mono"/>
+              </a:rPr>
+            </a:br>
+            <a:r>
+              <a:rPr kumimoji="0" lang="ru-RU" altLang="ru-RU" sz="1200" b="0" i="0" u="none" strike="noStrike" cap="none" normalizeH="0" baseline="0" dirty="0">
+                <a:ln>
+                  <a:noFill/>
+                </a:ln>
+                <a:solidFill>
+                  <a:srgbClr val="E8BF6A"/>
+                </a:solidFill>
+                <a:effectLst/>
+                <a:latin typeface="JetBrains Mono"/>
+              </a:rPr>
+              <a:t>            &lt;</a:t>
+            </a:r>
+            <a:r>
+              <a:rPr kumimoji="0" lang="ru-RU" altLang="ru-RU" sz="1200" b="0" i="0" u="none" strike="noStrike" cap="none" normalizeH="0" baseline="0" dirty="0" err="1">
+                <a:ln>
+                  <a:noFill/>
+                </a:ln>
+                <a:solidFill>
+                  <a:srgbClr val="E8BF6A"/>
+                </a:solidFill>
+                <a:effectLst/>
+                <a:latin typeface="JetBrains Mono"/>
+              </a:rPr>
+              <a:t>column</a:t>
+            </a:r>
+            <a:r>
+              <a:rPr kumimoji="0" lang="ru-RU" altLang="ru-RU" sz="1200" b="0" i="0" u="none" strike="noStrike" cap="none" normalizeH="0" baseline="0" dirty="0">
+                <a:ln>
+                  <a:noFill/>
+                </a:ln>
+                <a:solidFill>
+                  <a:srgbClr val="E8BF6A"/>
+                </a:solidFill>
+                <a:effectLst/>
+                <a:latin typeface="JetBrains Mono"/>
+              </a:rPr>
+              <a:t> </a:t>
+            </a:r>
+            <a:r>
+              <a:rPr kumimoji="0" lang="ru-RU" altLang="ru-RU" sz="1200" b="0" i="0" u="none" strike="noStrike" cap="none" normalizeH="0" baseline="0" dirty="0" err="1">
+                <a:ln>
+                  <a:noFill/>
+                </a:ln>
+                <a:solidFill>
+                  <a:srgbClr val="BABABA"/>
+                </a:solidFill>
+                <a:effectLst/>
+                <a:latin typeface="JetBrains Mono"/>
+              </a:rPr>
+              <a:t>name</a:t>
+            </a:r>
+            <a:r>
+              <a:rPr kumimoji="0" lang="ru-RU" altLang="ru-RU" sz="1200" b="0" i="0" u="none" strike="noStrike" cap="none" normalizeH="0" baseline="0" dirty="0">
+                <a:ln>
+                  <a:noFill/>
+                </a:ln>
+                <a:solidFill>
+                  <a:srgbClr val="6A8759"/>
+                </a:solidFill>
+                <a:effectLst/>
+                <a:latin typeface="JetBrains Mono"/>
+              </a:rPr>
+              <a:t>="</a:t>
+            </a:r>
+            <a:r>
+              <a:rPr kumimoji="0" lang="ru-RU" altLang="ru-RU" sz="1200" b="0" i="0" u="none" strike="noStrike" cap="none" normalizeH="0" baseline="0" dirty="0" err="1">
+                <a:ln>
+                  <a:noFill/>
+                </a:ln>
+                <a:solidFill>
+                  <a:srgbClr val="6A8759"/>
+                </a:solidFill>
+                <a:effectLst/>
+                <a:latin typeface="JetBrains Mono"/>
+              </a:rPr>
+              <a:t>password</a:t>
+            </a:r>
+            <a:r>
+              <a:rPr kumimoji="0" lang="ru-RU" altLang="ru-RU" sz="1200" b="0" i="0" u="none" strike="noStrike" cap="none" normalizeH="0" baseline="0" dirty="0">
+                <a:ln>
+                  <a:noFill/>
+                </a:ln>
+                <a:solidFill>
+                  <a:srgbClr val="6A8759"/>
+                </a:solidFill>
+                <a:effectLst/>
+                <a:latin typeface="JetBrains Mono"/>
+              </a:rPr>
+              <a:t>" </a:t>
+            </a:r>
+            <a:r>
+              <a:rPr kumimoji="0" lang="ru-RU" altLang="ru-RU" sz="1200" b="0" i="0" u="none" strike="noStrike" cap="none" normalizeH="0" baseline="0" dirty="0" err="1">
+                <a:ln>
+                  <a:noFill/>
+                </a:ln>
+                <a:solidFill>
+                  <a:srgbClr val="BABABA"/>
+                </a:solidFill>
+                <a:effectLst/>
+                <a:latin typeface="JetBrains Mono"/>
+              </a:rPr>
+              <a:t>type</a:t>
+            </a:r>
+            <a:r>
+              <a:rPr kumimoji="0" lang="ru-RU" altLang="ru-RU" sz="1200" b="0" i="0" u="none" strike="noStrike" cap="none" normalizeH="0" baseline="0" dirty="0">
+                <a:ln>
+                  <a:noFill/>
+                </a:ln>
+                <a:solidFill>
+                  <a:srgbClr val="6A8759"/>
+                </a:solidFill>
+                <a:effectLst/>
+                <a:latin typeface="JetBrains Mono"/>
+              </a:rPr>
+              <a:t>="</a:t>
+            </a:r>
+            <a:r>
+              <a:rPr kumimoji="0" lang="ru-RU" altLang="ru-RU" sz="1200" b="0" i="0" u="none" strike="noStrike" cap="none" normalizeH="0" baseline="0" dirty="0" err="1">
+                <a:ln>
+                  <a:noFill/>
+                </a:ln>
+                <a:solidFill>
+                  <a:srgbClr val="6A8759"/>
+                </a:solidFill>
+                <a:effectLst/>
+                <a:latin typeface="JetBrains Mono"/>
+              </a:rPr>
+              <a:t>text</a:t>
+            </a:r>
+            <a:r>
+              <a:rPr kumimoji="0" lang="ru-RU" altLang="ru-RU" sz="1200" b="0" i="0" u="none" strike="noStrike" cap="none" normalizeH="0" baseline="0" dirty="0">
+                <a:ln>
+                  <a:noFill/>
+                </a:ln>
+                <a:solidFill>
+                  <a:srgbClr val="6A8759"/>
+                </a:solidFill>
+                <a:effectLst/>
+                <a:latin typeface="JetBrains Mono"/>
+              </a:rPr>
+              <a:t>"</a:t>
+            </a:r>
+            <a:r>
+              <a:rPr kumimoji="0" lang="ru-RU" altLang="ru-RU" sz="1200" b="0" i="0" u="none" strike="noStrike" cap="none" normalizeH="0" baseline="0" dirty="0">
+                <a:ln>
+                  <a:noFill/>
+                </a:ln>
+                <a:solidFill>
+                  <a:srgbClr val="E8BF6A"/>
+                </a:solidFill>
+                <a:effectLst/>
+                <a:latin typeface="JetBrains Mono"/>
+              </a:rPr>
+              <a:t>&gt;</a:t>
+            </a:r>
+            <a:br>
+              <a:rPr kumimoji="0" lang="ru-RU" altLang="ru-RU" sz="1200" b="0" i="0" u="none" strike="noStrike" cap="none" normalizeH="0" baseline="0" dirty="0">
+                <a:ln>
+                  <a:noFill/>
+                </a:ln>
+                <a:solidFill>
+                  <a:srgbClr val="E8BF6A"/>
+                </a:solidFill>
+                <a:effectLst/>
+                <a:latin typeface="JetBrains Mono"/>
+              </a:rPr>
+            </a:br>
+            <a:r>
+              <a:rPr kumimoji="0" lang="ru-RU" altLang="ru-RU" sz="1200" b="0" i="0" u="none" strike="noStrike" cap="none" normalizeH="0" baseline="0" dirty="0">
+                <a:ln>
+                  <a:noFill/>
+                </a:ln>
+                <a:solidFill>
+                  <a:srgbClr val="E8BF6A"/>
+                </a:solidFill>
+                <a:effectLst/>
+                <a:latin typeface="JetBrains Mono"/>
+              </a:rPr>
+              <a:t>            &lt;/</a:t>
+            </a:r>
+            <a:r>
+              <a:rPr kumimoji="0" lang="ru-RU" altLang="ru-RU" sz="1200" b="0" i="0" u="none" strike="noStrike" cap="none" normalizeH="0" baseline="0" dirty="0" err="1">
+                <a:ln>
+                  <a:noFill/>
+                </a:ln>
+                <a:solidFill>
+                  <a:srgbClr val="E8BF6A"/>
+                </a:solidFill>
+                <a:effectLst/>
+                <a:latin typeface="JetBrains Mono"/>
+              </a:rPr>
+              <a:t>column</a:t>
+            </a:r>
+            <a:r>
+              <a:rPr kumimoji="0" lang="ru-RU" altLang="ru-RU" sz="1200" b="0" i="0" u="none" strike="noStrike" cap="none" normalizeH="0" baseline="0" dirty="0">
+                <a:ln>
+                  <a:noFill/>
+                </a:ln>
+                <a:solidFill>
+                  <a:srgbClr val="E8BF6A"/>
+                </a:solidFill>
+                <a:effectLst/>
+                <a:latin typeface="JetBrains Mono"/>
+              </a:rPr>
+              <a:t>&gt;</a:t>
+            </a:r>
+            <a:br>
+              <a:rPr kumimoji="0" lang="ru-RU" altLang="ru-RU" sz="1200" b="0" i="0" u="none" strike="noStrike" cap="none" normalizeH="0" baseline="0" dirty="0">
+                <a:ln>
+                  <a:noFill/>
+                </a:ln>
+                <a:solidFill>
+                  <a:srgbClr val="E8BF6A"/>
+                </a:solidFill>
+                <a:effectLst/>
+                <a:latin typeface="JetBrains Mono"/>
+              </a:rPr>
+            </a:br>
+            <a:r>
+              <a:rPr kumimoji="0" lang="ru-RU" altLang="ru-RU" sz="1200" b="0" i="0" u="none" strike="noStrike" cap="none" normalizeH="0" baseline="0" dirty="0">
+                <a:ln>
+                  <a:noFill/>
+                </a:ln>
+                <a:solidFill>
+                  <a:srgbClr val="E8BF6A"/>
+                </a:solidFill>
+                <a:effectLst/>
+                <a:latin typeface="JetBrains Mono"/>
+              </a:rPr>
+              <a:t>            &lt;</a:t>
+            </a:r>
+            <a:r>
+              <a:rPr kumimoji="0" lang="ru-RU" altLang="ru-RU" sz="1200" b="0" i="0" u="none" strike="noStrike" cap="none" normalizeH="0" baseline="0" dirty="0" err="1">
+                <a:ln>
+                  <a:noFill/>
+                </a:ln>
+                <a:solidFill>
+                  <a:srgbClr val="E8BF6A"/>
+                </a:solidFill>
+                <a:effectLst/>
+                <a:latin typeface="JetBrains Mono"/>
+              </a:rPr>
+              <a:t>column</a:t>
+            </a:r>
+            <a:r>
+              <a:rPr kumimoji="0" lang="ru-RU" altLang="ru-RU" sz="1200" b="0" i="0" u="none" strike="noStrike" cap="none" normalizeH="0" baseline="0" dirty="0">
+                <a:ln>
+                  <a:noFill/>
+                </a:ln>
+                <a:solidFill>
+                  <a:srgbClr val="E8BF6A"/>
+                </a:solidFill>
+                <a:effectLst/>
+                <a:latin typeface="JetBrains Mono"/>
+              </a:rPr>
+              <a:t> </a:t>
+            </a:r>
+            <a:r>
+              <a:rPr kumimoji="0" lang="ru-RU" altLang="ru-RU" sz="1200" b="0" i="0" u="none" strike="noStrike" cap="none" normalizeH="0" baseline="0" dirty="0" err="1">
+                <a:ln>
+                  <a:noFill/>
+                </a:ln>
+                <a:solidFill>
+                  <a:srgbClr val="BABABA"/>
+                </a:solidFill>
+                <a:effectLst/>
+                <a:latin typeface="JetBrains Mono"/>
+              </a:rPr>
+              <a:t>name</a:t>
+            </a:r>
+            <a:r>
+              <a:rPr kumimoji="0" lang="ru-RU" altLang="ru-RU" sz="1200" b="0" i="0" u="none" strike="noStrike" cap="none" normalizeH="0" baseline="0" dirty="0">
+                <a:ln>
+                  <a:noFill/>
+                </a:ln>
+                <a:solidFill>
+                  <a:srgbClr val="6A8759"/>
+                </a:solidFill>
+                <a:effectLst/>
+                <a:latin typeface="JetBrains Mono"/>
+              </a:rPr>
+              <a:t>="</a:t>
+            </a:r>
+            <a:r>
+              <a:rPr kumimoji="0" lang="ru-RU" altLang="ru-RU" sz="1200" b="0" i="0" u="none" strike="noStrike" cap="none" normalizeH="0" baseline="0" dirty="0" err="1">
+                <a:ln>
+                  <a:noFill/>
+                </a:ln>
+                <a:solidFill>
+                  <a:srgbClr val="6A8759"/>
+                </a:solidFill>
+                <a:effectLst/>
+                <a:latin typeface="JetBrains Mono"/>
+              </a:rPr>
+              <a:t>encodedpassword</a:t>
+            </a:r>
+            <a:r>
+              <a:rPr kumimoji="0" lang="ru-RU" altLang="ru-RU" sz="1200" b="0" i="0" u="none" strike="noStrike" cap="none" normalizeH="0" baseline="0" dirty="0">
+                <a:ln>
+                  <a:noFill/>
+                </a:ln>
+                <a:solidFill>
+                  <a:srgbClr val="6A8759"/>
+                </a:solidFill>
+                <a:effectLst/>
+                <a:latin typeface="JetBrains Mono"/>
+              </a:rPr>
+              <a:t>" </a:t>
+            </a:r>
+            <a:r>
+              <a:rPr kumimoji="0" lang="ru-RU" altLang="ru-RU" sz="1200" b="0" i="0" u="none" strike="noStrike" cap="none" normalizeH="0" baseline="0" dirty="0" err="1">
+                <a:ln>
+                  <a:noFill/>
+                </a:ln>
+                <a:solidFill>
+                  <a:srgbClr val="BABABA"/>
+                </a:solidFill>
+                <a:effectLst/>
+                <a:latin typeface="JetBrains Mono"/>
+              </a:rPr>
+              <a:t>type</a:t>
+            </a:r>
+            <a:r>
+              <a:rPr kumimoji="0" lang="ru-RU" altLang="ru-RU" sz="1200" b="0" i="0" u="none" strike="noStrike" cap="none" normalizeH="0" baseline="0" dirty="0">
+                <a:ln>
+                  <a:noFill/>
+                </a:ln>
+                <a:solidFill>
+                  <a:srgbClr val="6A8759"/>
+                </a:solidFill>
+                <a:effectLst/>
+                <a:latin typeface="JetBrains Mono"/>
+              </a:rPr>
+              <a:t>="</a:t>
+            </a:r>
+            <a:r>
+              <a:rPr kumimoji="0" lang="ru-RU" altLang="ru-RU" sz="1200" b="0" i="0" u="none" strike="noStrike" cap="none" normalizeH="0" baseline="0" dirty="0" err="1">
+                <a:ln>
+                  <a:noFill/>
+                </a:ln>
+                <a:solidFill>
+                  <a:srgbClr val="6A8759"/>
+                </a:solidFill>
+                <a:effectLst/>
+                <a:latin typeface="JetBrains Mono"/>
+              </a:rPr>
+              <a:t>text</a:t>
+            </a:r>
+            <a:r>
+              <a:rPr kumimoji="0" lang="ru-RU" altLang="ru-RU" sz="1200" b="0" i="0" u="none" strike="noStrike" cap="none" normalizeH="0" baseline="0" dirty="0">
+                <a:ln>
+                  <a:noFill/>
+                </a:ln>
+                <a:solidFill>
+                  <a:srgbClr val="6A8759"/>
+                </a:solidFill>
+                <a:effectLst/>
+                <a:latin typeface="JetBrains Mono"/>
+              </a:rPr>
+              <a:t>"</a:t>
+            </a:r>
+            <a:r>
+              <a:rPr kumimoji="0" lang="ru-RU" altLang="ru-RU" sz="1200" b="0" i="0" u="none" strike="noStrike" cap="none" normalizeH="0" baseline="0" dirty="0">
+                <a:ln>
+                  <a:noFill/>
+                </a:ln>
+                <a:solidFill>
+                  <a:srgbClr val="E8BF6A"/>
+                </a:solidFill>
+                <a:effectLst/>
+                <a:latin typeface="JetBrains Mono"/>
+              </a:rPr>
+              <a:t>&gt;</a:t>
+            </a:r>
+            <a:br>
+              <a:rPr kumimoji="0" lang="ru-RU" altLang="ru-RU" sz="1200" b="0" i="0" u="none" strike="noStrike" cap="none" normalizeH="0" baseline="0" dirty="0">
+                <a:ln>
+                  <a:noFill/>
+                </a:ln>
+                <a:solidFill>
+                  <a:srgbClr val="E8BF6A"/>
+                </a:solidFill>
+                <a:effectLst/>
+                <a:latin typeface="JetBrains Mono"/>
+              </a:rPr>
+            </a:br>
+            <a:r>
+              <a:rPr kumimoji="0" lang="ru-RU" altLang="ru-RU" sz="1200" b="0" i="0" u="none" strike="noStrike" cap="none" normalizeH="0" baseline="0" dirty="0">
+                <a:ln>
+                  <a:noFill/>
+                </a:ln>
+                <a:solidFill>
+                  <a:srgbClr val="E8BF6A"/>
+                </a:solidFill>
+                <a:effectLst/>
+                <a:latin typeface="JetBrains Mono"/>
+              </a:rPr>
+              <a:t>                &lt;</a:t>
+            </a:r>
+            <a:r>
+              <a:rPr kumimoji="0" lang="ru-RU" altLang="ru-RU" sz="1200" b="0" i="0" u="none" strike="noStrike" cap="none" normalizeH="0" baseline="0" dirty="0" err="1">
+                <a:ln>
+                  <a:noFill/>
+                </a:ln>
+                <a:solidFill>
+                  <a:srgbClr val="E8BF6A"/>
+                </a:solidFill>
+                <a:effectLst/>
+                <a:latin typeface="JetBrains Mono"/>
+              </a:rPr>
+              <a:t>constraints</a:t>
+            </a:r>
+            <a:r>
+              <a:rPr kumimoji="0" lang="ru-RU" altLang="ru-RU" sz="1200" b="0" i="0" u="none" strike="noStrike" cap="none" normalizeH="0" baseline="0" dirty="0">
+                <a:ln>
+                  <a:noFill/>
+                </a:ln>
+                <a:solidFill>
+                  <a:srgbClr val="E8BF6A"/>
+                </a:solidFill>
+                <a:effectLst/>
+                <a:latin typeface="JetBrains Mono"/>
+              </a:rPr>
+              <a:t> </a:t>
+            </a:r>
+            <a:r>
+              <a:rPr kumimoji="0" lang="ru-RU" altLang="ru-RU" sz="1200" b="0" i="0" u="none" strike="noStrike" cap="none" normalizeH="0" baseline="0" dirty="0" err="1">
+                <a:ln>
+                  <a:noFill/>
+                </a:ln>
+                <a:solidFill>
+                  <a:srgbClr val="BABABA"/>
+                </a:solidFill>
+                <a:effectLst/>
+                <a:latin typeface="JetBrains Mono"/>
+              </a:rPr>
+              <a:t>nullable</a:t>
+            </a:r>
+            <a:r>
+              <a:rPr kumimoji="0" lang="ru-RU" altLang="ru-RU" sz="1200" b="0" i="0" u="none" strike="noStrike" cap="none" normalizeH="0" baseline="0" dirty="0">
+                <a:ln>
+                  <a:noFill/>
+                </a:ln>
+                <a:solidFill>
+                  <a:srgbClr val="6A8759"/>
+                </a:solidFill>
+                <a:effectLst/>
+                <a:latin typeface="JetBrains Mono"/>
+              </a:rPr>
+              <a:t>="</a:t>
+            </a:r>
+            <a:r>
+              <a:rPr kumimoji="0" lang="ru-RU" altLang="ru-RU" sz="1200" b="0" i="0" u="none" strike="noStrike" cap="none" normalizeH="0" baseline="0" dirty="0" err="1">
+                <a:ln>
+                  <a:noFill/>
+                </a:ln>
+                <a:solidFill>
+                  <a:srgbClr val="6A8759"/>
+                </a:solidFill>
+                <a:effectLst/>
+                <a:latin typeface="JetBrains Mono"/>
+              </a:rPr>
+              <a:t>false</a:t>
+            </a:r>
+            <a:r>
+              <a:rPr kumimoji="0" lang="ru-RU" altLang="ru-RU" sz="1200" b="0" i="0" u="none" strike="noStrike" cap="none" normalizeH="0" baseline="0" dirty="0">
+                <a:ln>
+                  <a:noFill/>
+                </a:ln>
+                <a:solidFill>
+                  <a:srgbClr val="6A8759"/>
+                </a:solidFill>
+                <a:effectLst/>
+                <a:latin typeface="JetBrains Mono"/>
+              </a:rPr>
+              <a:t>"</a:t>
+            </a:r>
+            <a:r>
+              <a:rPr kumimoji="0" lang="ru-RU" altLang="ru-RU" sz="1200" b="0" i="0" u="none" strike="noStrike" cap="none" normalizeH="0" baseline="0" dirty="0">
+                <a:ln>
+                  <a:noFill/>
+                </a:ln>
+                <a:solidFill>
+                  <a:srgbClr val="E8BF6A"/>
+                </a:solidFill>
+                <a:effectLst/>
+                <a:latin typeface="JetBrains Mono"/>
+              </a:rPr>
+              <a:t>/&gt;</a:t>
+            </a:r>
+            <a:br>
+              <a:rPr kumimoji="0" lang="ru-RU" altLang="ru-RU" sz="1200" b="0" i="0" u="none" strike="noStrike" cap="none" normalizeH="0" baseline="0" dirty="0">
+                <a:ln>
+                  <a:noFill/>
+                </a:ln>
+                <a:solidFill>
+                  <a:srgbClr val="E8BF6A"/>
+                </a:solidFill>
+                <a:effectLst/>
+                <a:latin typeface="JetBrains Mono"/>
+              </a:rPr>
+            </a:br>
+            <a:r>
+              <a:rPr kumimoji="0" lang="ru-RU" altLang="ru-RU" sz="1200" b="0" i="0" u="none" strike="noStrike" cap="none" normalizeH="0" baseline="0" dirty="0">
+                <a:ln>
+                  <a:noFill/>
+                </a:ln>
+                <a:solidFill>
+                  <a:srgbClr val="E8BF6A"/>
+                </a:solidFill>
+                <a:effectLst/>
+                <a:latin typeface="JetBrains Mono"/>
+              </a:rPr>
+              <a:t>            &lt;/</a:t>
+            </a:r>
+            <a:r>
+              <a:rPr kumimoji="0" lang="ru-RU" altLang="ru-RU" sz="1200" b="0" i="0" u="none" strike="noStrike" cap="none" normalizeH="0" baseline="0" dirty="0" err="1">
+                <a:ln>
+                  <a:noFill/>
+                </a:ln>
+                <a:solidFill>
+                  <a:srgbClr val="E8BF6A"/>
+                </a:solidFill>
+                <a:effectLst/>
+                <a:latin typeface="JetBrains Mono"/>
+              </a:rPr>
+              <a:t>column</a:t>
+            </a:r>
+            <a:r>
+              <a:rPr kumimoji="0" lang="ru-RU" altLang="ru-RU" sz="1200" b="0" i="0" u="none" strike="noStrike" cap="none" normalizeH="0" baseline="0" dirty="0">
+                <a:ln>
+                  <a:noFill/>
+                </a:ln>
+                <a:solidFill>
+                  <a:srgbClr val="E8BF6A"/>
+                </a:solidFill>
+                <a:effectLst/>
+                <a:latin typeface="JetBrains Mono"/>
+              </a:rPr>
+              <a:t>&gt;</a:t>
+            </a:r>
+            <a:br>
+              <a:rPr kumimoji="0" lang="ru-RU" altLang="ru-RU" sz="1200" b="0" i="0" u="none" strike="noStrike" cap="none" normalizeH="0" baseline="0" dirty="0">
+                <a:ln>
+                  <a:noFill/>
+                </a:ln>
+                <a:solidFill>
+                  <a:srgbClr val="E8BF6A"/>
+                </a:solidFill>
+                <a:effectLst/>
+                <a:latin typeface="JetBrains Mono"/>
+              </a:rPr>
+            </a:br>
+            <a:r>
+              <a:rPr kumimoji="0" lang="ru-RU" altLang="ru-RU" sz="1200" b="0" i="0" u="none" strike="noStrike" cap="none" normalizeH="0" baseline="0" dirty="0">
+                <a:ln>
+                  <a:noFill/>
+                </a:ln>
+                <a:solidFill>
+                  <a:srgbClr val="E8BF6A"/>
+                </a:solidFill>
+                <a:effectLst/>
+                <a:latin typeface="JetBrains Mono"/>
+              </a:rPr>
+              <a:t>        &lt;/</a:t>
+            </a:r>
+            <a:r>
+              <a:rPr kumimoji="0" lang="ru-RU" altLang="ru-RU" sz="1200" b="0" i="0" u="none" strike="noStrike" cap="none" normalizeH="0" baseline="0" dirty="0" err="1">
+                <a:ln>
+                  <a:noFill/>
+                </a:ln>
+                <a:solidFill>
+                  <a:srgbClr val="E8BF6A"/>
+                </a:solidFill>
+                <a:effectLst/>
+                <a:latin typeface="JetBrains Mono"/>
+              </a:rPr>
+              <a:t>createTable</a:t>
+            </a:r>
+            <a:r>
+              <a:rPr kumimoji="0" lang="ru-RU" altLang="ru-RU" sz="1200" b="0" i="0" u="none" strike="noStrike" cap="none" normalizeH="0" baseline="0" dirty="0">
+                <a:ln>
+                  <a:noFill/>
+                </a:ln>
+                <a:solidFill>
+                  <a:srgbClr val="E8BF6A"/>
+                </a:solidFill>
+                <a:effectLst/>
+                <a:latin typeface="JetBrains Mono"/>
+              </a:rPr>
+              <a:t>&gt;</a:t>
+            </a:r>
+            <a:br>
+              <a:rPr kumimoji="0" lang="ru-RU" altLang="ru-RU" sz="1200" b="0" i="0" u="none" strike="noStrike" cap="none" normalizeH="0" baseline="0" dirty="0">
+                <a:ln>
+                  <a:noFill/>
+                </a:ln>
+                <a:solidFill>
+                  <a:srgbClr val="E8BF6A"/>
+                </a:solidFill>
+                <a:effectLst/>
+                <a:latin typeface="JetBrains Mono"/>
+              </a:rPr>
+            </a:br>
+            <a:r>
+              <a:rPr kumimoji="0" lang="ru-RU" altLang="ru-RU" sz="1200" b="0" i="0" u="none" strike="noStrike" cap="none" normalizeH="0" baseline="0" dirty="0">
+                <a:ln>
+                  <a:noFill/>
+                </a:ln>
+                <a:solidFill>
+                  <a:srgbClr val="E8BF6A"/>
+                </a:solidFill>
+                <a:effectLst/>
+                <a:latin typeface="JetBrains Mono"/>
+              </a:rPr>
+              <a:t>    &lt;/</a:t>
+            </a:r>
+            <a:r>
+              <a:rPr kumimoji="0" lang="ru-RU" altLang="ru-RU" sz="1200" b="0" i="0" u="none" strike="noStrike" cap="none" normalizeH="0" baseline="0" dirty="0" err="1">
+                <a:ln>
+                  <a:noFill/>
+                </a:ln>
+                <a:solidFill>
+                  <a:srgbClr val="E8BF6A"/>
+                </a:solidFill>
+                <a:effectLst/>
+                <a:latin typeface="JetBrains Mono"/>
+              </a:rPr>
+              <a:t>changeSet</a:t>
+            </a:r>
+            <a:r>
+              <a:rPr kumimoji="0" lang="ru-RU" altLang="ru-RU" sz="1200" b="0" i="0" u="none" strike="noStrike" cap="none" normalizeH="0" baseline="0" dirty="0">
+                <a:ln>
+                  <a:noFill/>
+                </a:ln>
+                <a:solidFill>
+                  <a:srgbClr val="E8BF6A"/>
+                </a:solidFill>
+                <a:effectLst/>
+                <a:latin typeface="JetBrains Mono"/>
+              </a:rPr>
+              <a:t>&gt;</a:t>
+            </a:r>
+            <a:br>
+              <a:rPr kumimoji="0" lang="ru-RU" altLang="ru-RU" sz="1200" b="0" i="0" u="none" strike="noStrike" cap="none" normalizeH="0" baseline="0" dirty="0">
+                <a:ln>
+                  <a:noFill/>
+                </a:ln>
+                <a:solidFill>
+                  <a:srgbClr val="E8BF6A"/>
+                </a:solidFill>
+                <a:effectLst/>
+                <a:latin typeface="JetBrains Mono"/>
+              </a:rPr>
+            </a:br>
+            <a:br>
+              <a:rPr kumimoji="0" lang="ru-RU" altLang="ru-RU" sz="1200" b="0" i="0" u="none" strike="noStrike" cap="none" normalizeH="0" baseline="0" dirty="0">
+                <a:ln>
+                  <a:noFill/>
+                </a:ln>
+                <a:solidFill>
+                  <a:srgbClr val="E8BF6A"/>
+                </a:solidFill>
+                <a:effectLst/>
+                <a:latin typeface="JetBrains Mono"/>
+              </a:rPr>
+            </a:br>
+            <a:r>
+              <a:rPr kumimoji="0" lang="ru-RU" altLang="ru-RU" sz="1200" b="0" i="0" u="none" strike="noStrike" cap="none" normalizeH="0" baseline="0" dirty="0">
+                <a:ln>
+                  <a:noFill/>
+                </a:ln>
+                <a:solidFill>
+                  <a:srgbClr val="E8BF6A"/>
+                </a:solidFill>
+                <a:effectLst/>
+                <a:latin typeface="JetBrains Mono"/>
+              </a:rPr>
+              <a:t>&lt;/</a:t>
+            </a:r>
+            <a:r>
+              <a:rPr kumimoji="0" lang="ru-RU" altLang="ru-RU" sz="1200" b="0" i="0" u="none" strike="noStrike" cap="none" normalizeH="0" baseline="0" dirty="0" err="1">
+                <a:ln>
+                  <a:noFill/>
+                </a:ln>
+                <a:solidFill>
+                  <a:srgbClr val="E8BF6A"/>
+                </a:solidFill>
+                <a:effectLst/>
+                <a:latin typeface="JetBrains Mono"/>
+              </a:rPr>
+              <a:t>databaseChangeLog</a:t>
+            </a:r>
+            <a:r>
+              <a:rPr kumimoji="0" lang="ru-RU" altLang="ru-RU" sz="1200" b="0" i="0" u="none" strike="noStrike" cap="none" normalizeH="0" baseline="0" dirty="0">
+                <a:ln>
+                  <a:noFill/>
+                </a:ln>
+                <a:solidFill>
+                  <a:srgbClr val="E8BF6A"/>
+                </a:solidFill>
+                <a:effectLst/>
+                <a:latin typeface="JetBrains Mono"/>
+              </a:rPr>
+              <a:t>&gt;</a:t>
+            </a:r>
+            <a:endParaRPr kumimoji="0" lang="ru-RU" altLang="ru-RU" sz="3200" b="0" i="0" u="none" strike="noStrike" cap="none" normalizeH="0" baseline="0" dirty="0">
+              <a:ln>
+                <a:noFill/>
+              </a:ln>
+              <a:solidFill>
+                <a:schemeClr val="tx1"/>
+              </a:solidFill>
+              <a:effectLst/>
+              <a:latin typeface="Arial" panose="020B0604020202020204" pitchFamily="34" charset="0"/>
+            </a:endParaRPr>
+          </a:p>
+          <a:p>
+            <a:endParaRPr lang="ru-RU" sz="1200" dirty="0"/>
+          </a:p>
+        </p:txBody>
+      </p:sp>
     </p:spTree>
     <p:extLst>
       <p:ext uri="{BB962C8B-B14F-4D97-AF65-F5344CB8AC3E}">
@@ -5110,6 +8544,1520 @@
 </file>
 
 <file path=ppt/slides/slide7.xml><?xml version="1.0" encoding="utf-8"?>
+<p:sld xmlns:a="http://schemas.openxmlformats.org/drawingml/2006/main" xmlns:r="http://schemas.openxmlformats.org/officeDocument/2006/relationships" xmlns:p="http://schemas.openxmlformats.org/presentationml/2006/main">
+  <p:cSld>
+    <p:spTree>
+      <p:nvGrpSpPr>
+        <p:cNvPr id="1" name=""/>
+        <p:cNvGrpSpPr/>
+        <p:nvPr/>
+      </p:nvGrpSpPr>
+      <p:grpSpPr>
+        <a:xfrm>
+          <a:off x="0" y="0"/>
+          <a:ext cx="0" cy="0"/>
+          <a:chOff x="0" y="0"/>
+          <a:chExt cx="0" cy="0"/>
+        </a:xfrm>
+      </p:grpSpPr>
+      <p:sp>
+        <p:nvSpPr>
+          <p:cNvPr id="2" name="Title 1">
+            <a:extLst>
+              <a:ext uri="{FF2B5EF4-FFF2-40B4-BE49-F238E27FC236}">
+                <a16:creationId xmlns:a16="http://schemas.microsoft.com/office/drawing/2014/main" id="{99550C5A-2857-476F-8CEB-01624EA0091B}"/>
+              </a:ext>
+            </a:extLst>
+          </p:cNvPr>
+          <p:cNvSpPr>
+            <a:spLocks noGrp="1"/>
+          </p:cNvSpPr>
+          <p:nvPr>
+            <p:ph type="title"/>
+          </p:nvPr>
+        </p:nvSpPr>
+        <p:spPr>
+          <a:xfrm>
+            <a:off x="-396552" y="4077072"/>
+            <a:ext cx="8229600" cy="504056"/>
+          </a:xfrm>
+        </p:spPr>
+        <p:txBody>
+          <a:bodyPr>
+            <a:normAutofit fontScale="90000"/>
+          </a:bodyPr>
+          <a:lstStyle/>
+          <a:p>
+            <a:r>
+              <a:rPr lang="ru-RU" dirty="0"/>
+              <a:t>Потом стираем и оставляем так</a:t>
+            </a:r>
+          </a:p>
+        </p:txBody>
+      </p:sp>
+      <p:sp>
+        <p:nvSpPr>
+          <p:cNvPr id="3" name="Content Placeholder 2">
+            <a:extLst>
+              <a:ext uri="{FF2B5EF4-FFF2-40B4-BE49-F238E27FC236}">
+                <a16:creationId xmlns:a16="http://schemas.microsoft.com/office/drawing/2014/main" id="{15AC5208-6231-4499-B60D-BE836D55CEFE}"/>
+              </a:ext>
+            </a:extLst>
+          </p:cNvPr>
+          <p:cNvSpPr>
+            <a:spLocks noGrp="1"/>
+          </p:cNvSpPr>
+          <p:nvPr>
+            <p:ph idx="1"/>
+          </p:nvPr>
+        </p:nvSpPr>
+        <p:spPr>
+          <a:xfrm>
+            <a:off x="0" y="12529"/>
+            <a:ext cx="8579296" cy="6352924"/>
+          </a:xfrm>
+        </p:spPr>
+        <p:txBody>
+          <a:bodyPr>
+            <a:normAutofit fontScale="77500" lnSpcReduction="20000"/>
+          </a:bodyPr>
+          <a:lstStyle/>
+          <a:p>
+            <a:r>
+              <a:rPr lang="ru-RU" dirty="0"/>
+              <a:t>Стираем свою таблицу </a:t>
+            </a:r>
+            <a:r>
+              <a:rPr lang="en-US" dirty="0"/>
+              <a:t>users</a:t>
+            </a:r>
+            <a:r>
+              <a:rPr lang="ru-RU" dirty="0"/>
+              <a:t> в базе данных</a:t>
+            </a:r>
+          </a:p>
+          <a:p>
+            <a:r>
+              <a:rPr lang="ru-RU" dirty="0"/>
+              <a:t>И пишем новую так:</a:t>
+            </a:r>
+            <a:r>
+              <a:rPr lang="en-US" dirty="0"/>
+              <a:t> </a:t>
+            </a:r>
+            <a:r>
+              <a:rPr lang="ru-RU" dirty="0"/>
+              <a:t>в файле:changelog-1.0.xml</a:t>
+            </a:r>
+          </a:p>
+          <a:p>
+            <a:r>
+              <a:rPr kumimoji="0" lang="ru-RU" altLang="ru-RU" sz="2800" b="0" i="0" u="none" strike="noStrike" cap="none" normalizeH="0" baseline="0" dirty="0">
+                <a:ln>
+                  <a:noFill/>
+                </a:ln>
+                <a:solidFill>
+                  <a:srgbClr val="E8BF6A"/>
+                </a:solidFill>
+                <a:effectLst/>
+                <a:latin typeface="JetBrains Mono"/>
+              </a:rPr>
+              <a:t>&lt;</a:t>
+            </a:r>
+            <a:r>
+              <a:rPr kumimoji="0" lang="ru-RU" altLang="ru-RU" sz="2800" b="0" i="0" u="none" strike="noStrike" cap="none" normalizeH="0" baseline="0" dirty="0" err="1">
+                <a:ln>
+                  <a:noFill/>
+                </a:ln>
+                <a:solidFill>
+                  <a:srgbClr val="E8BF6A"/>
+                </a:solidFill>
+                <a:effectLst/>
+                <a:latin typeface="JetBrains Mono"/>
+              </a:rPr>
+              <a:t>changeSet</a:t>
+            </a:r>
+            <a:r>
+              <a:rPr kumimoji="0" lang="ru-RU" altLang="ru-RU" sz="2800" b="0" i="0" u="none" strike="noStrike" cap="none" normalizeH="0" baseline="0" dirty="0">
+                <a:ln>
+                  <a:noFill/>
+                </a:ln>
+                <a:solidFill>
+                  <a:srgbClr val="E8BF6A"/>
+                </a:solidFill>
+                <a:effectLst/>
+                <a:latin typeface="JetBrains Mono"/>
+              </a:rPr>
+              <a:t>  </a:t>
+            </a:r>
+            <a:r>
+              <a:rPr kumimoji="0" lang="ru-RU" altLang="ru-RU" sz="2800" b="0" i="0" u="none" strike="noStrike" cap="none" normalizeH="0" baseline="0" dirty="0" err="1">
+                <a:ln>
+                  <a:noFill/>
+                </a:ln>
+                <a:solidFill>
+                  <a:srgbClr val="BABABA"/>
+                </a:solidFill>
+                <a:effectLst/>
+                <a:latin typeface="JetBrains Mono"/>
+              </a:rPr>
+              <a:t>author</a:t>
+            </a:r>
+            <a:r>
+              <a:rPr kumimoji="0" lang="ru-RU" altLang="ru-RU" sz="2800" b="0" i="0" u="none" strike="noStrike" cap="none" normalizeH="0" baseline="0" dirty="0">
+                <a:ln>
+                  <a:noFill/>
+                </a:ln>
+                <a:solidFill>
+                  <a:srgbClr val="6A8759"/>
+                </a:solidFill>
+                <a:effectLst/>
+                <a:latin typeface="JetBrains Mono"/>
+              </a:rPr>
+              <a:t>="</a:t>
+            </a:r>
+            <a:r>
+              <a:rPr kumimoji="0" lang="ru-RU" altLang="ru-RU" sz="2800" b="0" i="0" u="none" strike="noStrike" cap="none" normalizeH="0" baseline="0" dirty="0" err="1">
+                <a:ln>
+                  <a:noFill/>
+                </a:ln>
+                <a:solidFill>
+                  <a:srgbClr val="6A8759"/>
+                </a:solidFill>
+                <a:effectLst/>
+                <a:latin typeface="JetBrains Mono"/>
+              </a:rPr>
+              <a:t>Dmitri</a:t>
+            </a:r>
+            <a:r>
+              <a:rPr kumimoji="0" lang="ru-RU" altLang="ru-RU" sz="2800" b="0" i="0" u="none" strike="noStrike" cap="none" normalizeH="0" baseline="0" dirty="0">
+                <a:ln>
+                  <a:noFill/>
+                </a:ln>
+                <a:solidFill>
+                  <a:srgbClr val="6A8759"/>
+                </a:solidFill>
+                <a:effectLst/>
+                <a:latin typeface="JetBrains Mono"/>
+              </a:rPr>
+              <a:t>"  </a:t>
+            </a:r>
+            <a:r>
+              <a:rPr kumimoji="0" lang="ru-RU" altLang="ru-RU" sz="2800" b="0" i="0" u="none" strike="noStrike" cap="none" normalizeH="0" baseline="0" dirty="0" err="1">
+                <a:ln>
+                  <a:noFill/>
+                </a:ln>
+                <a:solidFill>
+                  <a:srgbClr val="BABABA"/>
+                </a:solidFill>
+                <a:effectLst/>
+                <a:latin typeface="JetBrains Mono"/>
+              </a:rPr>
+              <a:t>id</a:t>
+            </a:r>
+            <a:r>
+              <a:rPr kumimoji="0" lang="ru-RU" altLang="ru-RU" sz="2800" b="0" i="0" u="none" strike="noStrike" cap="none" normalizeH="0" baseline="0" dirty="0">
+                <a:ln>
+                  <a:noFill/>
+                </a:ln>
+                <a:solidFill>
+                  <a:srgbClr val="6A8759"/>
+                </a:solidFill>
+                <a:effectLst/>
+                <a:latin typeface="JetBrains Mono"/>
+              </a:rPr>
+              <a:t>="2020-12-21 </a:t>
+            </a:r>
+            <a:r>
+              <a:rPr kumimoji="0" lang="ru-RU" altLang="ru-RU" sz="2800" b="0" i="0" u="none" strike="noStrike" cap="none" normalizeH="0" baseline="0" dirty="0" err="1">
+                <a:ln>
+                  <a:noFill/>
+                </a:ln>
+                <a:solidFill>
+                  <a:srgbClr val="6A8759"/>
+                </a:solidFill>
+                <a:effectLst/>
+                <a:latin typeface="JetBrains Mono"/>
+              </a:rPr>
+              <a:t>Create</a:t>
+            </a:r>
+            <a:r>
+              <a:rPr kumimoji="0" lang="ru-RU" altLang="ru-RU" sz="2800" b="0" i="0" u="none" strike="noStrike" cap="none" normalizeH="0" baseline="0" dirty="0">
+                <a:ln>
+                  <a:noFill/>
+                </a:ln>
+                <a:solidFill>
+                  <a:srgbClr val="6A8759"/>
+                </a:solidFill>
+                <a:effectLst/>
+                <a:latin typeface="JetBrains Mono"/>
+              </a:rPr>
+              <a:t> </a:t>
+            </a:r>
+            <a:r>
+              <a:rPr kumimoji="0" lang="ru-RU" altLang="ru-RU" sz="2800" b="0" i="0" u="none" strike="noStrike" cap="none" normalizeH="0" baseline="0" dirty="0" err="1">
+                <a:ln>
+                  <a:noFill/>
+                </a:ln>
+                <a:solidFill>
+                  <a:srgbClr val="6A8759"/>
+                </a:solidFill>
+                <a:effectLst/>
+                <a:latin typeface="JetBrains Mono"/>
+              </a:rPr>
+              <a:t>users</a:t>
+            </a:r>
+            <a:r>
+              <a:rPr kumimoji="0" lang="ru-RU" altLang="ru-RU" sz="2800" b="0" i="0" u="none" strike="noStrike" cap="none" normalizeH="0" baseline="0" dirty="0">
+                <a:ln>
+                  <a:noFill/>
+                </a:ln>
+                <a:solidFill>
+                  <a:srgbClr val="6A8759"/>
+                </a:solidFill>
+                <a:effectLst/>
+                <a:latin typeface="JetBrains Mono"/>
+              </a:rPr>
+              <a:t> </a:t>
+            </a:r>
+            <a:r>
+              <a:rPr kumimoji="0" lang="ru-RU" altLang="ru-RU" sz="2800" b="0" i="0" u="none" strike="noStrike" cap="none" normalizeH="0" baseline="0" dirty="0" err="1">
+                <a:ln>
+                  <a:noFill/>
+                </a:ln>
+                <a:solidFill>
+                  <a:srgbClr val="6A8759"/>
+                </a:solidFill>
+                <a:effectLst/>
+                <a:latin typeface="JetBrains Mono"/>
+              </a:rPr>
+              <a:t>table</a:t>
+            </a:r>
+            <a:r>
+              <a:rPr kumimoji="0" lang="ru-RU" altLang="ru-RU" sz="2800" b="0" i="0" u="none" strike="noStrike" cap="none" normalizeH="0" baseline="0" dirty="0">
+                <a:ln>
+                  <a:noFill/>
+                </a:ln>
+                <a:solidFill>
+                  <a:srgbClr val="6A8759"/>
+                </a:solidFill>
+                <a:effectLst/>
+                <a:latin typeface="JetBrains Mono"/>
+              </a:rPr>
+              <a:t>"</a:t>
+            </a:r>
+            <a:r>
+              <a:rPr kumimoji="0" lang="ru-RU" altLang="ru-RU" sz="2800" b="0" i="0" u="none" strike="noStrike" cap="none" normalizeH="0" baseline="0" dirty="0">
+                <a:ln>
+                  <a:noFill/>
+                </a:ln>
+                <a:solidFill>
+                  <a:srgbClr val="E8BF6A"/>
+                </a:solidFill>
+                <a:effectLst/>
+                <a:latin typeface="JetBrains Mono"/>
+              </a:rPr>
+              <a:t>&gt;</a:t>
+            </a:r>
+            <a:br>
+              <a:rPr kumimoji="0" lang="ru-RU" altLang="ru-RU" sz="2800" b="0" i="0" u="none" strike="noStrike" cap="none" normalizeH="0" baseline="0" dirty="0">
+                <a:ln>
+                  <a:noFill/>
+                </a:ln>
+                <a:solidFill>
+                  <a:srgbClr val="E8BF6A"/>
+                </a:solidFill>
+                <a:effectLst/>
+                <a:latin typeface="JetBrains Mono"/>
+              </a:rPr>
+            </a:br>
+            <a:r>
+              <a:rPr kumimoji="0" lang="ru-RU" altLang="ru-RU" sz="2800" b="0" i="0" u="none" strike="noStrike" cap="none" normalizeH="0" baseline="0" dirty="0">
+                <a:ln>
+                  <a:noFill/>
+                </a:ln>
+                <a:solidFill>
+                  <a:srgbClr val="E8BF6A"/>
+                </a:solidFill>
+                <a:effectLst/>
+                <a:latin typeface="JetBrains Mono"/>
+              </a:rPr>
+              <a:t>    &lt;</a:t>
+            </a:r>
+            <a:r>
+              <a:rPr kumimoji="0" lang="ru-RU" altLang="ru-RU" sz="2800" b="0" i="0" u="none" strike="noStrike" cap="none" normalizeH="0" baseline="0" dirty="0" err="1">
+                <a:ln>
+                  <a:noFill/>
+                </a:ln>
+                <a:solidFill>
+                  <a:srgbClr val="E8BF6A"/>
+                </a:solidFill>
+                <a:effectLst/>
+                <a:latin typeface="JetBrains Mono"/>
+              </a:rPr>
+              <a:t>createTable</a:t>
+            </a:r>
+            <a:r>
+              <a:rPr kumimoji="0" lang="ru-RU" altLang="ru-RU" sz="2800" b="0" i="0" u="none" strike="noStrike" cap="none" normalizeH="0" baseline="0" dirty="0">
+                <a:ln>
+                  <a:noFill/>
+                </a:ln>
+                <a:solidFill>
+                  <a:srgbClr val="E8BF6A"/>
+                </a:solidFill>
+                <a:effectLst/>
+                <a:latin typeface="JetBrains Mono"/>
+              </a:rPr>
+              <a:t> </a:t>
+            </a:r>
+            <a:r>
+              <a:rPr kumimoji="0" lang="ru-RU" altLang="ru-RU" sz="2800" b="0" i="0" u="none" strike="noStrike" cap="none" normalizeH="0" baseline="0" dirty="0" err="1">
+                <a:ln>
+                  <a:noFill/>
+                </a:ln>
+                <a:solidFill>
+                  <a:srgbClr val="BABABA"/>
+                </a:solidFill>
+                <a:effectLst/>
+                <a:latin typeface="JetBrains Mono"/>
+              </a:rPr>
+              <a:t>tableName</a:t>
+            </a:r>
+            <a:r>
+              <a:rPr kumimoji="0" lang="ru-RU" altLang="ru-RU" sz="2800" b="0" i="0" u="none" strike="noStrike" cap="none" normalizeH="0" baseline="0" dirty="0">
+                <a:ln>
+                  <a:noFill/>
+                </a:ln>
+                <a:solidFill>
+                  <a:srgbClr val="6A8759"/>
+                </a:solidFill>
+                <a:effectLst/>
+                <a:latin typeface="JetBrains Mono"/>
+              </a:rPr>
+              <a:t>="</a:t>
+            </a:r>
+            <a:r>
+              <a:rPr kumimoji="0" lang="ru-RU" altLang="ru-RU" sz="2800" b="0" i="0" u="none" strike="noStrike" cap="none" normalizeH="0" baseline="0" dirty="0" err="1">
+                <a:ln>
+                  <a:noFill/>
+                </a:ln>
+                <a:solidFill>
+                  <a:srgbClr val="6A8759"/>
+                </a:solidFill>
+                <a:effectLst/>
+                <a:latin typeface="JetBrains Mono"/>
+              </a:rPr>
+              <a:t>users</a:t>
+            </a:r>
+            <a:r>
+              <a:rPr kumimoji="0" lang="ru-RU" altLang="ru-RU" sz="2800" b="0" i="0" u="none" strike="noStrike" cap="none" normalizeH="0" baseline="0" dirty="0">
+                <a:ln>
+                  <a:noFill/>
+                </a:ln>
+                <a:solidFill>
+                  <a:srgbClr val="6A8759"/>
+                </a:solidFill>
+                <a:effectLst/>
+                <a:latin typeface="JetBrains Mono"/>
+              </a:rPr>
+              <a:t>"</a:t>
+            </a:r>
+            <a:r>
+              <a:rPr kumimoji="0" lang="ru-RU" altLang="ru-RU" sz="2800" b="0" i="0" u="none" strike="noStrike" cap="none" normalizeH="0" baseline="0" dirty="0">
+                <a:ln>
+                  <a:noFill/>
+                </a:ln>
+                <a:solidFill>
+                  <a:srgbClr val="E8BF6A"/>
+                </a:solidFill>
+                <a:effectLst/>
+                <a:latin typeface="JetBrains Mono"/>
+              </a:rPr>
+              <a:t>&gt;</a:t>
+            </a:r>
+            <a:br>
+              <a:rPr kumimoji="0" lang="ru-RU" altLang="ru-RU" sz="2800" b="0" i="0" u="none" strike="noStrike" cap="none" normalizeH="0" baseline="0" dirty="0">
+                <a:ln>
+                  <a:noFill/>
+                </a:ln>
+                <a:solidFill>
+                  <a:srgbClr val="E8BF6A"/>
+                </a:solidFill>
+                <a:effectLst/>
+                <a:latin typeface="JetBrains Mono"/>
+              </a:rPr>
+            </a:br>
+            <a:r>
+              <a:rPr kumimoji="0" lang="ru-RU" altLang="ru-RU" sz="2800" b="0" i="0" u="none" strike="noStrike" cap="none" normalizeH="0" baseline="0" dirty="0">
+                <a:ln>
+                  <a:noFill/>
+                </a:ln>
+                <a:solidFill>
+                  <a:srgbClr val="E8BF6A"/>
+                </a:solidFill>
+                <a:effectLst/>
+                <a:latin typeface="JetBrains Mono"/>
+              </a:rPr>
+              <a:t>        &lt;</a:t>
+            </a:r>
+            <a:r>
+              <a:rPr kumimoji="0" lang="ru-RU" altLang="ru-RU" sz="2800" b="0" i="0" u="none" strike="noStrike" cap="none" normalizeH="0" baseline="0" dirty="0" err="1">
+                <a:ln>
+                  <a:noFill/>
+                </a:ln>
+                <a:solidFill>
+                  <a:srgbClr val="E8BF6A"/>
+                </a:solidFill>
+                <a:effectLst/>
+                <a:latin typeface="JetBrains Mono"/>
+              </a:rPr>
+              <a:t>column</a:t>
+            </a:r>
+            <a:r>
+              <a:rPr kumimoji="0" lang="ru-RU" altLang="ru-RU" sz="2800" b="0" i="0" u="none" strike="noStrike" cap="none" normalizeH="0" baseline="0" dirty="0">
+                <a:ln>
+                  <a:noFill/>
+                </a:ln>
+                <a:solidFill>
+                  <a:srgbClr val="E8BF6A"/>
+                </a:solidFill>
+                <a:effectLst/>
+                <a:latin typeface="JetBrains Mono"/>
+              </a:rPr>
+              <a:t> </a:t>
+            </a:r>
+            <a:r>
+              <a:rPr kumimoji="0" lang="ru-RU" altLang="ru-RU" sz="2800" b="0" i="0" u="none" strike="noStrike" cap="none" normalizeH="0" baseline="0" dirty="0" err="1">
+                <a:ln>
+                  <a:noFill/>
+                </a:ln>
+                <a:solidFill>
+                  <a:srgbClr val="BABABA"/>
+                </a:solidFill>
+                <a:effectLst/>
+                <a:latin typeface="JetBrains Mono"/>
+              </a:rPr>
+              <a:t>name</a:t>
+            </a:r>
+            <a:r>
+              <a:rPr kumimoji="0" lang="ru-RU" altLang="ru-RU" sz="2800" b="0" i="0" u="none" strike="noStrike" cap="none" normalizeH="0" baseline="0" dirty="0">
+                <a:ln>
+                  <a:noFill/>
+                </a:ln>
+                <a:solidFill>
+                  <a:srgbClr val="6A8759"/>
+                </a:solidFill>
+                <a:effectLst/>
+                <a:latin typeface="JetBrains Mono"/>
+              </a:rPr>
+              <a:t>="</a:t>
+            </a:r>
+            <a:r>
+              <a:rPr kumimoji="0" lang="ru-RU" altLang="ru-RU" sz="2800" b="0" i="0" u="none" strike="noStrike" cap="none" normalizeH="0" baseline="0" dirty="0" err="1">
+                <a:ln>
+                  <a:noFill/>
+                </a:ln>
+                <a:solidFill>
+                  <a:srgbClr val="6A8759"/>
+                </a:solidFill>
+                <a:effectLst/>
+                <a:latin typeface="JetBrains Mono"/>
+              </a:rPr>
+              <a:t>username</a:t>
+            </a:r>
+            <a:r>
+              <a:rPr kumimoji="0" lang="ru-RU" altLang="ru-RU" sz="2800" b="0" i="0" u="none" strike="noStrike" cap="none" normalizeH="0" baseline="0" dirty="0">
+                <a:ln>
+                  <a:noFill/>
+                </a:ln>
+                <a:solidFill>
+                  <a:srgbClr val="6A8759"/>
+                </a:solidFill>
+                <a:effectLst/>
+                <a:latin typeface="JetBrains Mono"/>
+              </a:rPr>
+              <a:t>" </a:t>
+            </a:r>
+            <a:r>
+              <a:rPr kumimoji="0" lang="ru-RU" altLang="ru-RU" sz="2800" b="0" i="0" u="none" strike="noStrike" cap="none" normalizeH="0" baseline="0" dirty="0" err="1">
+                <a:ln>
+                  <a:noFill/>
+                </a:ln>
+                <a:solidFill>
+                  <a:srgbClr val="BABABA"/>
+                </a:solidFill>
+                <a:effectLst/>
+                <a:latin typeface="JetBrains Mono"/>
+              </a:rPr>
+              <a:t>type</a:t>
+            </a:r>
+            <a:r>
+              <a:rPr kumimoji="0" lang="ru-RU" altLang="ru-RU" sz="2800" b="0" i="0" u="none" strike="noStrike" cap="none" normalizeH="0" baseline="0" dirty="0">
+                <a:ln>
+                  <a:noFill/>
+                </a:ln>
+                <a:solidFill>
+                  <a:srgbClr val="6A8759"/>
+                </a:solidFill>
+                <a:effectLst/>
+                <a:latin typeface="JetBrains Mono"/>
+              </a:rPr>
+              <a:t>="</a:t>
+            </a:r>
+            <a:r>
+              <a:rPr kumimoji="0" lang="ru-RU" altLang="ru-RU" sz="2800" b="0" i="0" u="none" strike="noStrike" cap="none" normalizeH="0" baseline="0" dirty="0" err="1">
+                <a:ln>
+                  <a:noFill/>
+                </a:ln>
+                <a:solidFill>
+                  <a:srgbClr val="6A8759"/>
+                </a:solidFill>
+                <a:effectLst/>
+                <a:latin typeface="JetBrains Mono"/>
+              </a:rPr>
+              <a:t>text</a:t>
+            </a:r>
+            <a:r>
+              <a:rPr kumimoji="0" lang="ru-RU" altLang="ru-RU" sz="2800" b="0" i="0" u="none" strike="noStrike" cap="none" normalizeH="0" baseline="0" dirty="0">
+                <a:ln>
+                  <a:noFill/>
+                </a:ln>
+                <a:solidFill>
+                  <a:srgbClr val="6A8759"/>
+                </a:solidFill>
+                <a:effectLst/>
+                <a:latin typeface="JetBrains Mono"/>
+              </a:rPr>
+              <a:t>"</a:t>
+            </a:r>
+            <a:r>
+              <a:rPr kumimoji="0" lang="ru-RU" altLang="ru-RU" sz="2800" b="0" i="0" u="none" strike="noStrike" cap="none" normalizeH="0" baseline="0" dirty="0">
+                <a:ln>
+                  <a:noFill/>
+                </a:ln>
+                <a:solidFill>
+                  <a:srgbClr val="E8BF6A"/>
+                </a:solidFill>
+                <a:effectLst/>
+                <a:latin typeface="JetBrains Mono"/>
+              </a:rPr>
+              <a:t>&gt;</a:t>
+            </a:r>
+            <a:br>
+              <a:rPr kumimoji="0" lang="ru-RU" altLang="ru-RU" sz="2800" b="0" i="0" u="none" strike="noStrike" cap="none" normalizeH="0" baseline="0" dirty="0">
+                <a:ln>
+                  <a:noFill/>
+                </a:ln>
+                <a:solidFill>
+                  <a:srgbClr val="E8BF6A"/>
+                </a:solidFill>
+                <a:effectLst/>
+                <a:latin typeface="JetBrains Mono"/>
+              </a:rPr>
+            </a:br>
+            <a:r>
+              <a:rPr kumimoji="0" lang="ru-RU" altLang="ru-RU" sz="2800" b="0" i="0" u="none" strike="noStrike" cap="none" normalizeH="0" baseline="0" dirty="0">
+                <a:ln>
+                  <a:noFill/>
+                </a:ln>
+                <a:solidFill>
+                  <a:srgbClr val="E8BF6A"/>
+                </a:solidFill>
+                <a:effectLst/>
+                <a:latin typeface="JetBrains Mono"/>
+              </a:rPr>
+              <a:t>            &lt;</a:t>
+            </a:r>
+            <a:r>
+              <a:rPr kumimoji="0" lang="ru-RU" altLang="ru-RU" sz="2800" b="0" i="0" u="none" strike="noStrike" cap="none" normalizeH="0" baseline="0" dirty="0" err="1">
+                <a:ln>
+                  <a:noFill/>
+                </a:ln>
+                <a:solidFill>
+                  <a:srgbClr val="E8BF6A"/>
+                </a:solidFill>
+                <a:effectLst/>
+                <a:latin typeface="JetBrains Mono"/>
+              </a:rPr>
+              <a:t>constraints</a:t>
+            </a:r>
+            <a:r>
+              <a:rPr kumimoji="0" lang="ru-RU" altLang="ru-RU" sz="2800" b="0" i="0" u="none" strike="noStrike" cap="none" normalizeH="0" baseline="0" dirty="0">
+                <a:ln>
+                  <a:noFill/>
+                </a:ln>
+                <a:solidFill>
+                  <a:srgbClr val="E8BF6A"/>
+                </a:solidFill>
+                <a:effectLst/>
+                <a:latin typeface="JetBrains Mono"/>
+              </a:rPr>
+              <a:t> </a:t>
+            </a:r>
+            <a:r>
+              <a:rPr kumimoji="0" lang="ru-RU" altLang="ru-RU" sz="2800" b="0" i="0" u="none" strike="noStrike" cap="none" normalizeH="0" baseline="0" dirty="0" err="1">
+                <a:ln>
+                  <a:noFill/>
+                </a:ln>
+                <a:solidFill>
+                  <a:srgbClr val="BABABA"/>
+                </a:solidFill>
+                <a:effectLst/>
+                <a:latin typeface="JetBrains Mono"/>
+              </a:rPr>
+              <a:t>primaryKey</a:t>
+            </a:r>
+            <a:r>
+              <a:rPr kumimoji="0" lang="ru-RU" altLang="ru-RU" sz="2800" b="0" i="0" u="none" strike="noStrike" cap="none" normalizeH="0" baseline="0" dirty="0">
+                <a:ln>
+                  <a:noFill/>
+                </a:ln>
+                <a:solidFill>
+                  <a:srgbClr val="6A8759"/>
+                </a:solidFill>
+                <a:effectLst/>
+                <a:latin typeface="JetBrains Mono"/>
+              </a:rPr>
+              <a:t>="</a:t>
+            </a:r>
+            <a:r>
+              <a:rPr kumimoji="0" lang="ru-RU" altLang="ru-RU" sz="2800" b="0" i="0" u="none" strike="noStrike" cap="none" normalizeH="0" baseline="0" dirty="0" err="1">
+                <a:ln>
+                  <a:noFill/>
+                </a:ln>
+                <a:solidFill>
+                  <a:srgbClr val="6A8759"/>
+                </a:solidFill>
+                <a:effectLst/>
+                <a:latin typeface="JetBrains Mono"/>
+              </a:rPr>
+              <a:t>true</a:t>
+            </a:r>
+            <a:r>
+              <a:rPr kumimoji="0" lang="ru-RU" altLang="ru-RU" sz="2800" b="0" i="0" u="none" strike="noStrike" cap="none" normalizeH="0" baseline="0" dirty="0">
+                <a:ln>
+                  <a:noFill/>
+                </a:ln>
+                <a:solidFill>
+                  <a:srgbClr val="6A8759"/>
+                </a:solidFill>
+                <a:effectLst/>
+                <a:latin typeface="JetBrains Mono"/>
+              </a:rPr>
+              <a:t>"</a:t>
+            </a:r>
+            <a:r>
+              <a:rPr kumimoji="0" lang="ru-RU" altLang="ru-RU" sz="2800" b="0" i="0" u="none" strike="noStrike" cap="none" normalizeH="0" baseline="0" dirty="0">
+                <a:ln>
+                  <a:noFill/>
+                </a:ln>
+                <a:solidFill>
+                  <a:srgbClr val="E8BF6A"/>
+                </a:solidFill>
+                <a:effectLst/>
+                <a:latin typeface="JetBrains Mono"/>
+              </a:rPr>
+              <a:t>/&gt;</a:t>
+            </a:r>
+            <a:br>
+              <a:rPr kumimoji="0" lang="ru-RU" altLang="ru-RU" sz="2800" b="0" i="0" u="none" strike="noStrike" cap="none" normalizeH="0" baseline="0" dirty="0">
+                <a:ln>
+                  <a:noFill/>
+                </a:ln>
+                <a:solidFill>
+                  <a:srgbClr val="E8BF6A"/>
+                </a:solidFill>
+                <a:effectLst/>
+                <a:latin typeface="JetBrains Mono"/>
+              </a:rPr>
+            </a:br>
+            <a:r>
+              <a:rPr kumimoji="0" lang="ru-RU" altLang="ru-RU" sz="2800" b="0" i="0" u="none" strike="noStrike" cap="none" normalizeH="0" baseline="0" dirty="0">
+                <a:ln>
+                  <a:noFill/>
+                </a:ln>
+                <a:solidFill>
+                  <a:srgbClr val="E8BF6A"/>
+                </a:solidFill>
+                <a:effectLst/>
+                <a:latin typeface="JetBrains Mono"/>
+              </a:rPr>
+              <a:t>        &lt;/</a:t>
+            </a:r>
+            <a:r>
+              <a:rPr kumimoji="0" lang="ru-RU" altLang="ru-RU" sz="2800" b="0" i="0" u="none" strike="noStrike" cap="none" normalizeH="0" baseline="0" dirty="0" err="1">
+                <a:ln>
+                  <a:noFill/>
+                </a:ln>
+                <a:solidFill>
+                  <a:srgbClr val="E8BF6A"/>
+                </a:solidFill>
+                <a:effectLst/>
+                <a:latin typeface="JetBrains Mono"/>
+              </a:rPr>
+              <a:t>column</a:t>
+            </a:r>
+            <a:r>
+              <a:rPr kumimoji="0" lang="ru-RU" altLang="ru-RU" sz="2800" b="0" i="0" u="none" strike="noStrike" cap="none" normalizeH="0" baseline="0" dirty="0">
+                <a:ln>
+                  <a:noFill/>
+                </a:ln>
+                <a:solidFill>
+                  <a:srgbClr val="E8BF6A"/>
+                </a:solidFill>
+                <a:effectLst/>
+                <a:latin typeface="JetBrains Mono"/>
+              </a:rPr>
+              <a:t>&gt;</a:t>
+            </a:r>
+            <a:br>
+              <a:rPr kumimoji="0" lang="ru-RU" altLang="ru-RU" sz="2800" b="0" i="0" u="none" strike="noStrike" cap="none" normalizeH="0" baseline="0" dirty="0">
+                <a:ln>
+                  <a:noFill/>
+                </a:ln>
+                <a:solidFill>
+                  <a:srgbClr val="E8BF6A"/>
+                </a:solidFill>
+                <a:effectLst/>
+                <a:latin typeface="JetBrains Mono"/>
+              </a:rPr>
+            </a:br>
+            <a:r>
+              <a:rPr kumimoji="0" lang="ru-RU" altLang="ru-RU" sz="2800" b="0" i="0" u="none" strike="noStrike" cap="none" normalizeH="0" baseline="0" dirty="0">
+                <a:ln>
+                  <a:noFill/>
+                </a:ln>
+                <a:solidFill>
+                  <a:srgbClr val="E8BF6A"/>
+                </a:solidFill>
+                <a:effectLst/>
+                <a:latin typeface="JetBrains Mono"/>
+              </a:rPr>
+              <a:t>        &lt;</a:t>
+            </a:r>
+            <a:r>
+              <a:rPr kumimoji="0" lang="ru-RU" altLang="ru-RU" sz="2800" b="0" i="0" u="none" strike="noStrike" cap="none" normalizeH="0" baseline="0" dirty="0" err="1">
+                <a:ln>
+                  <a:noFill/>
+                </a:ln>
+                <a:solidFill>
+                  <a:srgbClr val="E8BF6A"/>
+                </a:solidFill>
+                <a:effectLst/>
+                <a:latin typeface="JetBrains Mono"/>
+              </a:rPr>
+              <a:t>column</a:t>
+            </a:r>
+            <a:r>
+              <a:rPr kumimoji="0" lang="ru-RU" altLang="ru-RU" sz="2800" b="0" i="0" u="none" strike="noStrike" cap="none" normalizeH="0" baseline="0" dirty="0">
+                <a:ln>
+                  <a:noFill/>
+                </a:ln>
+                <a:solidFill>
+                  <a:srgbClr val="E8BF6A"/>
+                </a:solidFill>
+                <a:effectLst/>
+                <a:latin typeface="JetBrains Mono"/>
+              </a:rPr>
+              <a:t> </a:t>
+            </a:r>
+            <a:r>
+              <a:rPr kumimoji="0" lang="ru-RU" altLang="ru-RU" sz="2800" b="0" i="0" u="none" strike="noStrike" cap="none" normalizeH="0" baseline="0" dirty="0" err="1">
+                <a:ln>
+                  <a:noFill/>
+                </a:ln>
+                <a:solidFill>
+                  <a:srgbClr val="BABABA"/>
+                </a:solidFill>
+                <a:effectLst/>
+                <a:latin typeface="JetBrains Mono"/>
+              </a:rPr>
+              <a:t>name</a:t>
+            </a:r>
+            <a:r>
+              <a:rPr kumimoji="0" lang="ru-RU" altLang="ru-RU" sz="2800" b="0" i="0" u="none" strike="noStrike" cap="none" normalizeH="0" baseline="0" dirty="0">
+                <a:ln>
+                  <a:noFill/>
+                </a:ln>
+                <a:solidFill>
+                  <a:srgbClr val="6A8759"/>
+                </a:solidFill>
+                <a:effectLst/>
+                <a:latin typeface="JetBrains Mono"/>
+              </a:rPr>
+              <a:t>="</a:t>
+            </a:r>
+            <a:r>
+              <a:rPr kumimoji="0" lang="ru-RU" altLang="ru-RU" sz="2800" b="0" i="0" u="none" strike="noStrike" cap="none" normalizeH="0" baseline="0" dirty="0" err="1">
+                <a:ln>
+                  <a:noFill/>
+                </a:ln>
+                <a:solidFill>
+                  <a:srgbClr val="6A8759"/>
+                </a:solidFill>
+                <a:effectLst/>
+                <a:latin typeface="JetBrains Mono"/>
+              </a:rPr>
+              <a:t>password</a:t>
+            </a:r>
+            <a:r>
+              <a:rPr kumimoji="0" lang="ru-RU" altLang="ru-RU" sz="2800" b="0" i="0" u="none" strike="noStrike" cap="none" normalizeH="0" baseline="0" dirty="0">
+                <a:ln>
+                  <a:noFill/>
+                </a:ln>
+                <a:solidFill>
+                  <a:srgbClr val="6A8759"/>
+                </a:solidFill>
+                <a:effectLst/>
+                <a:latin typeface="JetBrains Mono"/>
+              </a:rPr>
+              <a:t>" </a:t>
+            </a:r>
+            <a:r>
+              <a:rPr kumimoji="0" lang="ru-RU" altLang="ru-RU" sz="2800" b="0" i="0" u="none" strike="noStrike" cap="none" normalizeH="0" baseline="0" dirty="0" err="1">
+                <a:ln>
+                  <a:noFill/>
+                </a:ln>
+                <a:solidFill>
+                  <a:srgbClr val="BABABA"/>
+                </a:solidFill>
+                <a:effectLst/>
+                <a:latin typeface="JetBrains Mono"/>
+              </a:rPr>
+              <a:t>type</a:t>
+            </a:r>
+            <a:r>
+              <a:rPr kumimoji="0" lang="ru-RU" altLang="ru-RU" sz="2800" b="0" i="0" u="none" strike="noStrike" cap="none" normalizeH="0" baseline="0" dirty="0">
+                <a:ln>
+                  <a:noFill/>
+                </a:ln>
+                <a:solidFill>
+                  <a:srgbClr val="6A8759"/>
+                </a:solidFill>
+                <a:effectLst/>
+                <a:latin typeface="JetBrains Mono"/>
+              </a:rPr>
+              <a:t>="</a:t>
+            </a:r>
+            <a:r>
+              <a:rPr kumimoji="0" lang="ru-RU" altLang="ru-RU" sz="2800" b="0" i="0" u="none" strike="noStrike" cap="none" normalizeH="0" baseline="0" dirty="0" err="1">
+                <a:ln>
+                  <a:noFill/>
+                </a:ln>
+                <a:solidFill>
+                  <a:srgbClr val="6A8759"/>
+                </a:solidFill>
+                <a:effectLst/>
+                <a:latin typeface="JetBrains Mono"/>
+              </a:rPr>
+              <a:t>text</a:t>
+            </a:r>
+            <a:r>
+              <a:rPr kumimoji="0" lang="ru-RU" altLang="ru-RU" sz="2800" b="0" i="0" u="none" strike="noStrike" cap="none" normalizeH="0" baseline="0" dirty="0">
+                <a:ln>
+                  <a:noFill/>
+                </a:ln>
+                <a:solidFill>
+                  <a:srgbClr val="6A8759"/>
+                </a:solidFill>
+                <a:effectLst/>
+                <a:latin typeface="JetBrains Mono"/>
+              </a:rPr>
+              <a:t>"</a:t>
+            </a:r>
+            <a:r>
+              <a:rPr kumimoji="0" lang="ru-RU" altLang="ru-RU" sz="2800" b="0" i="0" u="none" strike="noStrike" cap="none" normalizeH="0" baseline="0" dirty="0">
+                <a:ln>
+                  <a:noFill/>
+                </a:ln>
+                <a:solidFill>
+                  <a:srgbClr val="E8BF6A"/>
+                </a:solidFill>
+                <a:effectLst/>
+                <a:latin typeface="JetBrains Mono"/>
+              </a:rPr>
+              <a:t>&gt;</a:t>
+            </a:r>
+            <a:br>
+              <a:rPr kumimoji="0" lang="ru-RU" altLang="ru-RU" sz="2800" b="0" i="0" u="none" strike="noStrike" cap="none" normalizeH="0" baseline="0" dirty="0">
+                <a:ln>
+                  <a:noFill/>
+                </a:ln>
+                <a:solidFill>
+                  <a:srgbClr val="E8BF6A"/>
+                </a:solidFill>
+                <a:effectLst/>
+                <a:latin typeface="JetBrains Mono"/>
+              </a:rPr>
+            </a:br>
+            <a:r>
+              <a:rPr kumimoji="0" lang="ru-RU" altLang="ru-RU" sz="2800" b="0" i="0" u="none" strike="noStrike" cap="none" normalizeH="0" baseline="0" dirty="0">
+                <a:ln>
+                  <a:noFill/>
+                </a:ln>
+                <a:solidFill>
+                  <a:srgbClr val="E8BF6A"/>
+                </a:solidFill>
+                <a:effectLst/>
+                <a:latin typeface="JetBrains Mono"/>
+              </a:rPr>
+              <a:t>        &lt;/</a:t>
+            </a:r>
+            <a:r>
+              <a:rPr kumimoji="0" lang="ru-RU" altLang="ru-RU" sz="2800" b="0" i="0" u="none" strike="noStrike" cap="none" normalizeH="0" baseline="0" dirty="0" err="1">
+                <a:ln>
+                  <a:noFill/>
+                </a:ln>
+                <a:solidFill>
+                  <a:srgbClr val="E8BF6A"/>
+                </a:solidFill>
+                <a:effectLst/>
+                <a:latin typeface="JetBrains Mono"/>
+              </a:rPr>
+              <a:t>column</a:t>
+            </a:r>
+            <a:r>
+              <a:rPr kumimoji="0" lang="ru-RU" altLang="ru-RU" sz="2800" b="0" i="0" u="none" strike="noStrike" cap="none" normalizeH="0" baseline="0" dirty="0">
+                <a:ln>
+                  <a:noFill/>
+                </a:ln>
+                <a:solidFill>
+                  <a:srgbClr val="E8BF6A"/>
+                </a:solidFill>
+                <a:effectLst/>
+                <a:latin typeface="JetBrains Mono"/>
+              </a:rPr>
+              <a:t>&gt;</a:t>
+            </a:r>
+            <a:br>
+              <a:rPr kumimoji="0" lang="ru-RU" altLang="ru-RU" sz="2800" b="0" i="0" u="none" strike="noStrike" cap="none" normalizeH="0" baseline="0" dirty="0">
+                <a:ln>
+                  <a:noFill/>
+                </a:ln>
+                <a:solidFill>
+                  <a:srgbClr val="E8BF6A"/>
+                </a:solidFill>
+                <a:effectLst/>
+                <a:latin typeface="JetBrains Mono"/>
+              </a:rPr>
+            </a:br>
+            <a:r>
+              <a:rPr kumimoji="0" lang="ru-RU" altLang="ru-RU" sz="2800" b="0" i="0" u="none" strike="noStrike" cap="none" normalizeH="0" baseline="0" dirty="0">
+                <a:ln>
+                  <a:noFill/>
+                </a:ln>
+                <a:solidFill>
+                  <a:srgbClr val="E8BF6A"/>
+                </a:solidFill>
+                <a:effectLst/>
+                <a:latin typeface="JetBrains Mono"/>
+              </a:rPr>
+              <a:t>        &lt;</a:t>
+            </a:r>
+            <a:r>
+              <a:rPr kumimoji="0" lang="ru-RU" altLang="ru-RU" sz="2800" b="0" i="0" u="none" strike="noStrike" cap="none" normalizeH="0" baseline="0" dirty="0" err="1">
+                <a:ln>
+                  <a:noFill/>
+                </a:ln>
+                <a:solidFill>
+                  <a:srgbClr val="E8BF6A"/>
+                </a:solidFill>
+                <a:effectLst/>
+                <a:latin typeface="JetBrains Mono"/>
+              </a:rPr>
+              <a:t>column</a:t>
+            </a:r>
+            <a:r>
+              <a:rPr kumimoji="0" lang="ru-RU" altLang="ru-RU" sz="2800" b="0" i="0" u="none" strike="noStrike" cap="none" normalizeH="0" baseline="0" dirty="0">
+                <a:ln>
+                  <a:noFill/>
+                </a:ln>
+                <a:solidFill>
+                  <a:srgbClr val="E8BF6A"/>
+                </a:solidFill>
+                <a:effectLst/>
+                <a:latin typeface="JetBrains Mono"/>
+              </a:rPr>
+              <a:t> </a:t>
+            </a:r>
+            <a:r>
+              <a:rPr kumimoji="0" lang="ru-RU" altLang="ru-RU" sz="2800" b="0" i="0" u="none" strike="noStrike" cap="none" normalizeH="0" baseline="0" dirty="0" err="1">
+                <a:ln>
+                  <a:noFill/>
+                </a:ln>
+                <a:solidFill>
+                  <a:srgbClr val="BABABA"/>
+                </a:solidFill>
+                <a:effectLst/>
+                <a:latin typeface="JetBrains Mono"/>
+              </a:rPr>
+              <a:t>name</a:t>
+            </a:r>
+            <a:r>
+              <a:rPr kumimoji="0" lang="ru-RU" altLang="ru-RU" sz="2800" b="0" i="0" u="none" strike="noStrike" cap="none" normalizeH="0" baseline="0" dirty="0">
+                <a:ln>
+                  <a:noFill/>
+                </a:ln>
+                <a:solidFill>
+                  <a:srgbClr val="6A8759"/>
+                </a:solidFill>
+                <a:effectLst/>
+                <a:latin typeface="JetBrains Mono"/>
+              </a:rPr>
+              <a:t>="</a:t>
+            </a:r>
+            <a:r>
+              <a:rPr kumimoji="0" lang="ru-RU" altLang="ru-RU" sz="2800" b="0" i="0" u="none" strike="noStrike" cap="none" normalizeH="0" baseline="0" dirty="0" err="1">
+                <a:ln>
+                  <a:noFill/>
+                </a:ln>
+                <a:solidFill>
+                  <a:srgbClr val="6A8759"/>
+                </a:solidFill>
+                <a:effectLst/>
+                <a:latin typeface="JetBrains Mono"/>
+              </a:rPr>
+              <a:t>encodedpassword</a:t>
+            </a:r>
+            <a:r>
+              <a:rPr kumimoji="0" lang="ru-RU" altLang="ru-RU" sz="2800" b="0" i="0" u="none" strike="noStrike" cap="none" normalizeH="0" baseline="0" dirty="0">
+                <a:ln>
+                  <a:noFill/>
+                </a:ln>
+                <a:solidFill>
+                  <a:srgbClr val="6A8759"/>
+                </a:solidFill>
+                <a:effectLst/>
+                <a:latin typeface="JetBrains Mono"/>
+              </a:rPr>
+              <a:t>" </a:t>
+            </a:r>
+            <a:r>
+              <a:rPr kumimoji="0" lang="ru-RU" altLang="ru-RU" sz="2800" b="0" i="0" u="none" strike="noStrike" cap="none" normalizeH="0" baseline="0" dirty="0" err="1">
+                <a:ln>
+                  <a:noFill/>
+                </a:ln>
+                <a:solidFill>
+                  <a:srgbClr val="BABABA"/>
+                </a:solidFill>
+                <a:effectLst/>
+                <a:latin typeface="JetBrains Mono"/>
+              </a:rPr>
+              <a:t>type</a:t>
+            </a:r>
+            <a:r>
+              <a:rPr kumimoji="0" lang="ru-RU" altLang="ru-RU" sz="2800" b="0" i="0" u="none" strike="noStrike" cap="none" normalizeH="0" baseline="0" dirty="0">
+                <a:ln>
+                  <a:noFill/>
+                </a:ln>
+                <a:solidFill>
+                  <a:srgbClr val="6A8759"/>
+                </a:solidFill>
+                <a:effectLst/>
+                <a:latin typeface="JetBrains Mono"/>
+              </a:rPr>
+              <a:t>="</a:t>
+            </a:r>
+            <a:r>
+              <a:rPr kumimoji="0" lang="ru-RU" altLang="ru-RU" sz="2800" b="0" i="0" u="none" strike="noStrike" cap="none" normalizeH="0" baseline="0" dirty="0" err="1">
+                <a:ln>
+                  <a:noFill/>
+                </a:ln>
+                <a:solidFill>
+                  <a:srgbClr val="6A8759"/>
+                </a:solidFill>
+                <a:effectLst/>
+                <a:latin typeface="JetBrains Mono"/>
+              </a:rPr>
+              <a:t>text</a:t>
+            </a:r>
+            <a:r>
+              <a:rPr kumimoji="0" lang="ru-RU" altLang="ru-RU" sz="2800" b="0" i="0" u="none" strike="noStrike" cap="none" normalizeH="0" baseline="0" dirty="0">
+                <a:ln>
+                  <a:noFill/>
+                </a:ln>
+                <a:solidFill>
+                  <a:srgbClr val="6A8759"/>
+                </a:solidFill>
+                <a:effectLst/>
+                <a:latin typeface="JetBrains Mono"/>
+              </a:rPr>
+              <a:t>"</a:t>
+            </a:r>
+            <a:r>
+              <a:rPr kumimoji="0" lang="ru-RU" altLang="ru-RU" sz="2800" b="0" i="0" u="none" strike="noStrike" cap="none" normalizeH="0" baseline="0" dirty="0">
+                <a:ln>
+                  <a:noFill/>
+                </a:ln>
+                <a:solidFill>
+                  <a:srgbClr val="E8BF6A"/>
+                </a:solidFill>
+                <a:effectLst/>
+                <a:latin typeface="JetBrains Mono"/>
+              </a:rPr>
+              <a:t>&gt;</a:t>
+            </a:r>
+            <a:br>
+              <a:rPr kumimoji="0" lang="ru-RU" altLang="ru-RU" sz="2800" b="0" i="0" u="none" strike="noStrike" cap="none" normalizeH="0" baseline="0" dirty="0">
+                <a:ln>
+                  <a:noFill/>
+                </a:ln>
+                <a:solidFill>
+                  <a:srgbClr val="E8BF6A"/>
+                </a:solidFill>
+                <a:effectLst/>
+                <a:latin typeface="JetBrains Mono"/>
+              </a:rPr>
+            </a:br>
+            <a:r>
+              <a:rPr kumimoji="0" lang="ru-RU" altLang="ru-RU" sz="2800" b="0" i="0" u="none" strike="noStrike" cap="none" normalizeH="0" baseline="0" dirty="0">
+                <a:ln>
+                  <a:noFill/>
+                </a:ln>
+                <a:solidFill>
+                  <a:srgbClr val="E8BF6A"/>
+                </a:solidFill>
+                <a:effectLst/>
+                <a:latin typeface="JetBrains Mono"/>
+              </a:rPr>
+              <a:t>            &lt;</a:t>
+            </a:r>
+            <a:r>
+              <a:rPr kumimoji="0" lang="ru-RU" altLang="ru-RU" sz="2800" b="0" i="0" u="none" strike="noStrike" cap="none" normalizeH="0" baseline="0" dirty="0" err="1">
+                <a:ln>
+                  <a:noFill/>
+                </a:ln>
+                <a:solidFill>
+                  <a:srgbClr val="E8BF6A"/>
+                </a:solidFill>
+                <a:effectLst/>
+                <a:latin typeface="JetBrains Mono"/>
+              </a:rPr>
+              <a:t>constraints</a:t>
+            </a:r>
+            <a:r>
+              <a:rPr kumimoji="0" lang="ru-RU" altLang="ru-RU" sz="2800" b="0" i="0" u="none" strike="noStrike" cap="none" normalizeH="0" baseline="0" dirty="0">
+                <a:ln>
+                  <a:noFill/>
+                </a:ln>
+                <a:solidFill>
+                  <a:srgbClr val="E8BF6A"/>
+                </a:solidFill>
+                <a:effectLst/>
+                <a:latin typeface="JetBrains Mono"/>
+              </a:rPr>
+              <a:t> </a:t>
+            </a:r>
+            <a:r>
+              <a:rPr kumimoji="0" lang="ru-RU" altLang="ru-RU" sz="2800" b="0" i="0" u="none" strike="noStrike" cap="none" normalizeH="0" baseline="0" dirty="0" err="1">
+                <a:ln>
+                  <a:noFill/>
+                </a:ln>
+                <a:solidFill>
+                  <a:srgbClr val="BABABA"/>
+                </a:solidFill>
+                <a:effectLst/>
+                <a:latin typeface="JetBrains Mono"/>
+              </a:rPr>
+              <a:t>nullable</a:t>
+            </a:r>
+            <a:r>
+              <a:rPr kumimoji="0" lang="ru-RU" altLang="ru-RU" sz="2800" b="0" i="0" u="none" strike="noStrike" cap="none" normalizeH="0" baseline="0" dirty="0">
+                <a:ln>
+                  <a:noFill/>
+                </a:ln>
+                <a:solidFill>
+                  <a:srgbClr val="6A8759"/>
+                </a:solidFill>
+                <a:effectLst/>
+                <a:latin typeface="JetBrains Mono"/>
+              </a:rPr>
+              <a:t>="</a:t>
+            </a:r>
+            <a:r>
+              <a:rPr kumimoji="0" lang="ru-RU" altLang="ru-RU" sz="2800" b="0" i="0" u="none" strike="noStrike" cap="none" normalizeH="0" baseline="0" dirty="0" err="1">
+                <a:ln>
+                  <a:noFill/>
+                </a:ln>
+                <a:solidFill>
+                  <a:srgbClr val="6A8759"/>
+                </a:solidFill>
+                <a:effectLst/>
+                <a:latin typeface="JetBrains Mono"/>
+              </a:rPr>
+              <a:t>false</a:t>
+            </a:r>
+            <a:r>
+              <a:rPr kumimoji="0" lang="ru-RU" altLang="ru-RU" sz="2800" b="0" i="0" u="none" strike="noStrike" cap="none" normalizeH="0" baseline="0" dirty="0">
+                <a:ln>
+                  <a:noFill/>
+                </a:ln>
+                <a:solidFill>
+                  <a:srgbClr val="6A8759"/>
+                </a:solidFill>
+                <a:effectLst/>
+                <a:latin typeface="JetBrains Mono"/>
+              </a:rPr>
+              <a:t>"</a:t>
+            </a:r>
+            <a:r>
+              <a:rPr kumimoji="0" lang="ru-RU" altLang="ru-RU" sz="2800" b="0" i="0" u="none" strike="noStrike" cap="none" normalizeH="0" baseline="0" dirty="0">
+                <a:ln>
+                  <a:noFill/>
+                </a:ln>
+                <a:solidFill>
+                  <a:srgbClr val="E8BF6A"/>
+                </a:solidFill>
+                <a:effectLst/>
+                <a:latin typeface="JetBrains Mono"/>
+              </a:rPr>
+              <a:t>/&gt;</a:t>
+            </a:r>
+            <a:br>
+              <a:rPr kumimoji="0" lang="ru-RU" altLang="ru-RU" sz="2800" b="0" i="0" u="none" strike="noStrike" cap="none" normalizeH="0" baseline="0" dirty="0">
+                <a:ln>
+                  <a:noFill/>
+                </a:ln>
+                <a:solidFill>
+                  <a:srgbClr val="E8BF6A"/>
+                </a:solidFill>
+                <a:effectLst/>
+                <a:latin typeface="JetBrains Mono"/>
+              </a:rPr>
+            </a:br>
+            <a:r>
+              <a:rPr kumimoji="0" lang="ru-RU" altLang="ru-RU" sz="2800" b="0" i="0" u="none" strike="noStrike" cap="none" normalizeH="0" baseline="0" dirty="0">
+                <a:ln>
+                  <a:noFill/>
+                </a:ln>
+                <a:solidFill>
+                  <a:srgbClr val="E8BF6A"/>
+                </a:solidFill>
+                <a:effectLst/>
+                <a:latin typeface="JetBrains Mono"/>
+              </a:rPr>
+              <a:t>        &lt;/</a:t>
+            </a:r>
+            <a:r>
+              <a:rPr kumimoji="0" lang="ru-RU" altLang="ru-RU" sz="2800" b="0" i="0" u="none" strike="noStrike" cap="none" normalizeH="0" baseline="0" dirty="0" err="1">
+                <a:ln>
+                  <a:noFill/>
+                </a:ln>
+                <a:solidFill>
+                  <a:srgbClr val="E8BF6A"/>
+                </a:solidFill>
+                <a:effectLst/>
+                <a:latin typeface="JetBrains Mono"/>
+              </a:rPr>
+              <a:t>column</a:t>
+            </a:r>
+            <a:r>
+              <a:rPr kumimoji="0" lang="ru-RU" altLang="ru-RU" sz="2800" b="0" i="0" u="none" strike="noStrike" cap="none" normalizeH="0" baseline="0" dirty="0">
+                <a:ln>
+                  <a:noFill/>
+                </a:ln>
+                <a:solidFill>
+                  <a:srgbClr val="E8BF6A"/>
+                </a:solidFill>
+                <a:effectLst/>
+                <a:latin typeface="JetBrains Mono"/>
+              </a:rPr>
+              <a:t>&gt;</a:t>
+            </a:r>
+            <a:br>
+              <a:rPr kumimoji="0" lang="ru-RU" altLang="ru-RU" sz="2800" b="0" i="0" u="none" strike="noStrike" cap="none" normalizeH="0" baseline="0" dirty="0">
+                <a:ln>
+                  <a:noFill/>
+                </a:ln>
+                <a:solidFill>
+                  <a:srgbClr val="E8BF6A"/>
+                </a:solidFill>
+                <a:effectLst/>
+                <a:latin typeface="JetBrains Mono"/>
+              </a:rPr>
+            </a:br>
+            <a:r>
+              <a:rPr kumimoji="0" lang="ru-RU" altLang="ru-RU" sz="2800" b="0" i="0" u="none" strike="noStrike" cap="none" normalizeH="0" baseline="0" dirty="0">
+                <a:ln>
+                  <a:noFill/>
+                </a:ln>
+                <a:solidFill>
+                  <a:srgbClr val="E8BF6A"/>
+                </a:solidFill>
+                <a:effectLst/>
+                <a:latin typeface="JetBrains Mono"/>
+              </a:rPr>
+              <a:t>    &lt;/</a:t>
+            </a:r>
+            <a:r>
+              <a:rPr kumimoji="0" lang="ru-RU" altLang="ru-RU" sz="2800" b="0" i="0" u="none" strike="noStrike" cap="none" normalizeH="0" baseline="0" dirty="0" err="1">
+                <a:ln>
+                  <a:noFill/>
+                </a:ln>
+                <a:solidFill>
+                  <a:srgbClr val="E8BF6A"/>
+                </a:solidFill>
+                <a:effectLst/>
+                <a:latin typeface="JetBrains Mono"/>
+              </a:rPr>
+              <a:t>createTable</a:t>
+            </a:r>
+            <a:r>
+              <a:rPr kumimoji="0" lang="ru-RU" altLang="ru-RU" sz="2800" b="0" i="0" u="none" strike="noStrike" cap="none" normalizeH="0" baseline="0" dirty="0">
+                <a:ln>
+                  <a:noFill/>
+                </a:ln>
+                <a:solidFill>
+                  <a:srgbClr val="E8BF6A"/>
+                </a:solidFill>
+                <a:effectLst/>
+                <a:latin typeface="JetBrains Mono"/>
+              </a:rPr>
+              <a:t>&gt;</a:t>
+            </a:r>
+            <a:br>
+              <a:rPr kumimoji="0" lang="ru-RU" altLang="ru-RU" sz="2800" b="0" i="0" u="none" strike="noStrike" cap="none" normalizeH="0" baseline="0" dirty="0">
+                <a:ln>
+                  <a:noFill/>
+                </a:ln>
+                <a:solidFill>
+                  <a:srgbClr val="E8BF6A"/>
+                </a:solidFill>
+                <a:effectLst/>
+                <a:latin typeface="JetBrains Mono"/>
+              </a:rPr>
+            </a:br>
+            <a:r>
+              <a:rPr kumimoji="0" lang="ru-RU" altLang="ru-RU" sz="2800" b="0" i="0" u="none" strike="noStrike" cap="none" normalizeH="0" baseline="0" dirty="0">
+                <a:ln>
+                  <a:noFill/>
+                </a:ln>
+                <a:solidFill>
+                  <a:srgbClr val="E8BF6A"/>
+                </a:solidFill>
+                <a:effectLst/>
+                <a:latin typeface="JetBrains Mono"/>
+              </a:rPr>
+              <a:t>&lt;/</a:t>
+            </a:r>
+            <a:r>
+              <a:rPr kumimoji="0" lang="ru-RU" altLang="ru-RU" sz="2800" b="0" i="0" u="none" strike="noStrike" cap="none" normalizeH="0" baseline="0" dirty="0" err="1">
+                <a:ln>
+                  <a:noFill/>
+                </a:ln>
+                <a:solidFill>
+                  <a:srgbClr val="E8BF6A"/>
+                </a:solidFill>
+                <a:effectLst/>
+                <a:latin typeface="JetBrains Mono"/>
+              </a:rPr>
+              <a:t>changeSet</a:t>
+            </a:r>
+            <a:r>
+              <a:rPr kumimoji="0" lang="ru-RU" altLang="ru-RU" sz="2800" b="0" i="0" u="none" strike="noStrike" cap="none" normalizeH="0" baseline="0" dirty="0">
+                <a:ln>
+                  <a:noFill/>
+                </a:ln>
+                <a:solidFill>
+                  <a:srgbClr val="E8BF6A"/>
+                </a:solidFill>
+                <a:effectLst/>
+                <a:latin typeface="JetBrains Mono"/>
+              </a:rPr>
+              <a:t>&gt;</a:t>
+            </a:r>
+            <a:endParaRPr kumimoji="0" lang="ru-RU" altLang="ru-RU" sz="6000" b="0" i="0" u="none" strike="noStrike" cap="none" normalizeH="0" baseline="0" dirty="0">
+              <a:ln>
+                <a:noFill/>
+              </a:ln>
+              <a:solidFill>
+                <a:schemeClr val="tx1"/>
+              </a:solidFill>
+              <a:effectLst/>
+              <a:latin typeface="Arial" panose="020B0604020202020204" pitchFamily="34" charset="0"/>
+            </a:endParaRPr>
+          </a:p>
+          <a:p>
+            <a:endParaRPr lang="ru-RU" dirty="0"/>
+          </a:p>
+          <a:p>
+            <a:endParaRPr lang="ru-RU" dirty="0"/>
+          </a:p>
+          <a:p>
+            <a:endParaRPr lang="ru-RU" dirty="0"/>
+          </a:p>
+          <a:p>
+            <a:endParaRPr lang="ru-RU" dirty="0"/>
+          </a:p>
+          <a:p>
+            <a:r>
+              <a:rPr lang="ru-RU" dirty="0"/>
+              <a:t>Разрешённые </a:t>
+            </a:r>
+            <a:r>
+              <a:rPr lang="ru-RU" dirty="0" err="1"/>
+              <a:t>таги</a:t>
+            </a:r>
+            <a:r>
+              <a:rPr lang="ru-RU" dirty="0"/>
+              <a:t> в </a:t>
+            </a:r>
+            <a:r>
+              <a:rPr lang="en-US" dirty="0"/>
+              <a:t>xml:</a:t>
+            </a:r>
+            <a:r>
+              <a:rPr lang="ru-RU" dirty="0"/>
+              <a:t>  идея сама подсказывает нужное</a:t>
+            </a:r>
+          </a:p>
+          <a:p>
+            <a:r>
+              <a:rPr kumimoji="0" lang="ru-RU" altLang="ru-RU" sz="2800" b="0" i="0" u="none" strike="noStrike" cap="none" normalizeH="0" baseline="0" dirty="0">
+                <a:ln>
+                  <a:noFill/>
+                </a:ln>
+                <a:solidFill>
+                  <a:srgbClr val="6A8759"/>
+                </a:solidFill>
+                <a:effectLst/>
+                <a:latin typeface="JetBrains Mono"/>
+              </a:rPr>
+              <a:t>http://www.liquibase.org/xml/ns/dbchangelog/dbchangelog-3.8.xsd</a:t>
+            </a:r>
+            <a:endParaRPr kumimoji="0" lang="ru-RU" altLang="ru-RU" sz="6000" b="0" i="0" u="none" strike="noStrike" cap="none" normalizeH="0" baseline="0" dirty="0">
+              <a:ln>
+                <a:noFill/>
+              </a:ln>
+              <a:solidFill>
+                <a:schemeClr val="tx1"/>
+              </a:solidFill>
+              <a:effectLst/>
+              <a:latin typeface="Arial" panose="020B0604020202020204" pitchFamily="34" charset="0"/>
+            </a:endParaRPr>
+          </a:p>
+          <a:p>
+            <a:pPr marL="0" indent="0">
+              <a:buNone/>
+            </a:pPr>
+            <a:endParaRPr lang="ru-RU" dirty="0"/>
+          </a:p>
+        </p:txBody>
+      </p:sp>
+    </p:spTree>
+    <p:extLst>
+      <p:ext uri="{BB962C8B-B14F-4D97-AF65-F5344CB8AC3E}">
+        <p14:creationId xmlns:p14="http://schemas.microsoft.com/office/powerpoint/2010/main" val="2971924831"/>
+      </p:ext>
+    </p:extLst>
+  </p:cSld>
+  <p:clrMapOvr>
+    <a:masterClrMapping/>
+  </p:clrMapOvr>
+</p:sld>
+</file>
+
+<file path=ppt/slides/slide8.xml><?xml version="1.0" encoding="utf-8"?>
 <p:sld xmlns:a="http://schemas.openxmlformats.org/drawingml/2006/main" xmlns:r="http://schemas.openxmlformats.org/officeDocument/2006/relationships" xmlns:p="http://schemas.openxmlformats.org/presentationml/2006/main">
   <p:cSld>
     <p:spTree>
@@ -5846,548 +10794,6 @@
 </p:sld>
 </file>
 
-<file path=ppt/slides/slide8.xml><?xml version="1.0" encoding="utf-8"?>
-<p:sld xmlns:a="http://schemas.openxmlformats.org/drawingml/2006/main" xmlns:r="http://schemas.openxmlformats.org/officeDocument/2006/relationships" xmlns:p="http://schemas.openxmlformats.org/presentationml/2006/main">
-  <p:cSld>
-    <p:spTree>
-      <p:nvGrpSpPr>
-        <p:cNvPr id="1" name=""/>
-        <p:cNvGrpSpPr/>
-        <p:nvPr/>
-      </p:nvGrpSpPr>
-      <p:grpSpPr>
-        <a:xfrm>
-          <a:off x="0" y="0"/>
-          <a:ext cx="0" cy="0"/>
-          <a:chOff x="0" y="0"/>
-          <a:chExt cx="0" cy="0"/>
-        </a:xfrm>
-      </p:grpSpPr>
-      <p:sp>
-        <p:nvSpPr>
-          <p:cNvPr id="2" name="Title 1"/>
-          <p:cNvSpPr>
-            <a:spLocks noGrp="1"/>
-          </p:cNvSpPr>
-          <p:nvPr>
-            <p:ph type="title"/>
-          </p:nvPr>
-        </p:nvSpPr>
-        <p:spPr>
-          <a:xfrm>
-            <a:off x="450376" y="1052736"/>
-            <a:ext cx="8229600" cy="757982"/>
-          </a:xfrm>
-        </p:spPr>
-        <p:txBody>
-          <a:bodyPr>
-            <a:normAutofit/>
-          </a:bodyPr>
-          <a:lstStyle/>
-          <a:p>
-            <a:r>
-              <a:rPr lang="et-EE" dirty="0" err="1"/>
-              <a:t>Foreign</a:t>
-            </a:r>
-            <a:r>
-              <a:rPr lang="et-EE" dirty="0"/>
-              <a:t> </a:t>
-            </a:r>
-            <a:r>
-              <a:rPr lang="et-EE" dirty="0" err="1"/>
-              <a:t>Key</a:t>
-            </a:r>
-            <a:endParaRPr lang="en-US" dirty="0"/>
-          </a:p>
-        </p:txBody>
-      </p:sp>
-      <p:sp>
-        <p:nvSpPr>
-          <p:cNvPr id="6" name="Rectangle 3">
-            <a:extLst>
-              <a:ext uri="{FF2B5EF4-FFF2-40B4-BE49-F238E27FC236}">
-                <a16:creationId xmlns:a16="http://schemas.microsoft.com/office/drawing/2014/main" id="{652705F7-8DBD-4078-9989-1BB92CA9E4E1}"/>
-              </a:ext>
-            </a:extLst>
-          </p:cNvPr>
-          <p:cNvSpPr>
-            <a:spLocks noChangeArrowheads="1"/>
-          </p:cNvSpPr>
-          <p:nvPr/>
-        </p:nvSpPr>
-        <p:spPr bwMode="auto">
-          <a:xfrm>
-            <a:off x="450376" y="2308230"/>
-            <a:ext cx="8527933" cy="2677656"/>
-          </a:xfrm>
-          <a:prstGeom prst="rect">
-            <a:avLst/>
-          </a:prstGeom>
-          <a:solidFill>
-            <a:srgbClr val="FFFFFF"/>
-          </a:solidFill>
-          <a:ln>
-            <a:noFill/>
-          </a:ln>
-          <a:effectLst/>
-          <a:extLst>
-            <a:ext uri="{91240B29-F687-4F45-9708-019B960494DF}">
-              <a14:hiddenLine xmlns:a14="http://schemas.microsoft.com/office/drawing/2010/main" w="9525">
-                <a:solidFill>
-                  <a:schemeClr val="tx1"/>
-                </a:solidFill>
-                <a:miter lim="800000"/>
-                <a:headEnd/>
-                <a:tailEnd/>
-              </a14:hiddenLine>
-            </a:ext>
-            <a:ext uri="{AF507438-7753-43E0-B8FC-AC1667EBCBE1}">
-              <a14:hiddenEffects xmlns:a14="http://schemas.microsoft.com/office/drawing/2010/main">
-                <a:effectLst>
-                  <a:outerShdw dist="35921" dir="2700000" algn="ctr" rotWithShape="0">
-                    <a:schemeClr val="bg2"/>
-                  </a:outerShdw>
-                </a:effectLst>
-              </a14:hiddenEffects>
-            </a:ext>
-          </a:extLst>
-        </p:spPr>
-        <p:txBody>
-          <a:bodyPr vert="horz" wrap="square" lIns="91440" tIns="45720" rIns="91440" bIns="45720" numCol="1" anchor="ctr" anchorCtr="0" compatLnSpc="1">
-            <a:prstTxWarp prst="textNoShape">
-              <a:avLst/>
-            </a:prstTxWarp>
-            <a:spAutoFit/>
-          </a:bodyPr>
-          <a:lstStyle/>
-          <a:p>
-            <a:pPr marL="0" marR="0" lvl="0" indent="0" algn="l" defTabSz="914400" rtl="0" eaLnBrk="0" fontAlgn="base" latinLnBrk="0" hangingPunct="0">
-              <a:lnSpc>
-                <a:spcPct val="100000"/>
-              </a:lnSpc>
-              <a:spcBef>
-                <a:spcPct val="0"/>
-              </a:spcBef>
-              <a:spcAft>
-                <a:spcPct val="0"/>
-              </a:spcAft>
-              <a:buClrTx/>
-              <a:buSzTx/>
-              <a:buFontTx/>
-              <a:buNone/>
-              <a:tabLst/>
-            </a:pPr>
-            <a:r>
-              <a:rPr kumimoji="0" lang="en-US" altLang="en-US" sz="2800" b="0" i="0" u="none" strike="noStrike" cap="none" normalizeH="0" baseline="0" dirty="0">
-                <a:ln>
-                  <a:noFill/>
-                </a:ln>
-                <a:solidFill>
-                  <a:srgbClr val="080808"/>
-                </a:solidFill>
-                <a:effectLst/>
-                <a:latin typeface="JetBrains Mono"/>
-              </a:rPr>
-              <a:t>&lt;</a:t>
-            </a:r>
-            <a:r>
-              <a:rPr kumimoji="0" lang="en-US" altLang="en-US" sz="2800" b="0" i="0" u="none" strike="noStrike" cap="none" normalizeH="0" baseline="0" dirty="0">
-                <a:ln>
-                  <a:noFill/>
-                </a:ln>
-                <a:solidFill>
-                  <a:srgbClr val="0033B3"/>
-                </a:solidFill>
-                <a:effectLst/>
-                <a:latin typeface="JetBrains Mono"/>
-              </a:rPr>
-              <a:t>column </a:t>
-            </a:r>
-            <a:r>
-              <a:rPr kumimoji="0" lang="en-US" altLang="en-US" sz="2800" b="0" i="0" u="none" strike="noStrike" cap="none" normalizeH="0" baseline="0" dirty="0">
-                <a:ln>
-                  <a:noFill/>
-                </a:ln>
-                <a:solidFill>
-                  <a:srgbClr val="174AD4"/>
-                </a:solidFill>
-                <a:effectLst/>
-                <a:latin typeface="JetBrains Mono"/>
-              </a:rPr>
-              <a:t>name</a:t>
-            </a:r>
-            <a:r>
-              <a:rPr kumimoji="0" lang="en-US" altLang="en-US" sz="2800" b="0" i="0" u="none" strike="noStrike" cap="none" normalizeH="0" baseline="0" dirty="0">
-                <a:ln>
-                  <a:noFill/>
-                </a:ln>
-                <a:solidFill>
-                  <a:srgbClr val="067D17"/>
-                </a:solidFill>
-                <a:effectLst/>
-                <a:latin typeface="JetBrains Mono"/>
-              </a:rPr>
-              <a:t>="</a:t>
-            </a:r>
-            <a:r>
-              <a:rPr kumimoji="0" lang="en-US" altLang="en-US" sz="2800" b="0" i="0" u="none" strike="noStrike" cap="none" normalizeH="0" baseline="0" dirty="0" err="1">
-                <a:ln>
-                  <a:noFill/>
-                </a:ln>
-                <a:solidFill>
-                  <a:srgbClr val="067D17"/>
-                </a:solidFill>
-                <a:effectLst/>
-                <a:latin typeface="JetBrains Mono"/>
-              </a:rPr>
-              <a:t>employee_id</a:t>
-            </a:r>
-            <a:r>
-              <a:rPr kumimoji="0" lang="en-US" altLang="en-US" sz="2800" b="0" i="0" u="none" strike="noStrike" cap="none" normalizeH="0" baseline="0" dirty="0">
-                <a:ln>
-                  <a:noFill/>
-                </a:ln>
-                <a:solidFill>
-                  <a:srgbClr val="067D17"/>
-                </a:solidFill>
-                <a:effectLst/>
-                <a:latin typeface="JetBrains Mono"/>
-              </a:rPr>
-              <a:t>" </a:t>
-            </a:r>
-            <a:r>
-              <a:rPr kumimoji="0" lang="en-US" altLang="en-US" sz="2800" b="0" i="0" u="none" strike="noStrike" cap="none" normalizeH="0" baseline="0" dirty="0">
-                <a:ln>
-                  <a:noFill/>
-                </a:ln>
-                <a:solidFill>
-                  <a:srgbClr val="174AD4"/>
-                </a:solidFill>
-                <a:effectLst/>
-                <a:latin typeface="JetBrains Mono"/>
-              </a:rPr>
-              <a:t>type</a:t>
-            </a:r>
-            <a:r>
-              <a:rPr kumimoji="0" lang="en-US" altLang="en-US" sz="2800" b="0" i="0" u="none" strike="noStrike" cap="none" normalizeH="0" baseline="0" dirty="0">
-                <a:ln>
-                  <a:noFill/>
-                </a:ln>
-                <a:solidFill>
-                  <a:srgbClr val="067D17"/>
-                </a:solidFill>
-                <a:effectLst/>
-                <a:latin typeface="JetBrains Mono"/>
-              </a:rPr>
-              <a:t>="int"</a:t>
-            </a:r>
-            <a:r>
-              <a:rPr kumimoji="0" lang="en-US" altLang="en-US" sz="2800" b="0" i="0" u="none" strike="noStrike" cap="none" normalizeH="0" baseline="0" dirty="0">
-                <a:ln>
-                  <a:noFill/>
-                </a:ln>
-                <a:solidFill>
-                  <a:srgbClr val="080808"/>
-                </a:solidFill>
-                <a:effectLst/>
-                <a:latin typeface="JetBrains Mono"/>
-              </a:rPr>
-              <a:t>&gt;</a:t>
-            </a:r>
-            <a:br>
-              <a:rPr kumimoji="0" lang="en-US" altLang="en-US" sz="2800" b="0" i="0" u="none" strike="noStrike" cap="none" normalizeH="0" baseline="0" dirty="0">
-                <a:ln>
-                  <a:noFill/>
-                </a:ln>
-                <a:solidFill>
-                  <a:srgbClr val="080808"/>
-                </a:solidFill>
-                <a:effectLst/>
-                <a:latin typeface="JetBrains Mono"/>
-              </a:rPr>
-            </a:br>
-            <a:r>
-              <a:rPr kumimoji="0" lang="en-US" altLang="en-US" sz="2800" b="0" i="0" u="none" strike="noStrike" cap="none" normalizeH="0" baseline="0" dirty="0">
-                <a:ln>
-                  <a:noFill/>
-                </a:ln>
-                <a:solidFill>
-                  <a:srgbClr val="080808"/>
-                </a:solidFill>
-                <a:effectLst/>
-                <a:latin typeface="JetBrains Mono"/>
-              </a:rPr>
-              <a:t>    &lt;</a:t>
-            </a:r>
-            <a:r>
-              <a:rPr kumimoji="0" lang="en-US" altLang="en-US" sz="2800" b="0" i="0" u="none" strike="noStrike" cap="none" normalizeH="0" baseline="0" dirty="0">
-                <a:ln>
-                  <a:noFill/>
-                </a:ln>
-                <a:solidFill>
-                  <a:srgbClr val="0033B3"/>
-                </a:solidFill>
-                <a:effectLst/>
-                <a:latin typeface="JetBrains Mono"/>
-              </a:rPr>
-              <a:t>constraints </a:t>
-            </a:r>
-            <a:r>
-              <a:rPr kumimoji="0" lang="en-US" altLang="en-US" sz="2800" b="0" i="0" u="none" strike="noStrike" cap="none" normalizeH="0" baseline="0" dirty="0">
-                <a:ln>
-                  <a:noFill/>
-                </a:ln>
-                <a:solidFill>
-                  <a:srgbClr val="174AD4"/>
-                </a:solidFill>
-                <a:effectLst/>
-                <a:latin typeface="JetBrains Mono"/>
-              </a:rPr>
-              <a:t>nullable</a:t>
-            </a:r>
-            <a:r>
-              <a:rPr kumimoji="0" lang="en-US" altLang="en-US" sz="2800" b="0" i="0" u="none" strike="noStrike" cap="none" normalizeH="0" baseline="0" dirty="0">
-                <a:ln>
-                  <a:noFill/>
-                </a:ln>
-                <a:solidFill>
-                  <a:srgbClr val="067D17"/>
-                </a:solidFill>
-                <a:effectLst/>
-                <a:latin typeface="JetBrains Mono"/>
-              </a:rPr>
-              <a:t>="false"</a:t>
-            </a:r>
-            <a:br>
-              <a:rPr kumimoji="0" lang="en-US" altLang="en-US" sz="2800" b="0" i="0" u="none" strike="noStrike" cap="none" normalizeH="0" baseline="0" dirty="0">
-                <a:ln>
-                  <a:noFill/>
-                </a:ln>
-                <a:solidFill>
-                  <a:srgbClr val="067D17"/>
-                </a:solidFill>
-                <a:effectLst/>
-                <a:latin typeface="JetBrains Mono"/>
-              </a:rPr>
-            </a:br>
-            <a:r>
-              <a:rPr kumimoji="0" lang="en-US" altLang="en-US" sz="2800" b="0" i="0" u="none" strike="noStrike" cap="none" normalizeH="0" baseline="0" dirty="0">
-                <a:ln>
-                  <a:noFill/>
-                </a:ln>
-                <a:solidFill>
-                  <a:srgbClr val="067D17"/>
-                </a:solidFill>
-                <a:effectLst/>
-                <a:latin typeface="JetBrains Mono"/>
-              </a:rPr>
-              <a:t>                 </a:t>
-            </a:r>
-            <a:r>
-              <a:rPr kumimoji="0" lang="en-US" altLang="en-US" sz="2800" b="0" i="0" u="none" strike="noStrike" cap="none" normalizeH="0" baseline="0" dirty="0" err="1">
-                <a:ln>
-                  <a:noFill/>
-                </a:ln>
-                <a:solidFill>
-                  <a:srgbClr val="174AD4"/>
-                </a:solidFill>
-                <a:effectLst/>
-                <a:latin typeface="JetBrains Mono"/>
-              </a:rPr>
-              <a:t>foreignKeyName</a:t>
-            </a:r>
-            <a:r>
-              <a:rPr kumimoji="0" lang="en-US" altLang="en-US" sz="2800" b="0" i="0" u="none" strike="noStrike" cap="none" normalizeH="0" baseline="0" dirty="0">
-                <a:ln>
-                  <a:noFill/>
-                </a:ln>
-                <a:solidFill>
-                  <a:srgbClr val="067D17"/>
-                </a:solidFill>
-                <a:effectLst/>
-                <a:latin typeface="JetBrains Mono"/>
-              </a:rPr>
-              <a:t>="</a:t>
-            </a:r>
-            <a:r>
-              <a:rPr kumimoji="0" lang="en-US" altLang="en-US" sz="2800" b="0" i="0" u="none" strike="noStrike" cap="none" normalizeH="0" baseline="0" dirty="0" err="1">
-                <a:ln>
-                  <a:noFill/>
-                </a:ln>
-                <a:solidFill>
-                  <a:srgbClr val="067D17"/>
-                </a:solidFill>
-                <a:effectLst/>
-                <a:latin typeface="JetBrains Mono"/>
-              </a:rPr>
-              <a:t>fk_address_employee</a:t>
-            </a:r>
-            <a:r>
-              <a:rPr kumimoji="0" lang="en-US" altLang="en-US" sz="2800" b="0" i="0" u="none" strike="noStrike" cap="none" normalizeH="0" baseline="0" dirty="0">
-                <a:ln>
-                  <a:noFill/>
-                </a:ln>
-                <a:solidFill>
-                  <a:srgbClr val="067D17"/>
-                </a:solidFill>
-                <a:effectLst/>
-                <a:latin typeface="JetBrains Mono"/>
-              </a:rPr>
-              <a:t>"</a:t>
-            </a:r>
-            <a:br>
-              <a:rPr kumimoji="0" lang="en-US" altLang="en-US" sz="2800" b="0" i="0" u="none" strike="noStrike" cap="none" normalizeH="0" baseline="0" dirty="0">
-                <a:ln>
-                  <a:noFill/>
-                </a:ln>
-                <a:solidFill>
-                  <a:srgbClr val="067D17"/>
-                </a:solidFill>
-                <a:effectLst/>
-                <a:latin typeface="JetBrains Mono"/>
-              </a:rPr>
-            </a:br>
-            <a:r>
-              <a:rPr kumimoji="0" lang="en-US" altLang="en-US" sz="2800" b="0" i="0" u="none" strike="noStrike" cap="none" normalizeH="0" baseline="0" dirty="0">
-                <a:ln>
-                  <a:noFill/>
-                </a:ln>
-                <a:solidFill>
-                  <a:srgbClr val="067D17"/>
-                </a:solidFill>
-                <a:effectLst/>
-                <a:latin typeface="JetBrains Mono"/>
-              </a:rPr>
-              <a:t>                 </a:t>
-            </a:r>
-            <a:r>
-              <a:rPr kumimoji="0" lang="en-US" altLang="en-US" sz="2800" b="0" i="0" u="none" strike="noStrike" cap="none" normalizeH="0" baseline="0" dirty="0">
-                <a:ln>
-                  <a:noFill/>
-                </a:ln>
-                <a:solidFill>
-                  <a:srgbClr val="174AD4"/>
-                </a:solidFill>
-                <a:effectLst/>
-                <a:latin typeface="JetBrains Mono"/>
-              </a:rPr>
-              <a:t>references</a:t>
-            </a:r>
-            <a:r>
-              <a:rPr kumimoji="0" lang="en-US" altLang="en-US" sz="2800" b="0" i="0" u="none" strike="noStrike" cap="none" normalizeH="0" baseline="0" dirty="0">
-                <a:ln>
-                  <a:noFill/>
-                </a:ln>
-                <a:solidFill>
-                  <a:srgbClr val="067D17"/>
-                </a:solidFill>
-                <a:effectLst/>
-                <a:latin typeface="JetBrains Mono"/>
-              </a:rPr>
-              <a:t>="employee(id)"</a:t>
-            </a:r>
-            <a:r>
-              <a:rPr kumimoji="0" lang="en-US" altLang="en-US" sz="2800" b="0" i="0" u="none" strike="noStrike" cap="none" normalizeH="0" baseline="0" dirty="0">
-                <a:ln>
-                  <a:noFill/>
-                </a:ln>
-                <a:solidFill>
-                  <a:srgbClr val="080808"/>
-                </a:solidFill>
-                <a:effectLst/>
-                <a:latin typeface="JetBrains Mono"/>
-              </a:rPr>
-              <a:t>/&gt;</a:t>
-            </a:r>
-            <a:br>
-              <a:rPr kumimoji="0" lang="en-US" altLang="en-US" sz="2800" b="0" i="0" u="none" strike="noStrike" cap="none" normalizeH="0" baseline="0" dirty="0">
-                <a:ln>
-                  <a:noFill/>
-                </a:ln>
-                <a:solidFill>
-                  <a:srgbClr val="080808"/>
-                </a:solidFill>
-                <a:effectLst/>
-                <a:latin typeface="JetBrains Mono"/>
-              </a:rPr>
-            </a:br>
-            <a:r>
-              <a:rPr kumimoji="0" lang="en-US" altLang="en-US" sz="2800" b="0" i="0" u="none" strike="noStrike" cap="none" normalizeH="0" baseline="0" dirty="0">
-                <a:ln>
-                  <a:noFill/>
-                </a:ln>
-                <a:solidFill>
-                  <a:srgbClr val="080808"/>
-                </a:solidFill>
-                <a:effectLst/>
-                <a:latin typeface="JetBrains Mono"/>
-              </a:rPr>
-              <a:t>&lt;/</a:t>
-            </a:r>
-            <a:r>
-              <a:rPr kumimoji="0" lang="en-US" altLang="en-US" sz="2800" b="0" i="0" u="none" strike="noStrike" cap="none" normalizeH="0" baseline="0" dirty="0">
-                <a:ln>
-                  <a:noFill/>
-                </a:ln>
-                <a:solidFill>
-                  <a:srgbClr val="0033B3"/>
-                </a:solidFill>
-                <a:effectLst/>
-                <a:latin typeface="JetBrains Mono"/>
-              </a:rPr>
-              <a:t>column</a:t>
-            </a:r>
-            <a:r>
-              <a:rPr kumimoji="0" lang="en-US" altLang="en-US" sz="2800" b="0" i="0" u="none" strike="noStrike" cap="none" normalizeH="0" baseline="0" dirty="0">
-                <a:ln>
-                  <a:noFill/>
-                </a:ln>
-                <a:solidFill>
-                  <a:srgbClr val="080808"/>
-                </a:solidFill>
-                <a:effectLst/>
-                <a:latin typeface="JetBrains Mono"/>
-              </a:rPr>
-              <a:t>&gt; </a:t>
-            </a:r>
-            <a:br>
-              <a:rPr kumimoji="0" lang="en-US" altLang="en-US" sz="2800" b="0" i="0" u="none" strike="noStrike" cap="none" normalizeH="0" baseline="0" dirty="0">
-                <a:ln>
-                  <a:noFill/>
-                </a:ln>
-                <a:solidFill>
-                  <a:srgbClr val="080808"/>
-                </a:solidFill>
-                <a:effectLst/>
-                <a:latin typeface="JetBrains Mono"/>
-              </a:rPr>
-            </a:br>
-            <a:endParaRPr kumimoji="0" lang="en-US" altLang="en-US" sz="2800" b="0" i="0" u="none" strike="noStrike" cap="none" normalizeH="0" baseline="0" dirty="0">
-              <a:ln>
-                <a:noFill/>
-              </a:ln>
-              <a:solidFill>
-                <a:schemeClr val="tx1"/>
-              </a:solidFill>
-              <a:effectLst/>
-              <a:latin typeface="Arial" panose="020B0604020202020204" pitchFamily="34" charset="0"/>
-            </a:endParaRPr>
-          </a:p>
-        </p:txBody>
-      </p:sp>
-    </p:spTree>
-    <p:extLst>
-      <p:ext uri="{BB962C8B-B14F-4D97-AF65-F5344CB8AC3E}">
-        <p14:creationId xmlns:p14="http://schemas.microsoft.com/office/powerpoint/2010/main" val="110772116"/>
-      </p:ext>
-    </p:extLst>
-  </p:cSld>
-  <p:clrMapOvr>
-    <a:masterClrMapping/>
-  </p:clrMapOvr>
-</p:sld>
-</file>
-
 <file path=ppt/slides/slide9.xml><?xml version="1.0" encoding="utf-8"?>
 <p:sld xmlns:a="http://schemas.openxmlformats.org/drawingml/2006/main" xmlns:r="http://schemas.openxmlformats.org/officeDocument/2006/relationships" xmlns:p="http://schemas.openxmlformats.org/presentationml/2006/main">
   <p:cSld>
@@ -6429,7 +10835,7 @@
           <a:p>
             <a:r>
               <a:rPr lang="et-EE" dirty="0" err="1"/>
-              <a:t>Liqubase</a:t>
+              <a:t>Foreign</a:t>
             </a:r>
             <a:r>
               <a:rPr lang="et-EE" dirty="0"/>
@@ -6437,7 +10843,7 @@
             </a:r>
             <a:r>
               <a:rPr lang="et-EE" dirty="0" err="1"/>
-              <a:t>documentation</a:t>
+              <a:t>Key</a:t>
             </a:r>
             <a:endParaRPr lang="en-US" dirty="0"/>
           </a:p>
@@ -6445,45 +10851,482 @@
       </p:sp>
       <p:sp>
         <p:nvSpPr>
-          <p:cNvPr id="3" name="Content Placeholder 2">
+          <p:cNvPr id="6" name="Rectangle 3">
             <a:extLst>
               <a:ext uri="{FF2B5EF4-FFF2-40B4-BE49-F238E27FC236}">
-                <a16:creationId xmlns:a16="http://schemas.microsoft.com/office/drawing/2014/main" id="{8568E9C9-A2B2-46AF-9C88-FA5163FF6C4A}"/>
+                <a16:creationId xmlns:a16="http://schemas.microsoft.com/office/drawing/2014/main" id="{652705F7-8DBD-4078-9989-1BB92CA9E4E1}"/>
               </a:ext>
             </a:extLst>
           </p:cNvPr>
           <p:cNvSpPr>
-            <a:spLocks noGrp="1"/>
+            <a:spLocks noChangeArrowheads="1"/>
           </p:cNvSpPr>
-          <p:nvPr>
-            <p:ph idx="1"/>
-          </p:nvPr>
+          <p:nvPr/>
         </p:nvSpPr>
-        <p:spPr>
+        <p:spPr bwMode="auto">
           <a:xfrm>
-            <a:off x="421861" y="2348880"/>
-            <a:ext cx="8236424" cy="3993307"/>
+            <a:off x="450376" y="2308230"/>
+            <a:ext cx="8527933" cy="2677656"/>
           </a:xfrm>
+          <a:prstGeom prst="rect">
+            <a:avLst/>
+          </a:prstGeom>
+          <a:solidFill>
+            <a:srgbClr val="FFFFFF"/>
+          </a:solidFill>
+          <a:ln>
+            <a:noFill/>
+          </a:ln>
+          <a:effectLst/>
+          <a:extLst>
+            <a:ext uri="{91240B29-F687-4F45-9708-019B960494DF}">
+              <a14:hiddenLine xmlns:a14="http://schemas.microsoft.com/office/drawing/2010/main" w="9525">
+                <a:solidFill>
+                  <a:schemeClr val="tx1"/>
+                </a:solidFill>
+                <a:miter lim="800000"/>
+                <a:headEnd/>
+                <a:tailEnd/>
+              </a14:hiddenLine>
+            </a:ext>
+            <a:ext uri="{AF507438-7753-43E0-B8FC-AC1667EBCBE1}">
+              <a14:hiddenEffects xmlns:a14="http://schemas.microsoft.com/office/drawing/2010/main">
+                <a:effectLst>
+                  <a:outerShdw dist="35921" dir="2700000" algn="ctr" rotWithShape="0">
+                    <a:schemeClr val="bg2"/>
+                  </a:outerShdw>
+                </a:effectLst>
+              </a14:hiddenEffects>
+            </a:ext>
+          </a:extLst>
         </p:spPr>
         <p:txBody>
-          <a:bodyPr/>
+          <a:bodyPr vert="horz" wrap="square" lIns="91440" tIns="45720" rIns="91440" bIns="45720" numCol="1" anchor="ctr" anchorCtr="0" compatLnSpc="1">
+            <a:prstTxWarp prst="textNoShape">
+              <a:avLst/>
+            </a:prstTxWarp>
+            <a:spAutoFit/>
+          </a:bodyPr>
           <a:lstStyle/>
           <a:p>
-            <a:pPr marL="0" indent="0">
+            <a:pPr marL="0" marR="0" lvl="0" indent="0" algn="l" defTabSz="914400" rtl="0" eaLnBrk="0" fontAlgn="base" latinLnBrk="0" hangingPunct="0">
+              <a:lnSpc>
+                <a:spcPct val="100000"/>
+              </a:lnSpc>
+              <a:spcBef>
+                <a:spcPct val="0"/>
+              </a:spcBef>
+              <a:spcAft>
+                <a:spcPct val="0"/>
+              </a:spcAft>
+              <a:buClrTx/>
+              <a:buSzTx/>
+              <a:buFontTx/>
               <a:buNone/>
+              <a:tabLst/>
             </a:pPr>
             <a:r>
-              <a:rPr lang="en-US" dirty="0"/>
-              <a:t>https://docs.liquibase.com/concepts/basic/xml-format.html</a:t>
-            </a:r>
-            <a:endParaRPr lang="et-EE" dirty="0"/>
+              <a:rPr kumimoji="0" lang="en-US" altLang="en-US" sz="2800" b="0" i="0" u="none" strike="noStrike" cap="none" normalizeH="0" baseline="0" dirty="0">
+                <a:ln>
+                  <a:noFill/>
+                </a:ln>
+                <a:solidFill>
+                  <a:srgbClr val="080808"/>
+                </a:solidFill>
+                <a:effectLst/>
+                <a:latin typeface="JetBrains Mono"/>
+              </a:rPr>
+              <a:t>&lt;</a:t>
+            </a:r>
+            <a:r>
+              <a:rPr kumimoji="0" lang="en-US" altLang="en-US" sz="2800" b="0" i="0" u="none" strike="noStrike" cap="none" normalizeH="0" baseline="0" dirty="0">
+                <a:ln>
+                  <a:noFill/>
+                </a:ln>
+                <a:solidFill>
+                  <a:srgbClr val="0033B3"/>
+                </a:solidFill>
+                <a:effectLst/>
+                <a:latin typeface="JetBrains Mono"/>
+              </a:rPr>
+              <a:t>column </a:t>
+            </a:r>
+            <a:r>
+              <a:rPr kumimoji="0" lang="en-US" altLang="en-US" sz="2800" b="0" i="0" u="none" strike="noStrike" cap="none" normalizeH="0" baseline="0" dirty="0">
+                <a:ln>
+                  <a:noFill/>
+                </a:ln>
+                <a:solidFill>
+                  <a:srgbClr val="174AD4"/>
+                </a:solidFill>
+                <a:effectLst/>
+                <a:latin typeface="JetBrains Mono"/>
+              </a:rPr>
+              <a:t>name</a:t>
+            </a:r>
+            <a:r>
+              <a:rPr kumimoji="0" lang="en-US" altLang="en-US" sz="2800" b="0" i="0" u="none" strike="noStrike" cap="none" normalizeH="0" baseline="0" dirty="0">
+                <a:ln>
+                  <a:noFill/>
+                </a:ln>
+                <a:solidFill>
+                  <a:srgbClr val="067D17"/>
+                </a:solidFill>
+                <a:effectLst/>
+                <a:latin typeface="JetBrains Mono"/>
+              </a:rPr>
+              <a:t>="</a:t>
+            </a:r>
+            <a:r>
+              <a:rPr kumimoji="0" lang="en-US" altLang="en-US" sz="2800" b="0" i="0" u="none" strike="noStrike" cap="none" normalizeH="0" baseline="0" dirty="0" err="1">
+                <a:ln>
+                  <a:noFill/>
+                </a:ln>
+                <a:solidFill>
+                  <a:srgbClr val="067D17"/>
+                </a:solidFill>
+                <a:effectLst/>
+                <a:latin typeface="JetBrains Mono"/>
+              </a:rPr>
+              <a:t>employee_id</a:t>
+            </a:r>
+            <a:r>
+              <a:rPr kumimoji="0" lang="en-US" altLang="en-US" sz="2800" b="0" i="0" u="none" strike="noStrike" cap="none" normalizeH="0" baseline="0" dirty="0">
+                <a:ln>
+                  <a:noFill/>
+                </a:ln>
+                <a:solidFill>
+                  <a:srgbClr val="067D17"/>
+                </a:solidFill>
+                <a:effectLst/>
+                <a:latin typeface="JetBrains Mono"/>
+              </a:rPr>
+              <a:t>" </a:t>
+            </a:r>
+            <a:r>
+              <a:rPr kumimoji="0" lang="en-US" altLang="en-US" sz="2800" b="0" i="0" u="none" strike="noStrike" cap="none" normalizeH="0" baseline="0" dirty="0">
+                <a:ln>
+                  <a:noFill/>
+                </a:ln>
+                <a:solidFill>
+                  <a:srgbClr val="174AD4"/>
+                </a:solidFill>
+                <a:effectLst/>
+                <a:latin typeface="JetBrains Mono"/>
+              </a:rPr>
+              <a:t>type</a:t>
+            </a:r>
+            <a:r>
+              <a:rPr kumimoji="0" lang="en-US" altLang="en-US" sz="2800" b="0" i="0" u="none" strike="noStrike" cap="none" normalizeH="0" baseline="0" dirty="0">
+                <a:ln>
+                  <a:noFill/>
+                </a:ln>
+                <a:solidFill>
+                  <a:srgbClr val="067D17"/>
+                </a:solidFill>
+                <a:effectLst/>
+                <a:latin typeface="JetBrains Mono"/>
+              </a:rPr>
+              <a:t>="int"</a:t>
+            </a:r>
+            <a:r>
+              <a:rPr kumimoji="0" lang="en-US" altLang="en-US" sz="2800" b="0" i="0" u="none" strike="noStrike" cap="none" normalizeH="0" baseline="0" dirty="0">
+                <a:ln>
+                  <a:noFill/>
+                </a:ln>
+                <a:solidFill>
+                  <a:srgbClr val="080808"/>
+                </a:solidFill>
+                <a:effectLst/>
+                <a:latin typeface="JetBrains Mono"/>
+              </a:rPr>
+              <a:t>&gt;</a:t>
+            </a:r>
+            <a:br>
+              <a:rPr kumimoji="0" lang="en-US" altLang="en-US" sz="2800" b="0" i="0" u="none" strike="noStrike" cap="none" normalizeH="0" baseline="0" dirty="0">
+                <a:ln>
+                  <a:noFill/>
+                </a:ln>
+                <a:solidFill>
+                  <a:srgbClr val="080808"/>
+                </a:solidFill>
+                <a:effectLst/>
+                <a:latin typeface="JetBrains Mono"/>
+              </a:rPr>
+            </a:br>
+            <a:r>
+              <a:rPr kumimoji="0" lang="en-US" altLang="en-US" sz="2800" b="0" i="0" u="none" strike="noStrike" cap="none" normalizeH="0" baseline="0" dirty="0">
+                <a:ln>
+                  <a:noFill/>
+                </a:ln>
+                <a:solidFill>
+                  <a:srgbClr val="080808"/>
+                </a:solidFill>
+                <a:effectLst/>
+                <a:latin typeface="JetBrains Mono"/>
+              </a:rPr>
+              <a:t>    &lt;</a:t>
+            </a:r>
+            <a:r>
+              <a:rPr kumimoji="0" lang="en-US" altLang="en-US" sz="2800" b="0" i="0" u="none" strike="noStrike" cap="none" normalizeH="0" baseline="0" dirty="0">
+                <a:ln>
+                  <a:noFill/>
+                </a:ln>
+                <a:solidFill>
+                  <a:srgbClr val="0033B3"/>
+                </a:solidFill>
+                <a:effectLst/>
+                <a:latin typeface="JetBrains Mono"/>
+              </a:rPr>
+              <a:t>constraints </a:t>
+            </a:r>
+            <a:r>
+              <a:rPr kumimoji="0" lang="en-US" altLang="en-US" sz="2800" b="0" i="0" u="none" strike="noStrike" cap="none" normalizeH="0" baseline="0" dirty="0">
+                <a:ln>
+                  <a:noFill/>
+                </a:ln>
+                <a:solidFill>
+                  <a:srgbClr val="174AD4"/>
+                </a:solidFill>
+                <a:effectLst/>
+                <a:latin typeface="JetBrains Mono"/>
+              </a:rPr>
+              <a:t>nullable</a:t>
+            </a:r>
+            <a:r>
+              <a:rPr kumimoji="0" lang="en-US" altLang="en-US" sz="2800" b="0" i="0" u="none" strike="noStrike" cap="none" normalizeH="0" baseline="0" dirty="0">
+                <a:ln>
+                  <a:noFill/>
+                </a:ln>
+                <a:solidFill>
+                  <a:srgbClr val="067D17"/>
+                </a:solidFill>
+                <a:effectLst/>
+                <a:latin typeface="JetBrains Mono"/>
+              </a:rPr>
+              <a:t>="false"</a:t>
+            </a:r>
+            <a:br>
+              <a:rPr kumimoji="0" lang="en-US" altLang="en-US" sz="2800" b="0" i="0" u="none" strike="noStrike" cap="none" normalizeH="0" baseline="0" dirty="0">
+                <a:ln>
+                  <a:noFill/>
+                </a:ln>
+                <a:solidFill>
+                  <a:srgbClr val="067D17"/>
+                </a:solidFill>
+                <a:effectLst/>
+                <a:latin typeface="JetBrains Mono"/>
+              </a:rPr>
+            </a:br>
+            <a:r>
+              <a:rPr kumimoji="0" lang="en-US" altLang="en-US" sz="2800" b="0" i="0" u="none" strike="noStrike" cap="none" normalizeH="0" baseline="0" dirty="0">
+                <a:ln>
+                  <a:noFill/>
+                </a:ln>
+                <a:solidFill>
+                  <a:srgbClr val="067D17"/>
+                </a:solidFill>
+                <a:effectLst/>
+                <a:latin typeface="JetBrains Mono"/>
+              </a:rPr>
+              <a:t>                 </a:t>
+            </a:r>
+            <a:r>
+              <a:rPr kumimoji="0" lang="en-US" altLang="en-US" sz="2800" b="0" i="0" u="none" strike="noStrike" cap="none" normalizeH="0" baseline="0" dirty="0" err="1">
+                <a:ln>
+                  <a:noFill/>
+                </a:ln>
+                <a:solidFill>
+                  <a:srgbClr val="174AD4"/>
+                </a:solidFill>
+                <a:effectLst/>
+                <a:latin typeface="JetBrains Mono"/>
+              </a:rPr>
+              <a:t>foreignKeyName</a:t>
+            </a:r>
+            <a:r>
+              <a:rPr kumimoji="0" lang="en-US" altLang="en-US" sz="2800" b="0" i="0" u="none" strike="noStrike" cap="none" normalizeH="0" baseline="0" dirty="0">
+                <a:ln>
+                  <a:noFill/>
+                </a:ln>
+                <a:solidFill>
+                  <a:srgbClr val="067D17"/>
+                </a:solidFill>
+                <a:effectLst/>
+                <a:latin typeface="JetBrains Mono"/>
+              </a:rPr>
+              <a:t>="</a:t>
+            </a:r>
+            <a:r>
+              <a:rPr kumimoji="0" lang="en-US" altLang="en-US" sz="2800" b="0" i="0" u="none" strike="noStrike" cap="none" normalizeH="0" baseline="0" dirty="0" err="1">
+                <a:ln>
+                  <a:noFill/>
+                </a:ln>
+                <a:solidFill>
+                  <a:srgbClr val="067D17"/>
+                </a:solidFill>
+                <a:effectLst/>
+                <a:latin typeface="JetBrains Mono"/>
+              </a:rPr>
+              <a:t>fk_address_employee</a:t>
+            </a:r>
+            <a:r>
+              <a:rPr kumimoji="0" lang="en-US" altLang="en-US" sz="2800" b="0" i="0" u="none" strike="noStrike" cap="none" normalizeH="0" baseline="0" dirty="0">
+                <a:ln>
+                  <a:noFill/>
+                </a:ln>
+                <a:solidFill>
+                  <a:srgbClr val="067D17"/>
+                </a:solidFill>
+                <a:effectLst/>
+                <a:latin typeface="JetBrains Mono"/>
+              </a:rPr>
+              <a:t>"</a:t>
+            </a:r>
+            <a:br>
+              <a:rPr kumimoji="0" lang="en-US" altLang="en-US" sz="2800" b="0" i="0" u="none" strike="noStrike" cap="none" normalizeH="0" baseline="0" dirty="0">
+                <a:ln>
+                  <a:noFill/>
+                </a:ln>
+                <a:solidFill>
+                  <a:srgbClr val="067D17"/>
+                </a:solidFill>
+                <a:effectLst/>
+                <a:latin typeface="JetBrains Mono"/>
+              </a:rPr>
+            </a:br>
+            <a:r>
+              <a:rPr kumimoji="0" lang="en-US" altLang="en-US" sz="2800" b="0" i="0" u="none" strike="noStrike" cap="none" normalizeH="0" baseline="0" dirty="0">
+                <a:ln>
+                  <a:noFill/>
+                </a:ln>
+                <a:solidFill>
+                  <a:srgbClr val="067D17"/>
+                </a:solidFill>
+                <a:effectLst/>
+                <a:latin typeface="JetBrains Mono"/>
+              </a:rPr>
+              <a:t>                 </a:t>
+            </a:r>
+            <a:r>
+              <a:rPr kumimoji="0" lang="en-US" altLang="en-US" sz="2800" b="0" i="0" u="none" strike="noStrike" cap="none" normalizeH="0" baseline="0" dirty="0">
+                <a:ln>
+                  <a:noFill/>
+                </a:ln>
+                <a:solidFill>
+                  <a:srgbClr val="174AD4"/>
+                </a:solidFill>
+                <a:effectLst/>
+                <a:latin typeface="JetBrains Mono"/>
+              </a:rPr>
+              <a:t>references</a:t>
+            </a:r>
+            <a:r>
+              <a:rPr kumimoji="0" lang="en-US" altLang="en-US" sz="2800" b="0" i="0" u="none" strike="noStrike" cap="none" normalizeH="0" baseline="0" dirty="0">
+                <a:ln>
+                  <a:noFill/>
+                </a:ln>
+                <a:solidFill>
+                  <a:srgbClr val="067D17"/>
+                </a:solidFill>
+                <a:effectLst/>
+                <a:latin typeface="JetBrains Mono"/>
+              </a:rPr>
+              <a:t>="employee(id)"</a:t>
+            </a:r>
+            <a:r>
+              <a:rPr kumimoji="0" lang="en-US" altLang="en-US" sz="2800" b="0" i="0" u="none" strike="noStrike" cap="none" normalizeH="0" baseline="0" dirty="0">
+                <a:ln>
+                  <a:noFill/>
+                </a:ln>
+                <a:solidFill>
+                  <a:srgbClr val="080808"/>
+                </a:solidFill>
+                <a:effectLst/>
+                <a:latin typeface="JetBrains Mono"/>
+              </a:rPr>
+              <a:t>/&gt;</a:t>
+            </a:r>
+            <a:br>
+              <a:rPr kumimoji="0" lang="en-US" altLang="en-US" sz="2800" b="0" i="0" u="none" strike="noStrike" cap="none" normalizeH="0" baseline="0" dirty="0">
+                <a:ln>
+                  <a:noFill/>
+                </a:ln>
+                <a:solidFill>
+                  <a:srgbClr val="080808"/>
+                </a:solidFill>
+                <a:effectLst/>
+                <a:latin typeface="JetBrains Mono"/>
+              </a:rPr>
+            </a:br>
+            <a:r>
+              <a:rPr kumimoji="0" lang="en-US" altLang="en-US" sz="2800" b="0" i="0" u="none" strike="noStrike" cap="none" normalizeH="0" baseline="0" dirty="0">
+                <a:ln>
+                  <a:noFill/>
+                </a:ln>
+                <a:solidFill>
+                  <a:srgbClr val="080808"/>
+                </a:solidFill>
+                <a:effectLst/>
+                <a:latin typeface="JetBrains Mono"/>
+              </a:rPr>
+              <a:t>&lt;/</a:t>
+            </a:r>
+            <a:r>
+              <a:rPr kumimoji="0" lang="en-US" altLang="en-US" sz="2800" b="0" i="0" u="none" strike="noStrike" cap="none" normalizeH="0" baseline="0" dirty="0">
+                <a:ln>
+                  <a:noFill/>
+                </a:ln>
+                <a:solidFill>
+                  <a:srgbClr val="0033B3"/>
+                </a:solidFill>
+                <a:effectLst/>
+                <a:latin typeface="JetBrains Mono"/>
+              </a:rPr>
+              <a:t>column</a:t>
+            </a:r>
+            <a:r>
+              <a:rPr kumimoji="0" lang="en-US" altLang="en-US" sz="2800" b="0" i="0" u="none" strike="noStrike" cap="none" normalizeH="0" baseline="0" dirty="0">
+                <a:ln>
+                  <a:noFill/>
+                </a:ln>
+                <a:solidFill>
+                  <a:srgbClr val="080808"/>
+                </a:solidFill>
+                <a:effectLst/>
+                <a:latin typeface="JetBrains Mono"/>
+              </a:rPr>
+              <a:t>&gt; </a:t>
+            </a:r>
+            <a:br>
+              <a:rPr kumimoji="0" lang="en-US" altLang="en-US" sz="2800" b="0" i="0" u="none" strike="noStrike" cap="none" normalizeH="0" baseline="0" dirty="0">
+                <a:ln>
+                  <a:noFill/>
+                </a:ln>
+                <a:solidFill>
+                  <a:srgbClr val="080808"/>
+                </a:solidFill>
+                <a:effectLst/>
+                <a:latin typeface="JetBrains Mono"/>
+              </a:rPr>
+            </a:br>
+            <a:endParaRPr kumimoji="0" lang="en-US" altLang="en-US" sz="2800" b="0" i="0" u="none" strike="noStrike" cap="none" normalizeH="0" baseline="0" dirty="0">
+              <a:ln>
+                <a:noFill/>
+              </a:ln>
+              <a:solidFill>
+                <a:schemeClr val="tx1"/>
+              </a:solidFill>
+              <a:effectLst/>
+              <a:latin typeface="Arial" panose="020B0604020202020204" pitchFamily="34" charset="0"/>
+            </a:endParaRPr>
           </a:p>
         </p:txBody>
       </p:sp>
     </p:spTree>
     <p:extLst>
       <p:ext uri="{BB962C8B-B14F-4D97-AF65-F5344CB8AC3E}">
-        <p14:creationId xmlns:p14="http://schemas.microsoft.com/office/powerpoint/2010/main" val="3183958045"/>
+        <p14:creationId xmlns:p14="http://schemas.microsoft.com/office/powerpoint/2010/main" val="110772116"/>
       </p:ext>
     </p:extLst>
   </p:cSld>
